--- a/Deliverables/DIMA - Presentation.pptx
+++ b/Deliverables/DIMA - Presentation.pptx
@@ -5,7 +5,7 @@
     <p:sldMasterId id="2147483648" r:id="rId1"/>
   </p:sldMasterIdLst>
   <p:notesMasterIdLst>
-    <p:notesMasterId r:id="rId9"/>
+    <p:notesMasterId r:id="rId10"/>
   </p:notesMasterIdLst>
   <p:sldIdLst>
     <p:sldId id="256" r:id="rId2"/>
@@ -13,8 +13,9 @@
     <p:sldId id="258" r:id="rId4"/>
     <p:sldId id="260" r:id="rId5"/>
     <p:sldId id="261" r:id="rId6"/>
-    <p:sldId id="265" r:id="rId7"/>
-    <p:sldId id="262" r:id="rId8"/>
+    <p:sldId id="266" r:id="rId7"/>
+    <p:sldId id="265" r:id="rId8"/>
+    <p:sldId id="262" r:id="rId9"/>
   </p:sldIdLst>
   <p:sldSz cx="12192000" cy="6858000"/>
   <p:notesSz cx="6858000" cy="9144000"/>
@@ -124,10 +125,1374 @@
 <file path=ppt/revisionInfo.xml><?xml version="1.0" encoding="utf-8"?>
 <p1510:revInfo xmlns:a="http://schemas.openxmlformats.org/drawingml/2006/main" xmlns:r="http://schemas.openxmlformats.org/officeDocument/2006/relationships" xmlns:p1510="http://schemas.microsoft.com/office/powerpoint/2015/10/main">
   <p1510:revLst>
-    <p1510:client id="{5C04A3C0-87BC-4419-99A4-298384D64A18}" v="17" dt="2023-06-23T22:44:22.035"/>
-    <p1510:client id="{CE4B2AE5-29F8-8147-94D3-6CDBAE3C269E}" v="454" dt="2023-06-23T13:46:37.061"/>
+    <p1510:client id="{CE4B2AE5-29F8-8147-94D3-6CDBAE3C269E}" v="512" dt="2023-06-27T12:25:20.597"/>
   </p1510:revLst>
 </p1510:revInfo>
+</file>
+
+<file path=ppt/changesInfos/changesInfo1.xml><?xml version="1.0" encoding="utf-8"?>
+<pc:chgInfo xmlns:a="http://schemas.openxmlformats.org/drawingml/2006/main" xmlns:r="http://schemas.openxmlformats.org/officeDocument/2006/relationships" xmlns:ac="http://schemas.microsoft.com/office/drawing/2013/main/command" xmlns:pc="http://schemas.microsoft.com/office/powerpoint/2013/main/command">
+  <pc:docChgLst>
+    <pc:chgData name="Tommaso Sprocati" userId="ee542eccb6201050" providerId="Windows Live" clId="Web-{5C04A3C0-87BC-4419-99A4-298384D64A18}"/>
+    <pc:docChg chg="modSld">
+      <pc:chgData name="Tommaso Sprocati" userId="ee542eccb6201050" providerId="Windows Live" clId="Web-{5C04A3C0-87BC-4419-99A4-298384D64A18}" dt="2023-06-23T22:44:22.035" v="15"/>
+      <pc:docMkLst>
+        <pc:docMk/>
+      </pc:docMkLst>
+      <pc:sldChg chg="addSp delSp modSp">
+        <pc:chgData name="Tommaso Sprocati" userId="ee542eccb6201050" providerId="Windows Live" clId="Web-{5C04A3C0-87BC-4419-99A4-298384D64A18}" dt="2023-06-23T22:44:22.035" v="15"/>
+        <pc:sldMkLst>
+          <pc:docMk/>
+          <pc:sldMk cId="1051833920" sldId="260"/>
+        </pc:sldMkLst>
+        <pc:picChg chg="add mod">
+          <ac:chgData name="Tommaso Sprocati" userId="ee542eccb6201050" providerId="Windows Live" clId="Web-{5C04A3C0-87BC-4419-99A4-298384D64A18}" dt="2023-06-23T22:44:06.362" v="12" actId="1076"/>
+          <ac:picMkLst>
+            <pc:docMk/>
+            <pc:sldMk cId="1051833920" sldId="260"/>
+            <ac:picMk id="3" creationId="{6ECBBEBE-A2F5-55EC-0FF4-47F30DCA64C7}"/>
+          </ac:picMkLst>
+        </pc:picChg>
+        <pc:picChg chg="mod">
+          <ac:chgData name="Tommaso Sprocati" userId="ee542eccb6201050" providerId="Windows Live" clId="Web-{5C04A3C0-87BC-4419-99A4-298384D64A18}" dt="2023-06-23T22:33:52.714" v="0" actId="1076"/>
+          <ac:picMkLst>
+            <pc:docMk/>
+            <pc:sldMk cId="1051833920" sldId="260"/>
+            <ac:picMk id="10" creationId="{1B7B1716-8870-AFD8-CC35-14CE37E2B04F}"/>
+          </ac:picMkLst>
+        </pc:picChg>
+        <pc:cxnChg chg="add del mod">
+          <ac:chgData name="Tommaso Sprocati" userId="ee542eccb6201050" providerId="Windows Live" clId="Web-{5C04A3C0-87BC-4419-99A4-298384D64A18}" dt="2023-06-23T22:44:22.035" v="15"/>
+          <ac:cxnSpMkLst>
+            <pc:docMk/>
+            <pc:sldMk cId="1051833920" sldId="260"/>
+            <ac:cxnSpMk id="4" creationId="{10C5AC54-EFB8-AD55-784B-D484D08FBA3E}"/>
+          </ac:cxnSpMkLst>
+        </pc:cxnChg>
+      </pc:sldChg>
+    </pc:docChg>
+  </pc:docChgLst>
+  <pc:docChgLst>
+    <pc:chgData name="Tommaso Sprocati" userId="ee542eccb6201050" providerId="Windows Live" clId="Web-{BD6FEC23-10FF-48A4-8651-E55A94B7CE48}"/>
+    <pc:docChg chg="addSld delSld modSld">
+      <pc:chgData name="Tommaso Sprocati" userId="ee542eccb6201050" providerId="Windows Live" clId="Web-{BD6FEC23-10FF-48A4-8651-E55A94B7CE48}" dt="2023-06-21T20:22:01.111" v="182" actId="14100"/>
+      <pc:docMkLst>
+        <pc:docMk/>
+      </pc:docMkLst>
+      <pc:sldChg chg="addSp delSp modSp">
+        <pc:chgData name="Tommaso Sprocati" userId="ee542eccb6201050" providerId="Windows Live" clId="Web-{BD6FEC23-10FF-48A4-8651-E55A94B7CE48}" dt="2023-06-21T20:00:41.614" v="97" actId="1076"/>
+        <pc:sldMkLst>
+          <pc:docMk/>
+          <pc:sldMk cId="2286604492" sldId="257"/>
+        </pc:sldMkLst>
+        <pc:spChg chg="add del mod">
+          <ac:chgData name="Tommaso Sprocati" userId="ee542eccb6201050" providerId="Windows Live" clId="Web-{BD6FEC23-10FF-48A4-8651-E55A94B7CE48}" dt="2023-06-21T19:51:39.220" v="35"/>
+          <ac:spMkLst>
+            <pc:docMk/>
+            <pc:sldMk cId="2286604492" sldId="257"/>
+            <ac:spMk id="405" creationId="{7AE28A5D-BE1E-B6A3-F4F9-5FBFA8629F1E}"/>
+          </ac:spMkLst>
+        </pc:spChg>
+        <pc:spChg chg="add del mod ord">
+          <ac:chgData name="Tommaso Sprocati" userId="ee542eccb6201050" providerId="Windows Live" clId="Web-{BD6FEC23-10FF-48A4-8651-E55A94B7CE48}" dt="2023-06-21T19:52:55.723" v="45"/>
+          <ac:spMkLst>
+            <pc:docMk/>
+            <pc:sldMk cId="2286604492" sldId="257"/>
+            <ac:spMk id="463" creationId="{6B8A28DC-9360-943E-0915-62AA97F14A07}"/>
+          </ac:spMkLst>
+        </pc:spChg>
+        <pc:spChg chg="add mod ord">
+          <ac:chgData name="Tommaso Sprocati" userId="ee542eccb6201050" providerId="Windows Live" clId="Web-{BD6FEC23-10FF-48A4-8651-E55A94B7CE48}" dt="2023-06-21T20:00:29.989" v="95"/>
+          <ac:spMkLst>
+            <pc:docMk/>
+            <pc:sldMk cId="2286604492" sldId="257"/>
+            <ac:spMk id="557" creationId="{6FC752E1-9EB8-FD4E-F28A-73F49CEDB3B7}"/>
+          </ac:spMkLst>
+        </pc:spChg>
+        <pc:graphicFrameChg chg="modGraphic">
+          <ac:chgData name="Tommaso Sprocati" userId="ee542eccb6201050" providerId="Windows Live" clId="Web-{BD6FEC23-10FF-48A4-8651-E55A94B7CE48}" dt="2023-06-21T19:44:06.721" v="21" actId="20577"/>
+          <ac:graphicFrameMkLst>
+            <pc:docMk/>
+            <pc:sldMk cId="2286604492" sldId="257"/>
+            <ac:graphicFrameMk id="5" creationId="{1755E754-F215-1326-340A-E6A7CA631B08}"/>
+          </ac:graphicFrameMkLst>
+        </pc:graphicFrameChg>
+        <pc:graphicFrameChg chg="add del mod">
+          <ac:chgData name="Tommaso Sprocati" userId="ee542eccb6201050" providerId="Windows Live" clId="Web-{BD6FEC23-10FF-48A4-8651-E55A94B7CE48}" dt="2023-06-21T19:59:51.643" v="87"/>
+          <ac:graphicFrameMkLst>
+            <pc:docMk/>
+            <pc:sldMk cId="2286604492" sldId="257"/>
+            <ac:graphicFrameMk id="494" creationId="{0F730F62-5B6F-C8A3-D5D3-DDB7A7E0DDD5}"/>
+          </ac:graphicFrameMkLst>
+        </pc:graphicFrameChg>
+        <pc:picChg chg="add del mod">
+          <ac:chgData name="Tommaso Sprocati" userId="ee542eccb6201050" providerId="Windows Live" clId="Web-{BD6FEC23-10FF-48A4-8651-E55A94B7CE48}" dt="2023-06-21T19:50:31.171" v="23"/>
+          <ac:picMkLst>
+            <pc:docMk/>
+            <pc:sldMk cId="2286604492" sldId="257"/>
+            <ac:picMk id="403" creationId="{5DB87BD7-0B10-B6CB-71A3-B17C7F2D7C90}"/>
+          </ac:picMkLst>
+        </pc:picChg>
+        <pc:picChg chg="add del mod">
+          <ac:chgData name="Tommaso Sprocati" userId="ee542eccb6201050" providerId="Windows Live" clId="Web-{BD6FEC23-10FF-48A4-8651-E55A94B7CE48}" dt="2023-06-21T19:52:55.723" v="44"/>
+          <ac:picMkLst>
+            <pc:docMk/>
+            <pc:sldMk cId="2286604492" sldId="257"/>
+            <ac:picMk id="404" creationId="{31347BA7-0549-A01C-4121-2F1AE3344636}"/>
+          </ac:picMkLst>
+        </pc:picChg>
+        <pc:picChg chg="add mod">
+          <ac:chgData name="Tommaso Sprocati" userId="ee542eccb6201050" providerId="Windows Live" clId="Web-{BD6FEC23-10FF-48A4-8651-E55A94B7CE48}" dt="2023-06-21T20:00:41.614" v="97" actId="1076"/>
+          <ac:picMkLst>
+            <pc:docMk/>
+            <pc:sldMk cId="2286604492" sldId="257"/>
+            <ac:picMk id="478" creationId="{E5F80C0C-8243-D1E6-89C6-9285771643C1}"/>
+          </ac:picMkLst>
+        </pc:picChg>
+      </pc:sldChg>
+      <pc:sldChg chg="addSp delSp modSp">
+        <pc:chgData name="Tommaso Sprocati" userId="ee542eccb6201050" providerId="Windows Live" clId="Web-{BD6FEC23-10FF-48A4-8651-E55A94B7CE48}" dt="2023-06-21T20:00:11.019" v="89" actId="1076"/>
+        <pc:sldMkLst>
+          <pc:docMk/>
+          <pc:sldMk cId="199436637" sldId="258"/>
+        </pc:sldMkLst>
+        <pc:spChg chg="add mod">
+          <ac:chgData name="Tommaso Sprocati" userId="ee542eccb6201050" providerId="Windows Live" clId="Web-{BD6FEC23-10FF-48A4-8651-E55A94B7CE48}" dt="2023-06-21T19:53:18.630" v="58" actId="14100"/>
+          <ac:spMkLst>
+            <pc:docMk/>
+            <pc:sldMk cId="199436637" sldId="258"/>
+            <ac:spMk id="141" creationId="{096BAD94-91A4-3F40-2A16-09598F879A4B}"/>
+          </ac:spMkLst>
+        </pc:spChg>
+        <pc:spChg chg="add mod">
+          <ac:chgData name="Tommaso Sprocati" userId="ee542eccb6201050" providerId="Windows Live" clId="Web-{BD6FEC23-10FF-48A4-8651-E55A94B7CE48}" dt="2023-06-21T19:54:23.492" v="73" actId="1076"/>
+          <ac:spMkLst>
+            <pc:docMk/>
+            <pc:sldMk cId="199436637" sldId="258"/>
+            <ac:spMk id="165" creationId="{94F47F81-BA1C-6C7F-1E33-88EC868FBC51}"/>
+          </ac:spMkLst>
+        </pc:spChg>
+        <pc:spChg chg="add del mod">
+          <ac:chgData name="Tommaso Sprocati" userId="ee542eccb6201050" providerId="Windows Live" clId="Web-{BD6FEC23-10FF-48A4-8651-E55A94B7CE48}" dt="2023-06-21T19:54:13.069" v="70"/>
+          <ac:spMkLst>
+            <pc:docMk/>
+            <pc:sldMk cId="199436637" sldId="258"/>
+            <ac:spMk id="167" creationId="{364DE219-0D9A-1418-16B6-3A7D946E74B3}"/>
+          </ac:spMkLst>
+        </pc:spChg>
+        <pc:graphicFrameChg chg="modGraphic">
+          <ac:chgData name="Tommaso Sprocati" userId="ee542eccb6201050" providerId="Windows Live" clId="Web-{BD6FEC23-10FF-48A4-8651-E55A94B7CE48}" dt="2023-06-21T19:44:04.267" v="20"/>
+          <ac:graphicFrameMkLst>
+            <pc:docMk/>
+            <pc:sldMk cId="199436637" sldId="258"/>
+            <ac:graphicFrameMk id="5" creationId="{566C6286-4FFA-8DC2-DAF2-9C30821B4A8A}"/>
+          </ac:graphicFrameMkLst>
+        </pc:graphicFrameChg>
+        <pc:picChg chg="add mod ord">
+          <ac:chgData name="Tommaso Sprocati" userId="ee542eccb6201050" providerId="Windows Live" clId="Web-{BD6FEC23-10FF-48A4-8651-E55A94B7CE48}" dt="2023-06-21T20:00:11.019" v="89" actId="1076"/>
+          <ac:picMkLst>
+            <pc:docMk/>
+            <pc:sldMk cId="199436637" sldId="258"/>
+            <ac:picMk id="142" creationId="{9710C593-0B4A-AD36-85E7-6C644DCDCB08}"/>
+          </ac:picMkLst>
+        </pc:picChg>
+        <pc:picChg chg="add mod">
+          <ac:chgData name="Tommaso Sprocati" userId="ee542eccb6201050" providerId="Windows Live" clId="Web-{BD6FEC23-10FF-48A4-8651-E55A94B7CE48}" dt="2023-06-21T19:54:29.617" v="74" actId="1076"/>
+          <ac:picMkLst>
+            <pc:docMk/>
+            <pc:sldMk cId="199436637" sldId="258"/>
+            <ac:picMk id="166" creationId="{6B9987F7-7BEC-43D2-3503-8F67D458CAAC}"/>
+          </ac:picMkLst>
+        </pc:picChg>
+      </pc:sldChg>
+      <pc:sldChg chg="modSp">
+        <pc:chgData name="Tommaso Sprocati" userId="ee542eccb6201050" providerId="Windows Live" clId="Web-{BD6FEC23-10FF-48A4-8651-E55A94B7CE48}" dt="2023-06-21T20:03:41.011" v="99" actId="1076"/>
+        <pc:sldMkLst>
+          <pc:docMk/>
+          <pc:sldMk cId="1051833920" sldId="260"/>
+        </pc:sldMkLst>
+        <pc:picChg chg="mod">
+          <ac:chgData name="Tommaso Sprocati" userId="ee542eccb6201050" providerId="Windows Live" clId="Web-{BD6FEC23-10FF-48A4-8651-E55A94B7CE48}" dt="2023-06-21T20:03:41.011" v="99" actId="1076"/>
+          <ac:picMkLst>
+            <pc:docMk/>
+            <pc:sldMk cId="1051833920" sldId="260"/>
+            <ac:picMk id="10" creationId="{1B7B1716-8870-AFD8-CC35-14CE37E2B04F}"/>
+          </ac:picMkLst>
+        </pc:picChg>
+      </pc:sldChg>
+      <pc:sldChg chg="modSp">
+        <pc:chgData name="Tommaso Sprocati" userId="ee542eccb6201050" providerId="Windows Live" clId="Web-{BD6FEC23-10FF-48A4-8651-E55A94B7CE48}" dt="2023-06-21T20:04:24.622" v="114" actId="20577"/>
+        <pc:sldMkLst>
+          <pc:docMk/>
+          <pc:sldMk cId="2955367378" sldId="261"/>
+        </pc:sldMkLst>
+        <pc:graphicFrameChg chg="modGraphic">
+          <ac:chgData name="Tommaso Sprocati" userId="ee542eccb6201050" providerId="Windows Live" clId="Web-{BD6FEC23-10FF-48A4-8651-E55A94B7CE48}" dt="2023-06-21T20:04:24.622" v="114" actId="20577"/>
+          <ac:graphicFrameMkLst>
+            <pc:docMk/>
+            <pc:sldMk cId="2955367378" sldId="261"/>
+            <ac:graphicFrameMk id="5" creationId="{8E8211AC-CF0D-5CC1-AC8A-366183DE2E96}"/>
+          </ac:graphicFrameMkLst>
+        </pc:graphicFrameChg>
+      </pc:sldChg>
+      <pc:sldChg chg="new del">
+        <pc:chgData name="Tommaso Sprocati" userId="ee542eccb6201050" providerId="Windows Live" clId="Web-{BD6FEC23-10FF-48A4-8651-E55A94B7CE48}" dt="2023-06-21T20:06:22.266" v="117"/>
+        <pc:sldMkLst>
+          <pc:docMk/>
+          <pc:sldMk cId="1532298486" sldId="263"/>
+        </pc:sldMkLst>
+      </pc:sldChg>
+      <pc:sldChg chg="addSp delSp modSp add mod replId setBg addAnim delAnim setClrOvrMap">
+        <pc:chgData name="Tommaso Sprocati" userId="ee542eccb6201050" providerId="Windows Live" clId="Web-{BD6FEC23-10FF-48A4-8651-E55A94B7CE48}" dt="2023-06-21T20:22:01.111" v="182" actId="14100"/>
+        <pc:sldMkLst>
+          <pc:docMk/>
+          <pc:sldMk cId="2972990346" sldId="264"/>
+        </pc:sldMkLst>
+        <pc:spChg chg="mod ord">
+          <ac:chgData name="Tommaso Sprocati" userId="ee542eccb6201050" providerId="Windows Live" clId="Web-{BD6FEC23-10FF-48A4-8651-E55A94B7CE48}" dt="2023-06-21T20:16:25.881" v="178"/>
+          <ac:spMkLst>
+            <pc:docMk/>
+            <pc:sldMk cId="2972990346" sldId="264"/>
+            <ac:spMk id="2" creationId="{3130AEBC-5E9F-F1F6-5406-7102639BBCD3}"/>
+          </ac:spMkLst>
+        </pc:spChg>
+        <pc:spChg chg="del">
+          <ac:chgData name="Tommaso Sprocati" userId="ee542eccb6201050" providerId="Windows Live" clId="Web-{BD6FEC23-10FF-48A4-8651-E55A94B7CE48}" dt="2023-06-21T20:07:19.690" v="125"/>
+          <ac:spMkLst>
+            <pc:docMk/>
+            <pc:sldMk cId="2972990346" sldId="264"/>
+            <ac:spMk id="9" creationId="{0C541B88-1AE9-40C3-AFD5-967787C1979F}"/>
+          </ac:spMkLst>
+        </pc:spChg>
+        <pc:spChg chg="del">
+          <ac:chgData name="Tommaso Sprocati" userId="ee542eccb6201050" providerId="Windows Live" clId="Web-{BD6FEC23-10FF-48A4-8651-E55A94B7CE48}" dt="2023-06-21T20:07:19.690" v="125"/>
+          <ac:spMkLst>
+            <pc:docMk/>
+            <pc:sldMk cId="2972990346" sldId="264"/>
+            <ac:spMk id="11" creationId="{E5F17139-31EE-46AC-B04F-DBBD852DD6CB}"/>
+          </ac:spMkLst>
+        </pc:spChg>
+        <pc:spChg chg="del">
+          <ac:chgData name="Tommaso Sprocati" userId="ee542eccb6201050" providerId="Windows Live" clId="Web-{BD6FEC23-10FF-48A4-8651-E55A94B7CE48}" dt="2023-06-21T20:07:19.690" v="125"/>
+          <ac:spMkLst>
+            <pc:docMk/>
+            <pc:sldMk cId="2972990346" sldId="264"/>
+            <ac:spMk id="17" creationId="{89D16701-DA76-4F72-BB63-E2C3FFBDFE0F}"/>
+          </ac:spMkLst>
+        </pc:spChg>
+        <pc:spChg chg="add del mod">
+          <ac:chgData name="Tommaso Sprocati" userId="ee542eccb6201050" providerId="Windows Live" clId="Web-{BD6FEC23-10FF-48A4-8651-E55A94B7CE48}" dt="2023-06-21T20:07:19.690" v="125"/>
+          <ac:spMkLst>
+            <pc:docMk/>
+            <pc:sldMk cId="2972990346" sldId="264"/>
+            <ac:spMk id="18" creationId="{B1B82BAD-3A39-0AAB-196B-041809C1B59C}"/>
+          </ac:spMkLst>
+        </pc:spChg>
+        <pc:spChg chg="del">
+          <ac:chgData name="Tommaso Sprocati" userId="ee542eccb6201050" providerId="Windows Live" clId="Web-{BD6FEC23-10FF-48A4-8651-E55A94B7CE48}" dt="2023-06-21T20:07:19.690" v="125"/>
+          <ac:spMkLst>
+            <pc:docMk/>
+            <pc:sldMk cId="2972990346" sldId="264"/>
+            <ac:spMk id="19" creationId="{1CC28BE1-9DC6-43FE-9582-39F091098D77}"/>
+          </ac:spMkLst>
+        </pc:spChg>
+        <pc:spChg chg="add mod">
+          <ac:chgData name="Tommaso Sprocati" userId="ee542eccb6201050" providerId="Windows Live" clId="Web-{BD6FEC23-10FF-48A4-8651-E55A94B7CE48}" dt="2023-06-21T20:22:01.111" v="182" actId="14100"/>
+          <ac:spMkLst>
+            <pc:docMk/>
+            <pc:sldMk cId="2972990346" sldId="264"/>
+            <ac:spMk id="37" creationId="{0639425A-2CA7-9836-DF8E-A7563F92639C}"/>
+          </ac:spMkLst>
+        </pc:spChg>
+        <pc:spChg chg="add del">
+          <ac:chgData name="Tommaso Sprocati" userId="ee542eccb6201050" providerId="Windows Live" clId="Web-{BD6FEC23-10FF-48A4-8651-E55A94B7CE48}" dt="2023-06-21T20:10:34.400" v="166"/>
+          <ac:spMkLst>
+            <pc:docMk/>
+            <pc:sldMk cId="2972990346" sldId="264"/>
+            <ac:spMk id="40" creationId="{D4771268-CB57-404A-9271-370EB28F6090}"/>
+          </ac:spMkLst>
+        </pc:spChg>
+        <pc:spChg chg="add del">
+          <ac:chgData name="Tommaso Sprocati" userId="ee542eccb6201050" providerId="Windows Live" clId="Web-{BD6FEC23-10FF-48A4-8651-E55A94B7CE48}" dt="2023-06-21T20:09:35.538" v="157"/>
+          <ac:spMkLst>
+            <pc:docMk/>
+            <pc:sldMk cId="2972990346" sldId="264"/>
+            <ac:spMk id="42" creationId="{16C5FA50-8D52-4617-AF91-5C7B1C8352F1}"/>
+          </ac:spMkLst>
+        </pc:spChg>
+        <pc:spChg chg="add del">
+          <ac:chgData name="Tommaso Sprocati" userId="ee542eccb6201050" providerId="Windows Live" clId="Web-{BD6FEC23-10FF-48A4-8651-E55A94B7CE48}" dt="2023-06-21T20:09:35.538" v="157"/>
+          <ac:spMkLst>
+            <pc:docMk/>
+            <pc:sldMk cId="2972990346" sldId="264"/>
+            <ac:spMk id="43" creationId="{E223798C-12AD-4B0C-A50C-D676347D67CF}"/>
+          </ac:spMkLst>
+        </pc:spChg>
+        <pc:spChg chg="add del">
+          <ac:chgData name="Tommaso Sprocati" userId="ee542eccb6201050" providerId="Windows Live" clId="Web-{BD6FEC23-10FF-48A4-8651-E55A94B7CE48}" dt="2023-06-21T20:10:15.274" v="162"/>
+          <ac:spMkLst>
+            <pc:docMk/>
+            <pc:sldMk cId="2972990346" sldId="264"/>
+            <ac:spMk id="44" creationId="{66B332A4-D438-4773-A77F-5ED49A448D9D}"/>
+          </ac:spMkLst>
+        </pc:spChg>
+        <pc:spChg chg="add del">
+          <ac:chgData name="Tommaso Sprocati" userId="ee542eccb6201050" providerId="Windows Live" clId="Web-{BD6FEC23-10FF-48A4-8651-E55A94B7CE48}" dt="2023-06-21T20:07:52.535" v="129"/>
+          <ac:spMkLst>
+            <pc:docMk/>
+            <pc:sldMk cId="2972990346" sldId="264"/>
+            <ac:spMk id="45" creationId="{D4771268-CB57-404A-9271-370EB28F6090}"/>
+          </ac:spMkLst>
+        </pc:spChg>
+        <pc:spChg chg="add del">
+          <ac:chgData name="Tommaso Sprocati" userId="ee542eccb6201050" providerId="Windows Live" clId="Web-{BD6FEC23-10FF-48A4-8651-E55A94B7CE48}" dt="2023-06-21T20:08:37.693" v="151"/>
+          <ac:spMkLst>
+            <pc:docMk/>
+            <pc:sldMk cId="2972990346" sldId="264"/>
+            <ac:spMk id="46" creationId="{37C89E4B-3C9F-44B9-8B86-D9E3D112D8EC}"/>
+          </ac:spMkLst>
+        </pc:spChg>
+        <pc:spChg chg="add del">
+          <ac:chgData name="Tommaso Sprocati" userId="ee542eccb6201050" providerId="Windows Live" clId="Web-{BD6FEC23-10FF-48A4-8651-E55A94B7CE48}" dt="2023-06-21T20:07:54.894" v="131"/>
+          <ac:spMkLst>
+            <pc:docMk/>
+            <pc:sldMk cId="2972990346" sldId="264"/>
+            <ac:spMk id="47" creationId="{91E5A9A7-95C6-4F4F-B00E-C82E07FE62EF}"/>
+          </ac:spMkLst>
+        </pc:spChg>
+        <pc:spChg chg="add del">
+          <ac:chgData name="Tommaso Sprocati" userId="ee542eccb6201050" providerId="Windows Live" clId="Web-{BD6FEC23-10FF-48A4-8651-E55A94B7CE48}" dt="2023-06-21T20:07:54.894" v="131"/>
+          <ac:spMkLst>
+            <pc:docMk/>
+            <pc:sldMk cId="2972990346" sldId="264"/>
+            <ac:spMk id="48" creationId="{A8384FB5-9ADC-4DDC-881B-597D56F5B15D}"/>
+          </ac:spMkLst>
+        </pc:spChg>
+        <pc:spChg chg="add del">
+          <ac:chgData name="Tommaso Sprocati" userId="ee542eccb6201050" providerId="Windows Live" clId="Web-{BD6FEC23-10FF-48A4-8651-E55A94B7CE48}" dt="2023-06-21T20:07:54.894" v="131"/>
+          <ac:spMkLst>
+            <pc:docMk/>
+            <pc:sldMk cId="2972990346" sldId="264"/>
+            <ac:spMk id="49" creationId="{D07DD2DE-F619-49DD-B5E7-03A290FF4ED1}"/>
+          </ac:spMkLst>
+        </pc:spChg>
+        <pc:spChg chg="add del">
+          <ac:chgData name="Tommaso Sprocati" userId="ee542eccb6201050" providerId="Windows Live" clId="Web-{BD6FEC23-10FF-48A4-8651-E55A94B7CE48}" dt="2023-06-21T20:07:54.894" v="131"/>
+          <ac:spMkLst>
+            <pc:docMk/>
+            <pc:sldMk cId="2972990346" sldId="264"/>
+            <ac:spMk id="51" creationId="{85149191-5F60-4A28-AAFF-039F96B0F3EC}"/>
+          </ac:spMkLst>
+        </pc:spChg>
+        <pc:spChg chg="add del">
+          <ac:chgData name="Tommaso Sprocati" userId="ee542eccb6201050" providerId="Windows Live" clId="Web-{BD6FEC23-10FF-48A4-8651-E55A94B7CE48}" dt="2023-06-21T20:08:04.863" v="139"/>
+          <ac:spMkLst>
+            <pc:docMk/>
+            <pc:sldMk cId="2972990346" sldId="264"/>
+            <ac:spMk id="52" creationId="{19C9EAEA-39D0-4B0E-A0EB-51E7B26740B1}"/>
+          </ac:spMkLst>
+        </pc:spChg>
+        <pc:spChg chg="add del">
+          <ac:chgData name="Tommaso Sprocati" userId="ee542eccb6201050" providerId="Windows Live" clId="Web-{BD6FEC23-10FF-48A4-8651-E55A94B7CE48}" dt="2023-06-21T20:07:54.894" v="131"/>
+          <ac:spMkLst>
+            <pc:docMk/>
+            <pc:sldMk cId="2972990346" sldId="264"/>
+            <ac:spMk id="53" creationId="{F8260ED5-17F7-4158-B241-D51DD4CF1B7E}"/>
+          </ac:spMkLst>
+        </pc:spChg>
+        <pc:spChg chg="add del">
+          <ac:chgData name="Tommaso Sprocati" userId="ee542eccb6201050" providerId="Windows Live" clId="Web-{BD6FEC23-10FF-48A4-8651-E55A94B7CE48}" dt="2023-06-21T20:08:04.863" v="139"/>
+          <ac:spMkLst>
+            <pc:docMk/>
+            <pc:sldMk cId="2972990346" sldId="264"/>
+            <ac:spMk id="54" creationId="{3873B707-463F-40B0-8227-E8CC6C67EB25}"/>
+          </ac:spMkLst>
+        </pc:spChg>
+        <pc:spChg chg="add del">
+          <ac:chgData name="Tommaso Sprocati" userId="ee542eccb6201050" providerId="Windows Live" clId="Web-{BD6FEC23-10FF-48A4-8651-E55A94B7CE48}" dt="2023-06-21T20:07:57.488" v="133"/>
+          <ac:spMkLst>
+            <pc:docMk/>
+            <pc:sldMk cId="2972990346" sldId="264"/>
+            <ac:spMk id="55" creationId="{6753252F-4873-4F63-801D-CC719279A7D5}"/>
+          </ac:spMkLst>
+        </pc:spChg>
+        <pc:spChg chg="add del">
+          <ac:chgData name="Tommaso Sprocati" userId="ee542eccb6201050" providerId="Windows Live" clId="Web-{BD6FEC23-10FF-48A4-8651-E55A94B7CE48}" dt="2023-06-21T20:07:57.488" v="133"/>
+          <ac:spMkLst>
+            <pc:docMk/>
+            <pc:sldMk cId="2972990346" sldId="264"/>
+            <ac:spMk id="56" creationId="{047C8CCB-F95D-4249-92DD-651249D3535A}"/>
+          </ac:spMkLst>
+        </pc:spChg>
+        <pc:spChg chg="add del">
+          <ac:chgData name="Tommaso Sprocati" userId="ee542eccb6201050" providerId="Windows Live" clId="Web-{BD6FEC23-10FF-48A4-8651-E55A94B7CE48}" dt="2023-06-21T20:08:02.410" v="137"/>
+          <ac:spMkLst>
+            <pc:docMk/>
+            <pc:sldMk cId="2972990346" sldId="264"/>
+            <ac:spMk id="58" creationId="{0671A8AE-40A1-4631-A6B8-581AFF065482}"/>
+          </ac:spMkLst>
+        </pc:spChg>
+        <pc:spChg chg="add del">
+          <ac:chgData name="Tommaso Sprocati" userId="ee542eccb6201050" providerId="Windows Live" clId="Web-{BD6FEC23-10FF-48A4-8651-E55A94B7CE48}" dt="2023-06-21T20:08:02.410" v="137"/>
+          <ac:spMkLst>
+            <pc:docMk/>
+            <pc:sldMk cId="2972990346" sldId="264"/>
+            <ac:spMk id="59" creationId="{AB58EF07-17C2-48CF-ABB0-EEF1F17CB8F0}"/>
+          </ac:spMkLst>
+        </pc:spChg>
+        <pc:spChg chg="add del">
+          <ac:chgData name="Tommaso Sprocati" userId="ee542eccb6201050" providerId="Windows Live" clId="Web-{BD6FEC23-10FF-48A4-8651-E55A94B7CE48}" dt="2023-06-21T20:08:02.410" v="137"/>
+          <ac:spMkLst>
+            <pc:docMk/>
+            <pc:sldMk cId="2972990346" sldId="264"/>
+            <ac:spMk id="60" creationId="{AF2F604E-43BE-4DC3-B983-E071523364F8}"/>
+          </ac:spMkLst>
+        </pc:spChg>
+        <pc:spChg chg="add del">
+          <ac:chgData name="Tommaso Sprocati" userId="ee542eccb6201050" providerId="Windows Live" clId="Web-{BD6FEC23-10FF-48A4-8651-E55A94B7CE48}" dt="2023-06-21T20:08:02.410" v="137"/>
+          <ac:spMkLst>
+            <pc:docMk/>
+            <pc:sldMk cId="2972990346" sldId="264"/>
+            <ac:spMk id="61" creationId="{08C9B587-E65E-4B52-B37C-ABEBB6E87928}"/>
+          </ac:spMkLst>
+        </pc:spChg>
+        <pc:spChg chg="add del">
+          <ac:chgData name="Tommaso Sprocati" userId="ee542eccb6201050" providerId="Windows Live" clId="Web-{BD6FEC23-10FF-48A4-8651-E55A94B7CE48}" dt="2023-06-21T20:08:44.724" v="153"/>
+          <ac:spMkLst>
+            <pc:docMk/>
+            <pc:sldMk cId="2972990346" sldId="264"/>
+            <ac:spMk id="62" creationId="{60D05D2D-CB6A-431B-BE4A-2A7FCC9FA23B}"/>
+          </ac:spMkLst>
+        </pc:spChg>
+        <pc:spChg chg="add del">
+          <ac:chgData name="Tommaso Sprocati" userId="ee542eccb6201050" providerId="Windows Live" clId="Web-{BD6FEC23-10FF-48A4-8651-E55A94B7CE48}" dt="2023-06-21T20:08:04.863" v="139"/>
+          <ac:spMkLst>
+            <pc:docMk/>
+            <pc:sldMk cId="2972990346" sldId="264"/>
+            <ac:spMk id="63" creationId="{50CEED20-A22C-4FC3-BC0E-F4FE53FDEB97}"/>
+          </ac:spMkLst>
+        </pc:spChg>
+        <pc:spChg chg="add del">
+          <ac:chgData name="Tommaso Sprocati" userId="ee542eccb6201050" providerId="Windows Live" clId="Web-{BD6FEC23-10FF-48A4-8651-E55A94B7CE48}" dt="2023-06-21T20:08:44.724" v="153"/>
+          <ac:spMkLst>
+            <pc:docMk/>
+            <pc:sldMk cId="2972990346" sldId="264"/>
+            <ac:spMk id="65" creationId="{E84CD6E5-269B-4A44-867D-78DBB4DFF778}"/>
+          </ac:spMkLst>
+        </pc:spChg>
+        <pc:spChg chg="add del">
+          <ac:chgData name="Tommaso Sprocati" userId="ee542eccb6201050" providerId="Windows Live" clId="Web-{BD6FEC23-10FF-48A4-8651-E55A94B7CE48}" dt="2023-06-21T20:10:15.274" v="162"/>
+          <ac:spMkLst>
+            <pc:docMk/>
+            <pc:sldMk cId="2972990346" sldId="264"/>
+            <ac:spMk id="66" creationId="{DF9AD32D-FF05-44F4-BD4D-9CEE89B71EB9}"/>
+          </ac:spMkLst>
+        </pc:spChg>
+        <pc:spChg chg="add del">
+          <ac:chgData name="Tommaso Sprocati" userId="ee542eccb6201050" providerId="Windows Live" clId="Web-{BD6FEC23-10FF-48A4-8651-E55A94B7CE48}" dt="2023-06-21T20:08:55.225" v="155"/>
+          <ac:spMkLst>
+            <pc:docMk/>
+            <pc:sldMk cId="2972990346" sldId="264"/>
+            <ac:spMk id="67" creationId="{16C5FA50-8D52-4617-AF91-5C7B1C8352F1}"/>
+          </ac:spMkLst>
+        </pc:spChg>
+        <pc:spChg chg="add del">
+          <ac:chgData name="Tommaso Sprocati" userId="ee542eccb6201050" providerId="Windows Live" clId="Web-{BD6FEC23-10FF-48A4-8651-E55A94B7CE48}" dt="2023-06-21T20:08:06.910" v="141"/>
+          <ac:spMkLst>
+            <pc:docMk/>
+            <pc:sldMk cId="2972990346" sldId="264"/>
+            <ac:spMk id="68" creationId="{643A7A40-1AE6-4218-A8E0-8248174A5377}"/>
+          </ac:spMkLst>
+        </pc:spChg>
+        <pc:spChg chg="add del">
+          <ac:chgData name="Tommaso Sprocati" userId="ee542eccb6201050" providerId="Windows Live" clId="Web-{BD6FEC23-10FF-48A4-8651-E55A94B7CE48}" dt="2023-06-21T20:08:06.910" v="141"/>
+          <ac:spMkLst>
+            <pc:docMk/>
+            <pc:sldMk cId="2972990346" sldId="264"/>
+            <ac:spMk id="69" creationId="{BD8AB40A-4374-4897-B5EE-9F8913476E47}"/>
+          </ac:spMkLst>
+        </pc:spChg>
+        <pc:spChg chg="add del">
+          <ac:chgData name="Tommaso Sprocati" userId="ee542eccb6201050" providerId="Windows Live" clId="Web-{BD6FEC23-10FF-48A4-8651-E55A94B7CE48}" dt="2023-06-21T20:08:55.225" v="155"/>
+          <ac:spMkLst>
+            <pc:docMk/>
+            <pc:sldMk cId="2972990346" sldId="264"/>
+            <ac:spMk id="71" creationId="{E223798C-12AD-4B0C-A50C-D676347D67CF}"/>
+          </ac:spMkLst>
+        </pc:spChg>
+        <pc:spChg chg="add">
+          <ac:chgData name="Tommaso Sprocati" userId="ee542eccb6201050" providerId="Windows Live" clId="Web-{BD6FEC23-10FF-48A4-8651-E55A94B7CE48}" dt="2023-06-21T20:10:34.400" v="166"/>
+          <ac:spMkLst>
+            <pc:docMk/>
+            <pc:sldMk cId="2972990346" sldId="264"/>
+            <ac:spMk id="72" creationId="{6753252F-4873-4F63-801D-CC719279A7D5}"/>
+          </ac:spMkLst>
+        </pc:spChg>
+        <pc:spChg chg="add">
+          <ac:chgData name="Tommaso Sprocati" userId="ee542eccb6201050" providerId="Windows Live" clId="Web-{BD6FEC23-10FF-48A4-8651-E55A94B7CE48}" dt="2023-06-21T20:10:34.400" v="166"/>
+          <ac:spMkLst>
+            <pc:docMk/>
+            <pc:sldMk cId="2972990346" sldId="264"/>
+            <ac:spMk id="73" creationId="{047C8CCB-F95D-4249-92DD-651249D3535A}"/>
+          </ac:spMkLst>
+        </pc:spChg>
+        <pc:spChg chg="add del">
+          <ac:chgData name="Tommaso Sprocati" userId="ee542eccb6201050" providerId="Windows Live" clId="Web-{BD6FEC23-10FF-48A4-8651-E55A94B7CE48}" dt="2023-06-21T20:08:09.879" v="143"/>
+          <ac:spMkLst>
+            <pc:docMk/>
+            <pc:sldMk cId="2972990346" sldId="264"/>
+            <ac:spMk id="79" creationId="{50CEED20-A22C-4FC3-BC0E-F4FE53FDEB97}"/>
+          </ac:spMkLst>
+        </pc:spChg>
+        <pc:spChg chg="add del">
+          <ac:chgData name="Tommaso Sprocati" userId="ee542eccb6201050" providerId="Windows Live" clId="Web-{BD6FEC23-10FF-48A4-8651-E55A94B7CE48}" dt="2023-06-21T20:08:09.879" v="143"/>
+          <ac:spMkLst>
+            <pc:docMk/>
+            <pc:sldMk cId="2972990346" sldId="264"/>
+            <ac:spMk id="83" creationId="{19C9EAEA-39D0-4B0E-A0EB-51E7B26740B1}"/>
+          </ac:spMkLst>
+        </pc:spChg>
+        <pc:spChg chg="add del">
+          <ac:chgData name="Tommaso Sprocati" userId="ee542eccb6201050" providerId="Windows Live" clId="Web-{BD6FEC23-10FF-48A4-8651-E55A94B7CE48}" dt="2023-06-21T20:08:09.879" v="143"/>
+          <ac:spMkLst>
+            <pc:docMk/>
+            <pc:sldMk cId="2972990346" sldId="264"/>
+            <ac:spMk id="84" creationId="{3873B707-463F-40B0-8227-E8CC6C67EB25}"/>
+          </ac:spMkLst>
+        </pc:spChg>
+        <pc:spChg chg="add del">
+          <ac:chgData name="Tommaso Sprocati" userId="ee542eccb6201050" providerId="Windows Live" clId="Web-{BD6FEC23-10FF-48A4-8651-E55A94B7CE48}" dt="2023-06-21T20:08:12.254" v="145"/>
+          <ac:spMkLst>
+            <pc:docMk/>
+            <pc:sldMk cId="2972990346" sldId="264"/>
+            <ac:spMk id="86" creationId="{47942995-B07F-4636-9A06-C6A104B260A8}"/>
+          </ac:spMkLst>
+        </pc:spChg>
+        <pc:spChg chg="add del">
+          <ac:chgData name="Tommaso Sprocati" userId="ee542eccb6201050" providerId="Windows Live" clId="Web-{BD6FEC23-10FF-48A4-8651-E55A94B7CE48}" dt="2023-06-21T20:08:12.254" v="145"/>
+          <ac:spMkLst>
+            <pc:docMk/>
+            <pc:sldMk cId="2972990346" sldId="264"/>
+            <ac:spMk id="90" creationId="{B81933D1-5615-42C7-9C0B-4EB7105CCE2D}"/>
+          </ac:spMkLst>
+        </pc:spChg>
+        <pc:spChg chg="add del">
+          <ac:chgData name="Tommaso Sprocati" userId="ee542eccb6201050" providerId="Windows Live" clId="Web-{BD6FEC23-10FF-48A4-8651-E55A94B7CE48}" dt="2023-06-21T20:08:12.254" v="145"/>
+          <ac:spMkLst>
+            <pc:docMk/>
+            <pc:sldMk cId="2972990346" sldId="264"/>
+            <ac:spMk id="91" creationId="{19C9EAEA-39D0-4B0E-A0EB-51E7B26740B1}"/>
+          </ac:spMkLst>
+        </pc:spChg>
+        <pc:grpChg chg="del">
+          <ac:chgData name="Tommaso Sprocati" userId="ee542eccb6201050" providerId="Windows Live" clId="Web-{BD6FEC23-10FF-48A4-8651-E55A94B7CE48}" dt="2023-06-21T20:07:19.690" v="125"/>
+          <ac:grpSpMkLst>
+            <pc:docMk/>
+            <pc:sldMk cId="2972990346" sldId="264"/>
+            <ac:grpSpMk id="13" creationId="{7CF625D3-71A3-4F30-A096-8EF334E959D0}"/>
+          </ac:grpSpMkLst>
+        </pc:grpChg>
+        <pc:grpChg chg="del">
+          <ac:chgData name="Tommaso Sprocati" userId="ee542eccb6201050" providerId="Windows Live" clId="Web-{BD6FEC23-10FF-48A4-8651-E55A94B7CE48}" dt="2023-06-21T20:07:19.690" v="125"/>
+          <ac:grpSpMkLst>
+            <pc:docMk/>
+            <pc:sldMk cId="2972990346" sldId="264"/>
+            <ac:grpSpMk id="21" creationId="{AF9AF3F3-CE0C-4125-BDD7-346487FA0B40}"/>
+          </ac:grpSpMkLst>
+        </pc:grpChg>
+        <pc:grpChg chg="add del">
+          <ac:chgData name="Tommaso Sprocati" userId="ee542eccb6201050" providerId="Windows Live" clId="Web-{BD6FEC23-10FF-48A4-8651-E55A94B7CE48}" dt="2023-06-21T20:08:04.863" v="139"/>
+          <ac:grpSpMkLst>
+            <pc:docMk/>
+            <pc:sldMk cId="2972990346" sldId="264"/>
+            <ac:grpSpMk id="64" creationId="{032D8612-31EB-44CF-A1D0-14FD4C705424}"/>
+          </ac:grpSpMkLst>
+        </pc:grpChg>
+        <pc:grpChg chg="add del">
+          <ac:chgData name="Tommaso Sprocati" userId="ee542eccb6201050" providerId="Windows Live" clId="Web-{BD6FEC23-10FF-48A4-8651-E55A94B7CE48}" dt="2023-06-21T20:08:06.910" v="141"/>
+          <ac:grpSpMkLst>
+            <pc:docMk/>
+            <pc:sldMk cId="2972990346" sldId="264"/>
+            <ac:grpSpMk id="70" creationId="{2783379C-045E-4010-ABDC-A270A0AA1068}"/>
+          </ac:grpSpMkLst>
+        </pc:grpChg>
+        <pc:grpChg chg="add del">
+          <ac:chgData name="Tommaso Sprocati" userId="ee542eccb6201050" providerId="Windows Live" clId="Web-{BD6FEC23-10FF-48A4-8651-E55A94B7CE48}" dt="2023-06-21T20:08:06.910" v="141"/>
+          <ac:grpSpMkLst>
+            <pc:docMk/>
+            <pc:sldMk cId="2972990346" sldId="264"/>
+            <ac:grpSpMk id="74" creationId="{F5FDDF18-F156-4D2D-82C6-F55008E338B5}"/>
+          </ac:grpSpMkLst>
+        </pc:grpChg>
+        <pc:grpChg chg="add del">
+          <ac:chgData name="Tommaso Sprocati" userId="ee542eccb6201050" providerId="Windows Live" clId="Web-{BD6FEC23-10FF-48A4-8651-E55A94B7CE48}" dt="2023-06-21T20:08:09.879" v="143"/>
+          <ac:grpSpMkLst>
+            <pc:docMk/>
+            <pc:sldMk cId="2972990346" sldId="264"/>
+            <ac:grpSpMk id="80" creationId="{032D8612-31EB-44CF-A1D0-14FD4C705424}"/>
+          </ac:grpSpMkLst>
+        </pc:grpChg>
+        <pc:grpChg chg="add del">
+          <ac:chgData name="Tommaso Sprocati" userId="ee542eccb6201050" providerId="Windows Live" clId="Web-{BD6FEC23-10FF-48A4-8651-E55A94B7CE48}" dt="2023-06-21T20:08:12.254" v="145"/>
+          <ac:grpSpMkLst>
+            <pc:docMk/>
+            <pc:sldMk cId="2972990346" sldId="264"/>
+            <ac:grpSpMk id="87" creationId="{032D8612-31EB-44CF-A1D0-14FD4C705424}"/>
+          </ac:grpSpMkLst>
+        </pc:grpChg>
+        <pc:graphicFrameChg chg="del">
+          <ac:chgData name="Tommaso Sprocati" userId="ee542eccb6201050" providerId="Windows Live" clId="Web-{BD6FEC23-10FF-48A4-8651-E55A94B7CE48}" dt="2023-06-21T20:06:25.360" v="118"/>
+          <ac:graphicFrameMkLst>
+            <pc:docMk/>
+            <pc:sldMk cId="2972990346" sldId="264"/>
+            <ac:graphicFrameMk id="5" creationId="{8E8211AC-CF0D-5CC1-AC8A-366183DE2E96}"/>
+          </ac:graphicFrameMkLst>
+        </pc:graphicFrameChg>
+        <pc:picChg chg="add del mod">
+          <ac:chgData name="Tommaso Sprocati" userId="ee542eccb6201050" providerId="Windows Live" clId="Web-{BD6FEC23-10FF-48A4-8651-E55A94B7CE48}" dt="2023-06-21T20:09:36.710" v="158"/>
+          <ac:picMkLst>
+            <pc:docMk/>
+            <pc:sldMk cId="2972990346" sldId="264"/>
+            <ac:picMk id="20" creationId="{87AAAA83-EA5D-83FB-FB2C-10440B1EF0D7}"/>
+          </ac:picMkLst>
+        </pc:picChg>
+        <pc:picChg chg="add mod">
+          <ac:chgData name="Tommaso Sprocati" userId="ee542eccb6201050" providerId="Windows Live" clId="Web-{BD6FEC23-10FF-48A4-8651-E55A94B7CE48}" dt="2023-06-21T20:16:41.475" v="181" actId="1076"/>
+          <ac:picMkLst>
+            <pc:docMk/>
+            <pc:sldMk cId="2972990346" sldId="264"/>
+            <ac:picMk id="35" creationId="{BA8F9223-4FAB-A066-18BA-C21E32D081E4}"/>
+          </ac:picMkLst>
+        </pc:picChg>
+        <pc:picChg chg="add del">
+          <ac:chgData name="Tommaso Sprocati" userId="ee542eccb6201050" providerId="Windows Live" clId="Web-{BD6FEC23-10FF-48A4-8651-E55A94B7CE48}" dt="2023-06-21T20:10:18.868" v="164"/>
+          <ac:picMkLst>
+            <pc:docMk/>
+            <pc:sldMk cId="2972990346" sldId="264"/>
+            <ac:picMk id="36" creationId="{ECDB98DE-AD81-5BD7-DD67-CEFD3E3EF30C}"/>
+          </ac:picMkLst>
+        </pc:picChg>
+        <pc:cxnChg chg="add del">
+          <ac:chgData name="Tommaso Sprocati" userId="ee542eccb6201050" providerId="Windows Live" clId="Web-{BD6FEC23-10FF-48A4-8651-E55A94B7CE48}" dt="2023-06-21T20:08:37.693" v="151"/>
+          <ac:cxnSpMkLst>
+            <pc:docMk/>
+            <pc:sldMk cId="2972990346" sldId="264"/>
+            <ac:cxnSpMk id="50" creationId="{AA2EAA10-076F-46BD-8F0F-B9A2FB77A85C}"/>
+          </ac:cxnSpMkLst>
+        </pc:cxnChg>
+        <pc:cxnChg chg="add del">
+          <ac:chgData name="Tommaso Sprocati" userId="ee542eccb6201050" providerId="Windows Live" clId="Web-{BD6FEC23-10FF-48A4-8651-E55A94B7CE48}" dt="2023-06-21T20:08:37.693" v="151"/>
+          <ac:cxnSpMkLst>
+            <pc:docMk/>
+            <pc:sldMk cId="2972990346" sldId="264"/>
+            <ac:cxnSpMk id="57" creationId="{D891E407-403B-4764-86C9-33A56D3BCAA3}"/>
+          </ac:cxnSpMkLst>
+        </pc:cxnChg>
+      </pc:sldChg>
+    </pc:docChg>
+  </pc:docChgLst>
+  <pc:docChgLst>
+    <pc:chgData name="Tommaso Sprocati" userId="ee542eccb6201050" providerId="Windows Live" clId="Web-{D03E83A4-91F7-420D-B34A-8168E498E88D}"/>
+    <pc:docChg chg="addSld delSld modSld sldOrd">
+      <pc:chgData name="Tommaso Sprocati" userId="ee542eccb6201050" providerId="Windows Live" clId="Web-{D03E83A4-91F7-420D-B34A-8168E498E88D}" dt="2023-06-22T09:38:07.541" v="11"/>
+      <pc:docMkLst>
+        <pc:docMk/>
+      </pc:docMkLst>
+      <pc:sldChg chg="del ord">
+        <pc:chgData name="Tommaso Sprocati" userId="ee542eccb6201050" providerId="Windows Live" clId="Web-{D03E83A4-91F7-420D-B34A-8168E498E88D}" dt="2023-06-22T09:38:07.541" v="11"/>
+        <pc:sldMkLst>
+          <pc:docMk/>
+          <pc:sldMk cId="2972990346" sldId="264"/>
+        </pc:sldMkLst>
+      </pc:sldChg>
+      <pc:sldChg chg="addSp delSp modSp new modTransition">
+        <pc:chgData name="Tommaso Sprocati" userId="ee542eccb6201050" providerId="Windows Live" clId="Web-{D03E83A4-91F7-420D-B34A-8168E498E88D}" dt="2023-06-22T09:37:31.758" v="10"/>
+        <pc:sldMkLst>
+          <pc:docMk/>
+          <pc:sldMk cId="1774839589" sldId="265"/>
+        </pc:sldMkLst>
+        <pc:spChg chg="del">
+          <ac:chgData name="Tommaso Sprocati" userId="ee542eccb6201050" providerId="Windows Live" clId="Web-{D03E83A4-91F7-420D-B34A-8168E498E88D}" dt="2023-06-22T09:35:38.064" v="1"/>
+          <ac:spMkLst>
+            <pc:docMk/>
+            <pc:sldMk cId="1774839589" sldId="265"/>
+            <ac:spMk id="2" creationId="{5571BE62-01CD-506B-7157-A2EEA9EBC2D0}"/>
+          </ac:spMkLst>
+        </pc:spChg>
+        <pc:spChg chg="del">
+          <ac:chgData name="Tommaso Sprocati" userId="ee542eccb6201050" providerId="Windows Live" clId="Web-{D03E83A4-91F7-420D-B34A-8168E498E88D}" dt="2023-06-22T09:35:40.002" v="2"/>
+          <ac:spMkLst>
+            <pc:docMk/>
+            <pc:sldMk cId="1774839589" sldId="265"/>
+            <ac:spMk id="3" creationId="{1DD0F622-5961-B5E1-7D85-FF76109FFC70}"/>
+          </ac:spMkLst>
+        </pc:spChg>
+        <pc:spChg chg="add mod ord">
+          <ac:chgData name="Tommaso Sprocati" userId="ee542eccb6201050" providerId="Windows Live" clId="Web-{D03E83A4-91F7-420D-B34A-8168E498E88D}" dt="2023-06-22T09:36:27.770" v="6"/>
+          <ac:spMkLst>
+            <pc:docMk/>
+            <pc:sldMk cId="1774839589" sldId="265"/>
+            <ac:spMk id="5" creationId="{185CD202-8969-011A-87D8-08E3C83B4BD1}"/>
+          </ac:spMkLst>
+        </pc:spChg>
+        <pc:spChg chg="add">
+          <ac:chgData name="Tommaso Sprocati" userId="ee542eccb6201050" providerId="Windows Live" clId="Web-{D03E83A4-91F7-420D-B34A-8168E498E88D}" dt="2023-06-22T09:36:07.175" v="5"/>
+          <ac:spMkLst>
+            <pc:docMk/>
+            <pc:sldMk cId="1774839589" sldId="265"/>
+            <ac:spMk id="9" creationId="{366E2D93-017C-AE92-679E-ACA06D0DB13C}"/>
+          </ac:spMkLst>
+        </pc:spChg>
+        <pc:picChg chg="add">
+          <ac:chgData name="Tommaso Sprocati" userId="ee542eccb6201050" providerId="Windows Live" clId="Web-{D03E83A4-91F7-420D-B34A-8168E498E88D}" dt="2023-06-22T09:35:54.284" v="4"/>
+          <ac:picMkLst>
+            <pc:docMk/>
+            <pc:sldMk cId="1774839589" sldId="265"/>
+            <ac:picMk id="7" creationId="{5DA64D96-D82A-1DDE-5A0D-6C1451F95B72}"/>
+          </ac:picMkLst>
+        </pc:picChg>
+      </pc:sldChg>
+    </pc:docChg>
+  </pc:docChgLst>
+  <pc:docChgLst>
+    <pc:chgData name="Alessandro Sironi" userId="25d0c03d1cf60993" providerId="LiveId" clId="{CE4B2AE5-29F8-8147-94D3-6CDBAE3C269E}"/>
+    <pc:docChg chg="undo custSel addSld delSld modSld sldOrd">
+      <pc:chgData name="Alessandro Sironi" userId="25d0c03d1cf60993" providerId="LiveId" clId="{CE4B2AE5-29F8-8147-94D3-6CDBAE3C269E}" dt="2023-06-27T12:25:20.597" v="736"/>
+      <pc:docMkLst>
+        <pc:docMk/>
+      </pc:docMkLst>
+      <pc:sldChg chg="addSp delSp modSp mod modTransition setBg setClrOvrMap">
+        <pc:chgData name="Alessandro Sironi" userId="25d0c03d1cf60993" providerId="LiveId" clId="{CE4B2AE5-29F8-8147-94D3-6CDBAE3C269E}" dt="2023-06-22T13:11:36.449" v="635"/>
+        <pc:sldMkLst>
+          <pc:docMk/>
+          <pc:sldMk cId="1127344353" sldId="256"/>
+        </pc:sldMkLst>
+        <pc:spChg chg="mod">
+          <ac:chgData name="Alessandro Sironi" userId="25d0c03d1cf60993" providerId="LiveId" clId="{CE4B2AE5-29F8-8147-94D3-6CDBAE3C269E}" dt="2023-06-21T09:17:15.347" v="4" actId="26606"/>
+          <ac:spMkLst>
+            <pc:docMk/>
+            <pc:sldMk cId="1127344353" sldId="256"/>
+            <ac:spMk id="2" creationId="{04A29618-DFF5-963F-1862-1A6BB24CB56B}"/>
+          </ac:spMkLst>
+        </pc:spChg>
+        <pc:spChg chg="mod">
+          <ac:chgData name="Alessandro Sironi" userId="25d0c03d1cf60993" providerId="LiveId" clId="{CE4B2AE5-29F8-8147-94D3-6CDBAE3C269E}" dt="2023-06-21T09:17:15.347" v="4" actId="26606"/>
+          <ac:spMkLst>
+            <pc:docMk/>
+            <pc:sldMk cId="1127344353" sldId="256"/>
+            <ac:spMk id="3" creationId="{5B056524-7594-1B70-A147-8273926A4014}"/>
+          </ac:spMkLst>
+        </pc:spChg>
+        <pc:spChg chg="add del mod">
+          <ac:chgData name="Alessandro Sironi" userId="25d0c03d1cf60993" providerId="LiveId" clId="{CE4B2AE5-29F8-8147-94D3-6CDBAE3C269E}" dt="2023-06-21T09:17:29.669" v="9"/>
+          <ac:spMkLst>
+            <pc:docMk/>
+            <pc:sldMk cId="1127344353" sldId="256"/>
+            <ac:spMk id="7" creationId="{4A41B604-547C-CE67-417F-D6446B322332}"/>
+          </ac:spMkLst>
+        </pc:spChg>
+        <pc:spChg chg="add">
+          <ac:chgData name="Alessandro Sironi" userId="25d0c03d1cf60993" providerId="LiveId" clId="{CE4B2AE5-29F8-8147-94D3-6CDBAE3C269E}" dt="2023-06-21T09:17:15.347" v="4" actId="26606"/>
+          <ac:spMkLst>
+            <pc:docMk/>
+            <pc:sldMk cId="1127344353" sldId="256"/>
+            <ac:spMk id="11" creationId="{0671A8AE-40A1-4631-A6B8-581AFF065482}"/>
+          </ac:spMkLst>
+        </pc:spChg>
+        <pc:spChg chg="add">
+          <ac:chgData name="Alessandro Sironi" userId="25d0c03d1cf60993" providerId="LiveId" clId="{CE4B2AE5-29F8-8147-94D3-6CDBAE3C269E}" dt="2023-06-21T09:17:15.347" v="4" actId="26606"/>
+          <ac:spMkLst>
+            <pc:docMk/>
+            <pc:sldMk cId="1127344353" sldId="256"/>
+            <ac:spMk id="13" creationId="{AB58EF07-17C2-48CF-ABB0-EEF1F17CB8F0}"/>
+          </ac:spMkLst>
+        </pc:spChg>
+        <pc:spChg chg="add">
+          <ac:chgData name="Alessandro Sironi" userId="25d0c03d1cf60993" providerId="LiveId" clId="{CE4B2AE5-29F8-8147-94D3-6CDBAE3C269E}" dt="2023-06-21T09:17:15.347" v="4" actId="26606"/>
+          <ac:spMkLst>
+            <pc:docMk/>
+            <pc:sldMk cId="1127344353" sldId="256"/>
+            <ac:spMk id="15" creationId="{AF2F604E-43BE-4DC3-B983-E071523364F8}"/>
+          </ac:spMkLst>
+        </pc:spChg>
+        <pc:spChg chg="add">
+          <ac:chgData name="Alessandro Sironi" userId="25d0c03d1cf60993" providerId="LiveId" clId="{CE4B2AE5-29F8-8147-94D3-6CDBAE3C269E}" dt="2023-06-21T09:17:15.347" v="4" actId="26606"/>
+          <ac:spMkLst>
+            <pc:docMk/>
+            <pc:sldMk cId="1127344353" sldId="256"/>
+            <ac:spMk id="17" creationId="{08C9B587-E65E-4B52-B37C-ABEBB6E87928}"/>
+          </ac:spMkLst>
+        </pc:spChg>
+        <pc:picChg chg="add mod ord">
+          <ac:chgData name="Alessandro Sironi" userId="25d0c03d1cf60993" providerId="LiveId" clId="{CE4B2AE5-29F8-8147-94D3-6CDBAE3C269E}" dt="2023-06-21T09:17:15.347" v="4" actId="26606"/>
+          <ac:picMkLst>
+            <pc:docMk/>
+            <pc:sldMk cId="1127344353" sldId="256"/>
+            <ac:picMk id="6" creationId="{6CD14A2C-97CA-E0BE-5522-A08D330BB3E5}"/>
+          </ac:picMkLst>
+        </pc:picChg>
+      </pc:sldChg>
+      <pc:sldChg chg="addSp delSp modSp new mod modTransition setBg">
+        <pc:chgData name="Alessandro Sironi" userId="25d0c03d1cf60993" providerId="LiveId" clId="{CE4B2AE5-29F8-8147-94D3-6CDBAE3C269E}" dt="2023-06-22T13:11:36.449" v="635"/>
+        <pc:sldMkLst>
+          <pc:docMk/>
+          <pc:sldMk cId="2286604492" sldId="257"/>
+        </pc:sldMkLst>
+        <pc:spChg chg="mod">
+          <ac:chgData name="Alessandro Sironi" userId="25d0c03d1cf60993" providerId="LiveId" clId="{CE4B2AE5-29F8-8147-94D3-6CDBAE3C269E}" dt="2023-06-21T10:18:14.039" v="191" actId="26606"/>
+          <ac:spMkLst>
+            <pc:docMk/>
+            <pc:sldMk cId="2286604492" sldId="257"/>
+            <ac:spMk id="2" creationId="{A02DFE0C-8A69-A3BE-1125-10FB4E26C242}"/>
+          </ac:spMkLst>
+        </pc:spChg>
+        <pc:spChg chg="del mod">
+          <ac:chgData name="Alessandro Sironi" userId="25d0c03d1cf60993" providerId="LiveId" clId="{CE4B2AE5-29F8-8147-94D3-6CDBAE3C269E}" dt="2023-06-21T10:18:14.039" v="191" actId="26606"/>
+          <ac:spMkLst>
+            <pc:docMk/>
+            <pc:sldMk cId="2286604492" sldId="257"/>
+            <ac:spMk id="3" creationId="{DB9C97A9-D121-0A51-75DD-9B05A307D69E}"/>
+          </ac:spMkLst>
+        </pc:spChg>
+        <pc:spChg chg="add">
+          <ac:chgData name="Alessandro Sironi" userId="25d0c03d1cf60993" providerId="LiveId" clId="{CE4B2AE5-29F8-8147-94D3-6CDBAE3C269E}" dt="2023-06-21T10:18:14.039" v="191" actId="26606"/>
+          <ac:spMkLst>
+            <pc:docMk/>
+            <pc:sldMk cId="2286604492" sldId="257"/>
+            <ac:spMk id="9" creationId="{0C541B88-1AE9-40C3-AFD5-967787C1979F}"/>
+          </ac:spMkLst>
+        </pc:spChg>
+        <pc:spChg chg="add">
+          <ac:chgData name="Alessandro Sironi" userId="25d0c03d1cf60993" providerId="LiveId" clId="{CE4B2AE5-29F8-8147-94D3-6CDBAE3C269E}" dt="2023-06-21T10:18:14.039" v="191" actId="26606"/>
+          <ac:spMkLst>
+            <pc:docMk/>
+            <pc:sldMk cId="2286604492" sldId="257"/>
+            <ac:spMk id="11" creationId="{E5F17139-31EE-46AC-B04F-DBBD852DD6CB}"/>
+          </ac:spMkLst>
+        </pc:spChg>
+        <pc:spChg chg="add">
+          <ac:chgData name="Alessandro Sironi" userId="25d0c03d1cf60993" providerId="LiveId" clId="{CE4B2AE5-29F8-8147-94D3-6CDBAE3C269E}" dt="2023-06-21T10:18:14.039" v="191" actId="26606"/>
+          <ac:spMkLst>
+            <pc:docMk/>
+            <pc:sldMk cId="2286604492" sldId="257"/>
+            <ac:spMk id="17" creationId="{89D16701-DA76-4F72-BB63-E2C3FFBDFE0F}"/>
+          </ac:spMkLst>
+        </pc:spChg>
+        <pc:spChg chg="add">
+          <ac:chgData name="Alessandro Sironi" userId="25d0c03d1cf60993" providerId="LiveId" clId="{CE4B2AE5-29F8-8147-94D3-6CDBAE3C269E}" dt="2023-06-21T10:18:14.039" v="191" actId="26606"/>
+          <ac:spMkLst>
+            <pc:docMk/>
+            <pc:sldMk cId="2286604492" sldId="257"/>
+            <ac:spMk id="19" creationId="{1CC28BE1-9DC6-43FE-9582-39F091098D77}"/>
+          </ac:spMkLst>
+        </pc:spChg>
+        <pc:grpChg chg="add">
+          <ac:chgData name="Alessandro Sironi" userId="25d0c03d1cf60993" providerId="LiveId" clId="{CE4B2AE5-29F8-8147-94D3-6CDBAE3C269E}" dt="2023-06-21T10:18:14.039" v="191" actId="26606"/>
+          <ac:grpSpMkLst>
+            <pc:docMk/>
+            <pc:sldMk cId="2286604492" sldId="257"/>
+            <ac:grpSpMk id="13" creationId="{7CF625D3-71A3-4F30-A096-8EF334E959D0}"/>
+          </ac:grpSpMkLst>
+        </pc:grpChg>
+        <pc:grpChg chg="add">
+          <ac:chgData name="Alessandro Sironi" userId="25d0c03d1cf60993" providerId="LiveId" clId="{CE4B2AE5-29F8-8147-94D3-6CDBAE3C269E}" dt="2023-06-21T10:18:14.039" v="191" actId="26606"/>
+          <ac:grpSpMkLst>
+            <pc:docMk/>
+            <pc:sldMk cId="2286604492" sldId="257"/>
+            <ac:grpSpMk id="21" creationId="{AF9AF3F3-CE0C-4125-BDD7-346487FA0B40}"/>
+          </ac:grpSpMkLst>
+        </pc:grpChg>
+        <pc:graphicFrameChg chg="add mod">
+          <ac:chgData name="Alessandro Sironi" userId="25d0c03d1cf60993" providerId="LiveId" clId="{CE4B2AE5-29F8-8147-94D3-6CDBAE3C269E}" dt="2023-06-21T10:18:45.245" v="192" actId="20577"/>
+          <ac:graphicFrameMkLst>
+            <pc:docMk/>
+            <pc:sldMk cId="2286604492" sldId="257"/>
+            <ac:graphicFrameMk id="5" creationId="{1755E754-F215-1326-340A-E6A7CA631B08}"/>
+          </ac:graphicFrameMkLst>
+        </pc:graphicFrameChg>
+      </pc:sldChg>
+      <pc:sldChg chg="new del">
+        <pc:chgData name="Alessandro Sironi" userId="25d0c03d1cf60993" providerId="LiveId" clId="{CE4B2AE5-29F8-8147-94D3-6CDBAE3C269E}" dt="2023-06-21T09:17:25.197" v="6" actId="680"/>
+        <pc:sldMkLst>
+          <pc:docMk/>
+          <pc:sldMk cId="3287892571" sldId="257"/>
+        </pc:sldMkLst>
+      </pc:sldChg>
+      <pc:sldChg chg="addSp delSp modSp new mod modTransition setBg">
+        <pc:chgData name="Alessandro Sironi" userId="25d0c03d1cf60993" providerId="LiveId" clId="{CE4B2AE5-29F8-8147-94D3-6CDBAE3C269E}" dt="2023-06-22T13:11:36.449" v="635"/>
+        <pc:sldMkLst>
+          <pc:docMk/>
+          <pc:sldMk cId="199436637" sldId="258"/>
+        </pc:sldMkLst>
+        <pc:spChg chg="mod">
+          <ac:chgData name="Alessandro Sironi" userId="25d0c03d1cf60993" providerId="LiveId" clId="{CE4B2AE5-29F8-8147-94D3-6CDBAE3C269E}" dt="2023-06-21T10:31:29.677" v="410" actId="26606"/>
+          <ac:spMkLst>
+            <pc:docMk/>
+            <pc:sldMk cId="199436637" sldId="258"/>
+            <ac:spMk id="2" creationId="{BE888B85-CE78-C8DE-41EC-ECF10968A9E1}"/>
+          </ac:spMkLst>
+        </pc:spChg>
+        <pc:spChg chg="del mod">
+          <ac:chgData name="Alessandro Sironi" userId="25d0c03d1cf60993" providerId="LiveId" clId="{CE4B2AE5-29F8-8147-94D3-6CDBAE3C269E}" dt="2023-06-21T10:31:29.677" v="410" actId="26606"/>
+          <ac:spMkLst>
+            <pc:docMk/>
+            <pc:sldMk cId="199436637" sldId="258"/>
+            <ac:spMk id="3" creationId="{E27F7F12-667D-DA35-F4E1-30261310B2D9}"/>
+          </ac:spMkLst>
+        </pc:spChg>
+        <pc:spChg chg="add del">
+          <ac:chgData name="Alessandro Sironi" userId="25d0c03d1cf60993" providerId="LiveId" clId="{CE4B2AE5-29F8-8147-94D3-6CDBAE3C269E}" dt="2023-06-21T10:31:23.405" v="409" actId="26606"/>
+          <ac:spMkLst>
+            <pc:docMk/>
+            <pc:sldMk cId="199436637" sldId="258"/>
+            <ac:spMk id="8" creationId="{5A0118C5-4F8D-4CF4-BADD-53FEACC6C42A}"/>
+          </ac:spMkLst>
+        </pc:spChg>
+        <pc:spChg chg="add">
+          <ac:chgData name="Alessandro Sironi" userId="25d0c03d1cf60993" providerId="LiveId" clId="{CE4B2AE5-29F8-8147-94D3-6CDBAE3C269E}" dt="2023-06-21T10:31:29.677" v="410" actId="26606"/>
+          <ac:spMkLst>
+            <pc:docMk/>
+            <pc:sldMk cId="199436637" sldId="258"/>
+            <ac:spMk id="9" creationId="{0C541B88-1AE9-40C3-AFD5-967787C1979F}"/>
+          </ac:spMkLst>
+        </pc:spChg>
+        <pc:spChg chg="add del">
+          <ac:chgData name="Alessandro Sironi" userId="25d0c03d1cf60993" providerId="LiveId" clId="{CE4B2AE5-29F8-8147-94D3-6CDBAE3C269E}" dt="2023-06-21T10:31:23.405" v="409" actId="26606"/>
+          <ac:spMkLst>
+            <pc:docMk/>
+            <pc:sldMk cId="199436637" sldId="258"/>
+            <ac:spMk id="10" creationId="{A99050EE-26AF-4253-BD50-F0FCD965A8F6}"/>
+          </ac:spMkLst>
+        </pc:spChg>
+        <pc:spChg chg="add">
+          <ac:chgData name="Alessandro Sironi" userId="25d0c03d1cf60993" providerId="LiveId" clId="{CE4B2AE5-29F8-8147-94D3-6CDBAE3C269E}" dt="2023-06-21T10:31:29.677" v="410" actId="26606"/>
+          <ac:spMkLst>
+            <pc:docMk/>
+            <pc:sldMk cId="199436637" sldId="258"/>
+            <ac:spMk id="11" creationId="{E5F17139-31EE-46AC-B04F-DBBD852DD6CB}"/>
+          </ac:spMkLst>
+        </pc:spChg>
+        <pc:spChg chg="add del">
+          <ac:chgData name="Alessandro Sironi" userId="25d0c03d1cf60993" providerId="LiveId" clId="{CE4B2AE5-29F8-8147-94D3-6CDBAE3C269E}" dt="2023-06-21T10:31:23.405" v="409" actId="26606"/>
+          <ac:spMkLst>
+            <pc:docMk/>
+            <pc:sldMk cId="199436637" sldId="258"/>
+            <ac:spMk id="16" creationId="{D0C78466-EB6E-45A0-99A6-A00789ACD90A}"/>
+          </ac:spMkLst>
+        </pc:spChg>
+        <pc:spChg chg="add">
+          <ac:chgData name="Alessandro Sironi" userId="25d0c03d1cf60993" providerId="LiveId" clId="{CE4B2AE5-29F8-8147-94D3-6CDBAE3C269E}" dt="2023-06-21T10:31:29.677" v="410" actId="26606"/>
+          <ac:spMkLst>
+            <pc:docMk/>
+            <pc:sldMk cId="199436637" sldId="258"/>
+            <ac:spMk id="17" creationId="{89D16701-DA76-4F72-BB63-E2C3FFBDFE0F}"/>
+          </ac:spMkLst>
+        </pc:spChg>
+        <pc:spChg chg="add del">
+          <ac:chgData name="Alessandro Sironi" userId="25d0c03d1cf60993" providerId="LiveId" clId="{CE4B2AE5-29F8-8147-94D3-6CDBAE3C269E}" dt="2023-06-21T10:31:23.405" v="409" actId="26606"/>
+          <ac:spMkLst>
+            <pc:docMk/>
+            <pc:sldMk cId="199436637" sldId="258"/>
+            <ac:spMk id="18" creationId="{E99F76E4-5DFD-4DBE-B042-66FBCD1182C9}"/>
+          </ac:spMkLst>
+        </pc:spChg>
+        <pc:spChg chg="add">
+          <ac:chgData name="Alessandro Sironi" userId="25d0c03d1cf60993" providerId="LiveId" clId="{CE4B2AE5-29F8-8147-94D3-6CDBAE3C269E}" dt="2023-06-21T10:31:29.677" v="410" actId="26606"/>
+          <ac:spMkLst>
+            <pc:docMk/>
+            <pc:sldMk cId="199436637" sldId="258"/>
+            <ac:spMk id="19" creationId="{1CC28BE1-9DC6-43FE-9582-39F091098D77}"/>
+          </ac:spMkLst>
+        </pc:spChg>
+        <pc:grpChg chg="add">
+          <ac:chgData name="Alessandro Sironi" userId="25d0c03d1cf60993" providerId="LiveId" clId="{CE4B2AE5-29F8-8147-94D3-6CDBAE3C269E}" dt="2023-06-21T10:31:29.677" v="410" actId="26606"/>
+          <ac:grpSpMkLst>
+            <pc:docMk/>
+            <pc:sldMk cId="199436637" sldId="258"/>
+            <ac:grpSpMk id="6" creationId="{7CF625D3-71A3-4F30-A096-8EF334E959D0}"/>
+          </ac:grpSpMkLst>
+        </pc:grpChg>
+        <pc:grpChg chg="add del">
+          <ac:chgData name="Alessandro Sironi" userId="25d0c03d1cf60993" providerId="LiveId" clId="{CE4B2AE5-29F8-8147-94D3-6CDBAE3C269E}" dt="2023-06-21T10:31:23.405" v="409" actId="26606"/>
+          <ac:grpSpMkLst>
+            <pc:docMk/>
+            <pc:sldMk cId="199436637" sldId="258"/>
+            <ac:grpSpMk id="12" creationId="{00E015F5-1A99-4E40-BC3D-7707802996B5}"/>
+          </ac:grpSpMkLst>
+        </pc:grpChg>
+        <pc:grpChg chg="add del">
+          <ac:chgData name="Alessandro Sironi" userId="25d0c03d1cf60993" providerId="LiveId" clId="{CE4B2AE5-29F8-8147-94D3-6CDBAE3C269E}" dt="2023-06-21T10:31:23.405" v="409" actId="26606"/>
+          <ac:grpSpMkLst>
+            <pc:docMk/>
+            <pc:sldMk cId="199436637" sldId="258"/>
+            <ac:grpSpMk id="20" creationId="{5468B3A9-705E-43C3-A742-0619B0D8F2EE}"/>
+          </ac:grpSpMkLst>
+        </pc:grpChg>
+        <pc:grpChg chg="add">
+          <ac:chgData name="Alessandro Sironi" userId="25d0c03d1cf60993" providerId="LiveId" clId="{CE4B2AE5-29F8-8147-94D3-6CDBAE3C269E}" dt="2023-06-21T10:31:29.677" v="410" actId="26606"/>
+          <ac:grpSpMkLst>
+            <pc:docMk/>
+            <pc:sldMk cId="199436637" sldId="258"/>
+            <ac:grpSpMk id="190" creationId="{AF9AF3F3-CE0C-4125-BDD7-346487FA0B40}"/>
+          </ac:grpSpMkLst>
+        </pc:grpChg>
+        <pc:grpChg chg="add del">
+          <ac:chgData name="Alessandro Sironi" userId="25d0c03d1cf60993" providerId="LiveId" clId="{CE4B2AE5-29F8-8147-94D3-6CDBAE3C269E}" dt="2023-06-21T10:31:23.405" v="409" actId="26606"/>
+          <ac:grpSpMkLst>
+            <pc:docMk/>
+            <pc:sldMk cId="199436637" sldId="258"/>
+            <ac:grpSpMk id="191" creationId="{773717CC-ECEE-4ABF-BA61-C59F46801775}"/>
+          </ac:grpSpMkLst>
+        </pc:grpChg>
+        <pc:graphicFrameChg chg="add mod">
+          <ac:chgData name="Alessandro Sironi" userId="25d0c03d1cf60993" providerId="LiveId" clId="{CE4B2AE5-29F8-8147-94D3-6CDBAE3C269E}" dt="2023-06-21T10:35:33.793" v="439" actId="20577"/>
+          <ac:graphicFrameMkLst>
+            <pc:docMk/>
+            <pc:sldMk cId="199436637" sldId="258"/>
+            <ac:graphicFrameMk id="5" creationId="{566C6286-4FFA-8DC2-DAF2-9C30821B4A8A}"/>
+          </ac:graphicFrameMkLst>
+        </pc:graphicFrameChg>
+      </pc:sldChg>
+      <pc:sldChg chg="addSp delSp modSp new del mod">
+        <pc:chgData name="Alessandro Sironi" userId="25d0c03d1cf60993" providerId="LiveId" clId="{CE4B2AE5-29F8-8147-94D3-6CDBAE3C269E}" dt="2023-06-21T10:41:31.989" v="499" actId="2696"/>
+        <pc:sldMkLst>
+          <pc:docMk/>
+          <pc:sldMk cId="2885844990" sldId="259"/>
+        </pc:sldMkLst>
+        <pc:spChg chg="mod">
+          <ac:chgData name="Alessandro Sironi" userId="25d0c03d1cf60993" providerId="LiveId" clId="{CE4B2AE5-29F8-8147-94D3-6CDBAE3C269E}" dt="2023-06-21T10:36:55.217" v="460" actId="20577"/>
+          <ac:spMkLst>
+            <pc:docMk/>
+            <pc:sldMk cId="2885844990" sldId="259"/>
+            <ac:spMk id="2" creationId="{8E6648A0-C5FF-F0B3-7DBF-C0F43960BC81}"/>
+          </ac:spMkLst>
+        </pc:spChg>
+        <pc:spChg chg="del">
+          <ac:chgData name="Alessandro Sironi" userId="25d0c03d1cf60993" providerId="LiveId" clId="{CE4B2AE5-29F8-8147-94D3-6CDBAE3C269E}" dt="2023-06-21T10:37:22.177" v="461"/>
+          <ac:spMkLst>
+            <pc:docMk/>
+            <pc:sldMk cId="2885844990" sldId="259"/>
+            <ac:spMk id="3" creationId="{BB1E7744-8C36-FC7D-A865-C493F0D5AE9C}"/>
+          </ac:spMkLst>
+        </pc:spChg>
+        <pc:spChg chg="add mod">
+          <ac:chgData name="Alessandro Sironi" userId="25d0c03d1cf60993" providerId="LiveId" clId="{CE4B2AE5-29F8-8147-94D3-6CDBAE3C269E}" dt="2023-06-21T10:39:59.510" v="465" actId="21"/>
+          <ac:spMkLst>
+            <pc:docMk/>
+            <pc:sldMk cId="2885844990" sldId="259"/>
+            <ac:spMk id="7" creationId="{C7FF4B41-EE96-D6CE-386F-82D11E1A82DE}"/>
+          </ac:spMkLst>
+        </pc:spChg>
+        <pc:picChg chg="add del mod">
+          <ac:chgData name="Alessandro Sironi" userId="25d0c03d1cf60993" providerId="LiveId" clId="{CE4B2AE5-29F8-8147-94D3-6CDBAE3C269E}" dt="2023-06-21T10:39:59.510" v="465" actId="21"/>
+          <ac:picMkLst>
+            <pc:docMk/>
+            <pc:sldMk cId="2885844990" sldId="259"/>
+            <ac:picMk id="5" creationId="{62B00563-467E-9E48-1A4B-54FEF72A4CB8}"/>
+          </ac:picMkLst>
+        </pc:picChg>
+      </pc:sldChg>
+      <pc:sldChg chg="addSp delSp modSp add mod modTransition">
+        <pc:chgData name="Alessandro Sironi" userId="25d0c03d1cf60993" providerId="LiveId" clId="{CE4B2AE5-29F8-8147-94D3-6CDBAE3C269E}" dt="2023-06-22T13:11:36.449" v="635"/>
+        <pc:sldMkLst>
+          <pc:docMk/>
+          <pc:sldMk cId="1051833920" sldId="260"/>
+        </pc:sldMkLst>
+        <pc:spChg chg="mod">
+          <ac:chgData name="Alessandro Sironi" userId="25d0c03d1cf60993" providerId="LiveId" clId="{CE4B2AE5-29F8-8147-94D3-6CDBAE3C269E}" dt="2023-06-21T10:40:25.102" v="496" actId="20577"/>
+          <ac:spMkLst>
+            <pc:docMk/>
+            <pc:sldMk cId="1051833920" sldId="260"/>
+            <ac:spMk id="2" creationId="{BE888B85-CE78-C8DE-41EC-ECF10968A9E1}"/>
+          </ac:spMkLst>
+        </pc:spChg>
+        <pc:spChg chg="add del mod">
+          <ac:chgData name="Alessandro Sironi" userId="25d0c03d1cf60993" providerId="LiveId" clId="{CE4B2AE5-29F8-8147-94D3-6CDBAE3C269E}" dt="2023-06-21T10:40:17.676" v="467"/>
+          <ac:spMkLst>
+            <pc:docMk/>
+            <pc:sldMk cId="1051833920" sldId="260"/>
+            <ac:spMk id="4" creationId="{6ECE0364-193C-99F3-5AF1-E28647843AA4}"/>
+          </ac:spMkLst>
+        </pc:spChg>
+        <pc:graphicFrameChg chg="del">
+          <ac:chgData name="Alessandro Sironi" userId="25d0c03d1cf60993" providerId="LiveId" clId="{CE4B2AE5-29F8-8147-94D3-6CDBAE3C269E}" dt="2023-06-21T10:40:14.669" v="466" actId="21"/>
+          <ac:graphicFrameMkLst>
+            <pc:docMk/>
+            <pc:sldMk cId="1051833920" sldId="260"/>
+            <ac:graphicFrameMk id="5" creationId="{566C6286-4FFA-8DC2-DAF2-9C30821B4A8A}"/>
+          </ac:graphicFrameMkLst>
+        </pc:graphicFrameChg>
+        <pc:picChg chg="add mod">
+          <ac:chgData name="Alessandro Sironi" userId="25d0c03d1cf60993" providerId="LiveId" clId="{CE4B2AE5-29F8-8147-94D3-6CDBAE3C269E}" dt="2023-06-21T10:40:35.386" v="498" actId="1076"/>
+          <ac:picMkLst>
+            <pc:docMk/>
+            <pc:sldMk cId="1051833920" sldId="260"/>
+            <ac:picMk id="10" creationId="{1B7B1716-8870-AFD8-CC35-14CE37E2B04F}"/>
+          </ac:picMkLst>
+        </pc:picChg>
+      </pc:sldChg>
+      <pc:sldChg chg="addSp delSp modSp new mod modTransition setBg">
+        <pc:chgData name="Alessandro Sironi" userId="25d0c03d1cf60993" providerId="LiveId" clId="{CE4B2AE5-29F8-8147-94D3-6CDBAE3C269E}" dt="2023-06-23T13:46:37.061" v="644"/>
+        <pc:sldMkLst>
+          <pc:docMk/>
+          <pc:sldMk cId="2955367378" sldId="261"/>
+        </pc:sldMkLst>
+        <pc:spChg chg="mod">
+          <ac:chgData name="Alessandro Sironi" userId="25d0c03d1cf60993" providerId="LiveId" clId="{CE4B2AE5-29F8-8147-94D3-6CDBAE3C269E}" dt="2023-06-21T10:43:33.148" v="622" actId="26606"/>
+          <ac:spMkLst>
+            <pc:docMk/>
+            <pc:sldMk cId="2955367378" sldId="261"/>
+            <ac:spMk id="2" creationId="{3130AEBC-5E9F-F1F6-5406-7102639BBCD3}"/>
+          </ac:spMkLst>
+        </pc:spChg>
+        <pc:spChg chg="del mod">
+          <ac:chgData name="Alessandro Sironi" userId="25d0c03d1cf60993" providerId="LiveId" clId="{CE4B2AE5-29F8-8147-94D3-6CDBAE3C269E}" dt="2023-06-21T10:43:33.148" v="622" actId="26606"/>
+          <ac:spMkLst>
+            <pc:docMk/>
+            <pc:sldMk cId="2955367378" sldId="261"/>
+            <ac:spMk id="3" creationId="{EF2C8615-3E7D-2B5C-2A5B-147FF30F8A2E}"/>
+          </ac:spMkLst>
+        </pc:spChg>
+        <pc:spChg chg="add del mod">
+          <ac:chgData name="Alessandro Sironi" userId="25d0c03d1cf60993" providerId="LiveId" clId="{CE4B2AE5-29F8-8147-94D3-6CDBAE3C269E}" dt="2023-06-21T10:43:57.643" v="626"/>
+          <ac:spMkLst>
+            <pc:docMk/>
+            <pc:sldMk cId="2955367378" sldId="261"/>
+            <ac:spMk id="4" creationId="{04A6CB6D-4E99-116B-9553-B4DCB2CB6EB9}"/>
+          </ac:spMkLst>
+        </pc:spChg>
+        <pc:spChg chg="add">
+          <ac:chgData name="Alessandro Sironi" userId="25d0c03d1cf60993" providerId="LiveId" clId="{CE4B2AE5-29F8-8147-94D3-6CDBAE3C269E}" dt="2023-06-21T10:43:33.148" v="622" actId="26606"/>
+          <ac:spMkLst>
+            <pc:docMk/>
+            <pc:sldMk cId="2955367378" sldId="261"/>
+            <ac:spMk id="9" creationId="{0C541B88-1AE9-40C3-AFD5-967787C1979F}"/>
+          </ac:spMkLst>
+        </pc:spChg>
+        <pc:spChg chg="add">
+          <ac:chgData name="Alessandro Sironi" userId="25d0c03d1cf60993" providerId="LiveId" clId="{CE4B2AE5-29F8-8147-94D3-6CDBAE3C269E}" dt="2023-06-21T10:43:33.148" v="622" actId="26606"/>
+          <ac:spMkLst>
+            <pc:docMk/>
+            <pc:sldMk cId="2955367378" sldId="261"/>
+            <ac:spMk id="11" creationId="{E5F17139-31EE-46AC-B04F-DBBD852DD6CB}"/>
+          </ac:spMkLst>
+        </pc:spChg>
+        <pc:spChg chg="add">
+          <ac:chgData name="Alessandro Sironi" userId="25d0c03d1cf60993" providerId="LiveId" clId="{CE4B2AE5-29F8-8147-94D3-6CDBAE3C269E}" dt="2023-06-21T10:43:33.148" v="622" actId="26606"/>
+          <ac:spMkLst>
+            <pc:docMk/>
+            <pc:sldMk cId="2955367378" sldId="261"/>
+            <ac:spMk id="17" creationId="{89D16701-DA76-4F72-BB63-E2C3FFBDFE0F}"/>
+          </ac:spMkLst>
+        </pc:spChg>
+        <pc:spChg chg="add">
+          <ac:chgData name="Alessandro Sironi" userId="25d0c03d1cf60993" providerId="LiveId" clId="{CE4B2AE5-29F8-8147-94D3-6CDBAE3C269E}" dt="2023-06-21T10:43:33.148" v="622" actId="26606"/>
+          <ac:spMkLst>
+            <pc:docMk/>
+            <pc:sldMk cId="2955367378" sldId="261"/>
+            <ac:spMk id="19" creationId="{1CC28BE1-9DC6-43FE-9582-39F091098D77}"/>
+          </ac:spMkLst>
+        </pc:spChg>
+        <pc:grpChg chg="add">
+          <ac:chgData name="Alessandro Sironi" userId="25d0c03d1cf60993" providerId="LiveId" clId="{CE4B2AE5-29F8-8147-94D3-6CDBAE3C269E}" dt="2023-06-21T10:43:33.148" v="622" actId="26606"/>
+          <ac:grpSpMkLst>
+            <pc:docMk/>
+            <pc:sldMk cId="2955367378" sldId="261"/>
+            <ac:grpSpMk id="13" creationId="{7CF625D3-71A3-4F30-A096-8EF334E959D0}"/>
+          </ac:grpSpMkLst>
+        </pc:grpChg>
+        <pc:grpChg chg="add">
+          <ac:chgData name="Alessandro Sironi" userId="25d0c03d1cf60993" providerId="LiveId" clId="{CE4B2AE5-29F8-8147-94D3-6CDBAE3C269E}" dt="2023-06-21T10:43:33.148" v="622" actId="26606"/>
+          <ac:grpSpMkLst>
+            <pc:docMk/>
+            <pc:sldMk cId="2955367378" sldId="261"/>
+            <ac:grpSpMk id="21" creationId="{AF9AF3F3-CE0C-4125-BDD7-346487FA0B40}"/>
+          </ac:grpSpMkLst>
+        </pc:grpChg>
+        <pc:graphicFrameChg chg="add mod">
+          <ac:chgData name="Alessandro Sironi" userId="25d0c03d1cf60993" providerId="LiveId" clId="{CE4B2AE5-29F8-8147-94D3-6CDBAE3C269E}" dt="2023-06-23T13:46:37.061" v="644"/>
+          <ac:graphicFrameMkLst>
+            <pc:docMk/>
+            <pc:sldMk cId="2955367378" sldId="261"/>
+            <ac:graphicFrameMk id="5" creationId="{8E8211AC-CF0D-5CC1-AC8A-366183DE2E96}"/>
+          </ac:graphicFrameMkLst>
+        </pc:graphicFrameChg>
+      </pc:sldChg>
+      <pc:sldChg chg="addSp delSp modSp new mod modTransition setBg">
+        <pc:chgData name="Alessandro Sironi" userId="25d0c03d1cf60993" providerId="LiveId" clId="{CE4B2AE5-29F8-8147-94D3-6CDBAE3C269E}" dt="2023-06-22T13:11:36.449" v="635"/>
+        <pc:sldMkLst>
+          <pc:docMk/>
+          <pc:sldMk cId="22308656" sldId="262"/>
+        </pc:sldMkLst>
+        <pc:spChg chg="mod">
+          <ac:chgData name="Alessandro Sironi" userId="25d0c03d1cf60993" providerId="LiveId" clId="{CE4B2AE5-29F8-8147-94D3-6CDBAE3C269E}" dt="2023-06-21T10:45:01.299" v="633" actId="26606"/>
+          <ac:spMkLst>
+            <pc:docMk/>
+            <pc:sldMk cId="22308656" sldId="262"/>
+            <ac:spMk id="2" creationId="{771C4CDE-8F1A-1731-46D5-5ED100D35A03}"/>
+          </ac:spMkLst>
+        </pc:spChg>
+        <pc:spChg chg="del">
+          <ac:chgData name="Alessandro Sironi" userId="25d0c03d1cf60993" providerId="LiveId" clId="{CE4B2AE5-29F8-8147-94D3-6CDBAE3C269E}" dt="2023-06-21T10:44:51.113" v="632" actId="478"/>
+          <ac:spMkLst>
+            <pc:docMk/>
+            <pc:sldMk cId="22308656" sldId="262"/>
+            <ac:spMk id="3" creationId="{E0348F07-54B9-275B-5954-5FC5CA66B2D1}"/>
+          </ac:spMkLst>
+        </pc:spChg>
+        <pc:spChg chg="add">
+          <ac:chgData name="Alessandro Sironi" userId="25d0c03d1cf60993" providerId="LiveId" clId="{CE4B2AE5-29F8-8147-94D3-6CDBAE3C269E}" dt="2023-06-21T10:45:01.299" v="633" actId="26606"/>
+          <ac:spMkLst>
+            <pc:docMk/>
+            <pc:sldMk cId="22308656" sldId="262"/>
+            <ac:spMk id="7" creationId="{3677BAFB-3BD3-41BB-9107-FAE224AE21C4}"/>
+          </ac:spMkLst>
+        </pc:spChg>
+        <pc:spChg chg="add">
+          <ac:chgData name="Alessandro Sironi" userId="25d0c03d1cf60993" providerId="LiveId" clId="{CE4B2AE5-29F8-8147-94D3-6CDBAE3C269E}" dt="2023-06-21T10:45:01.299" v="633" actId="26606"/>
+          <ac:spMkLst>
+            <pc:docMk/>
+            <pc:sldMk cId="22308656" sldId="262"/>
+            <ac:spMk id="9" creationId="{E6823A9B-C188-42D4-847C-3AD928DB145C}"/>
+          </ac:spMkLst>
+        </pc:spChg>
+        <pc:spChg chg="add">
+          <ac:chgData name="Alessandro Sironi" userId="25d0c03d1cf60993" providerId="LiveId" clId="{CE4B2AE5-29F8-8147-94D3-6CDBAE3C269E}" dt="2023-06-21T10:45:01.299" v="633" actId="26606"/>
+          <ac:spMkLst>
+            <pc:docMk/>
+            <pc:sldMk cId="22308656" sldId="262"/>
+            <ac:spMk id="11" creationId="{34B557F3-1A0C-4749-A6DB-EAC082DF390B}"/>
+          </ac:spMkLst>
+        </pc:spChg>
+        <pc:spChg chg="add">
+          <ac:chgData name="Alessandro Sironi" userId="25d0c03d1cf60993" providerId="LiveId" clId="{CE4B2AE5-29F8-8147-94D3-6CDBAE3C269E}" dt="2023-06-21T10:45:01.299" v="633" actId="26606"/>
+          <ac:spMkLst>
+            <pc:docMk/>
+            <pc:sldMk cId="22308656" sldId="262"/>
+            <ac:spMk id="13" creationId="{55D55AA6-3751-494F-868A-DCEDC5CE82BF}"/>
+          </ac:spMkLst>
+        </pc:spChg>
+        <pc:spChg chg="add">
+          <ac:chgData name="Alessandro Sironi" userId="25d0c03d1cf60993" providerId="LiveId" clId="{CE4B2AE5-29F8-8147-94D3-6CDBAE3C269E}" dt="2023-06-21T10:45:01.299" v="633" actId="26606"/>
+          <ac:spMkLst>
+            <pc:docMk/>
+            <pc:sldMk cId="22308656" sldId="262"/>
+            <ac:spMk id="15" creationId="{4D4C00DC-4DC6-4CD2-9E31-F17E6CEBC5A6}"/>
+          </ac:spMkLst>
+        </pc:spChg>
+        <pc:spChg chg="add">
+          <ac:chgData name="Alessandro Sironi" userId="25d0c03d1cf60993" providerId="LiveId" clId="{CE4B2AE5-29F8-8147-94D3-6CDBAE3C269E}" dt="2023-06-21T10:45:01.299" v="633" actId="26606"/>
+          <ac:spMkLst>
+            <pc:docMk/>
+            <pc:sldMk cId="22308656" sldId="262"/>
+            <ac:spMk id="17" creationId="{D82AB1B2-7970-42CF-8BF5-567C69E9FFFB}"/>
+          </ac:spMkLst>
+        </pc:spChg>
+        <pc:spChg chg="add">
+          <ac:chgData name="Alessandro Sironi" userId="25d0c03d1cf60993" providerId="LiveId" clId="{CE4B2AE5-29F8-8147-94D3-6CDBAE3C269E}" dt="2023-06-21T10:45:01.299" v="633" actId="26606"/>
+          <ac:spMkLst>
+            <pc:docMk/>
+            <pc:sldMk cId="22308656" sldId="262"/>
+            <ac:spMk id="23" creationId="{C10FB9CA-E7FA-462C-B537-F1224ED1ACF4}"/>
+          </ac:spMkLst>
+        </pc:spChg>
+        <pc:spChg chg="add">
+          <ac:chgData name="Alessandro Sironi" userId="25d0c03d1cf60993" providerId="LiveId" clId="{CE4B2AE5-29F8-8147-94D3-6CDBAE3C269E}" dt="2023-06-21T10:45:01.299" v="633" actId="26606"/>
+          <ac:spMkLst>
+            <pc:docMk/>
+            <pc:sldMk cId="22308656" sldId="262"/>
+            <ac:spMk id="25" creationId="{D8469AE7-A75B-4F37-850B-EF5974ABED2C}"/>
+          </ac:spMkLst>
+        </pc:spChg>
+        <pc:grpChg chg="add">
+          <ac:chgData name="Alessandro Sironi" userId="25d0c03d1cf60993" providerId="LiveId" clId="{CE4B2AE5-29F8-8147-94D3-6CDBAE3C269E}" dt="2023-06-21T10:45:01.299" v="633" actId="26606"/>
+          <ac:grpSpMkLst>
+            <pc:docMk/>
+            <pc:sldMk cId="22308656" sldId="262"/>
+            <ac:grpSpMk id="19" creationId="{66FB5A75-BDE2-4F12-A95B-C48788A7685C}"/>
+          </ac:grpSpMkLst>
+        </pc:grpChg>
+        <pc:grpChg chg="add">
+          <ac:chgData name="Alessandro Sironi" userId="25d0c03d1cf60993" providerId="LiveId" clId="{CE4B2AE5-29F8-8147-94D3-6CDBAE3C269E}" dt="2023-06-21T10:45:01.299" v="633" actId="26606"/>
+          <ac:grpSpMkLst>
+            <pc:docMk/>
+            <pc:sldMk cId="22308656" sldId="262"/>
+            <ac:grpSpMk id="27" creationId="{63301095-70B2-49AA-8DA9-A35629AD621C}"/>
+          </ac:grpSpMkLst>
+        </pc:grpChg>
+      </pc:sldChg>
+      <pc:sldChg chg="modTransition">
+        <pc:chgData name="Alessandro Sironi" userId="25d0c03d1cf60993" providerId="LiveId" clId="{CE4B2AE5-29F8-8147-94D3-6CDBAE3C269E}" dt="2023-06-22T13:11:36.449" v="635"/>
+        <pc:sldMkLst>
+          <pc:docMk/>
+          <pc:sldMk cId="1774839589" sldId="265"/>
+        </pc:sldMkLst>
+      </pc:sldChg>
+      <pc:sldChg chg="addSp delSp modSp add mod">
+        <pc:chgData name="Alessandro Sironi" userId="25d0c03d1cf60993" providerId="LiveId" clId="{CE4B2AE5-29F8-8147-94D3-6CDBAE3C269E}" dt="2023-06-27T12:25:20.597" v="736"/>
+        <pc:sldMkLst>
+          <pc:docMk/>
+          <pc:sldMk cId="2149653596" sldId="266"/>
+        </pc:sldMkLst>
+        <pc:spChg chg="mod">
+          <ac:chgData name="Alessandro Sironi" userId="25d0c03d1cf60993" providerId="LiveId" clId="{CE4B2AE5-29F8-8147-94D3-6CDBAE3C269E}" dt="2023-06-27T12:22:39.778" v="663" actId="20577"/>
+          <ac:spMkLst>
+            <pc:docMk/>
+            <pc:sldMk cId="2149653596" sldId="266"/>
+            <ac:spMk id="2" creationId="{3130AEBC-5E9F-F1F6-5406-7102639BBCD3}"/>
+          </ac:spMkLst>
+        </pc:spChg>
+        <pc:spChg chg="add del mod">
+          <ac:chgData name="Alessandro Sironi" userId="25d0c03d1cf60993" providerId="LiveId" clId="{CE4B2AE5-29F8-8147-94D3-6CDBAE3C269E}" dt="2023-06-27T12:23:41.996" v="678" actId="478"/>
+          <ac:spMkLst>
+            <pc:docMk/>
+            <pc:sldMk cId="2149653596" sldId="266"/>
+            <ac:spMk id="4" creationId="{32561468-991C-E0F5-60C4-ABCD7131A256}"/>
+          </ac:spMkLst>
+        </pc:spChg>
+        <pc:spChg chg="add del mod">
+          <ac:chgData name="Alessandro Sironi" userId="25d0c03d1cf60993" providerId="LiveId" clId="{CE4B2AE5-29F8-8147-94D3-6CDBAE3C269E}" dt="2023-06-27T12:23:40.713" v="675" actId="478"/>
+          <ac:spMkLst>
+            <pc:docMk/>
+            <pc:sldMk cId="2149653596" sldId="266"/>
+            <ac:spMk id="7" creationId="{4C24846C-712B-C836-B751-355F2E9DD69B}"/>
+          </ac:spMkLst>
+        </pc:spChg>
+        <pc:graphicFrameChg chg="add del mod">
+          <ac:chgData name="Alessandro Sironi" userId="25d0c03d1cf60993" providerId="LiveId" clId="{CE4B2AE5-29F8-8147-94D3-6CDBAE3C269E}" dt="2023-06-27T12:25:20.597" v="736"/>
+          <ac:graphicFrameMkLst>
+            <pc:docMk/>
+            <pc:sldMk cId="2149653596" sldId="266"/>
+            <ac:graphicFrameMk id="5" creationId="{8E8211AC-CF0D-5CC1-AC8A-366183DE2E96}"/>
+          </ac:graphicFrameMkLst>
+        </pc:graphicFrameChg>
+      </pc:sldChg>
+      <pc:sldChg chg="delSp modSp add del mod ord">
+        <pc:chgData name="Alessandro Sironi" userId="25d0c03d1cf60993" providerId="LiveId" clId="{CE4B2AE5-29F8-8147-94D3-6CDBAE3C269E}" dt="2023-06-27T12:22:33.719" v="655" actId="2696"/>
+        <pc:sldMkLst>
+          <pc:docMk/>
+          <pc:sldMk cId="2993900957" sldId="266"/>
+        </pc:sldMkLst>
+        <pc:spChg chg="mod">
+          <ac:chgData name="Alessandro Sironi" userId="25d0c03d1cf60993" providerId="LiveId" clId="{CE4B2AE5-29F8-8147-94D3-6CDBAE3C269E}" dt="2023-06-27T12:22:18.150" v="652" actId="20577"/>
+          <ac:spMkLst>
+            <pc:docMk/>
+            <pc:sldMk cId="2993900957" sldId="266"/>
+            <ac:spMk id="5" creationId="{185CD202-8969-011A-87D8-08E3C83B4BD1}"/>
+          </ac:spMkLst>
+        </pc:spChg>
+        <pc:picChg chg="del">
+          <ac:chgData name="Alessandro Sironi" userId="25d0c03d1cf60993" providerId="LiveId" clId="{CE4B2AE5-29F8-8147-94D3-6CDBAE3C269E}" dt="2023-06-27T12:22:19.335" v="653" actId="478"/>
+          <ac:picMkLst>
+            <pc:docMk/>
+            <pc:sldMk cId="2993900957" sldId="266"/>
+            <ac:picMk id="7" creationId="{5DA64D96-D82A-1DDE-5A0D-6C1451F95B72}"/>
+          </ac:picMkLst>
+        </pc:picChg>
+      </pc:sldChg>
+    </pc:docChg>
+  </pc:docChgLst>
+</pc:chgInfo>
 </file>
 
 <file path=ppt/diagrams/colors1.xml><?xml version="1.0" encoding="utf-8"?>
@@ -2754,6 +4119,788 @@
 </dgm:colorsDef>
 </file>
 
+<file path=ppt/diagrams/colors4.xml><?xml version="1.0" encoding="utf-8"?>
+<dgm:colorsDef xmlns:dgm="http://schemas.openxmlformats.org/drawingml/2006/diagram" xmlns:a="http://schemas.openxmlformats.org/drawingml/2006/main" uniqueId="urn:microsoft.com/office/officeart/2005/8/colors/colorful2">
+  <dgm:title val=""/>
+  <dgm:desc val=""/>
+  <dgm:catLst>
+    <dgm:cat type="colorful" pri="10200"/>
+  </dgm:catLst>
+  <dgm:styleLbl name="node0">
+    <dgm:fillClrLst meth="repeat">
+      <a:schemeClr val="accent1"/>
+    </dgm:fillClrLst>
+    <dgm:linClrLst meth="repeat">
+      <a:schemeClr val="lt1"/>
+    </dgm:linClrLst>
+    <dgm:effectClrLst/>
+    <dgm:txLinClrLst/>
+    <dgm:txFillClrLst/>
+    <dgm:txEffectClrLst/>
+  </dgm:styleLbl>
+  <dgm:styleLbl name="node1">
+    <dgm:fillClrLst>
+      <a:schemeClr val="accent2"/>
+      <a:schemeClr val="accent3"/>
+    </dgm:fillClrLst>
+    <dgm:linClrLst meth="repeat">
+      <a:schemeClr val="lt1"/>
+    </dgm:linClrLst>
+    <dgm:effectClrLst/>
+    <dgm:txLinClrLst/>
+    <dgm:txFillClrLst/>
+    <dgm:txEffectClrLst/>
+  </dgm:styleLbl>
+  <dgm:styleLbl name="alignNode1">
+    <dgm:fillClrLst>
+      <a:schemeClr val="accent2"/>
+      <a:schemeClr val="accent3"/>
+    </dgm:fillClrLst>
+    <dgm:linClrLst>
+      <a:schemeClr val="accent2"/>
+      <a:schemeClr val="accent3"/>
+    </dgm:linClrLst>
+    <dgm:effectClrLst/>
+    <dgm:txLinClrLst/>
+    <dgm:txFillClrLst/>
+    <dgm:txEffectClrLst/>
+  </dgm:styleLbl>
+  <dgm:styleLbl name="lnNode1">
+    <dgm:fillClrLst>
+      <a:schemeClr val="accent2"/>
+      <a:schemeClr val="accent3"/>
+    </dgm:fillClrLst>
+    <dgm:linClrLst meth="repeat">
+      <a:schemeClr val="lt1"/>
+    </dgm:linClrLst>
+    <dgm:effectClrLst/>
+    <dgm:txLinClrLst/>
+    <dgm:txFillClrLst/>
+    <dgm:txEffectClrLst/>
+  </dgm:styleLbl>
+  <dgm:styleLbl name="vennNode1">
+    <dgm:fillClrLst>
+      <a:schemeClr val="accent2">
+        <a:alpha val="50000"/>
+      </a:schemeClr>
+      <a:schemeClr val="accent3">
+        <a:alpha val="50000"/>
+      </a:schemeClr>
+    </dgm:fillClrLst>
+    <dgm:linClrLst meth="repeat">
+      <a:schemeClr val="lt1"/>
+    </dgm:linClrLst>
+    <dgm:effectClrLst/>
+    <dgm:txLinClrLst/>
+    <dgm:txFillClrLst/>
+    <dgm:txEffectClrLst/>
+  </dgm:styleLbl>
+  <dgm:styleLbl name="node2">
+    <dgm:fillClrLst>
+      <a:schemeClr val="accent3"/>
+    </dgm:fillClrLst>
+    <dgm:linClrLst meth="repeat">
+      <a:schemeClr val="lt1"/>
+    </dgm:linClrLst>
+    <dgm:effectClrLst/>
+    <dgm:txLinClrLst/>
+    <dgm:txFillClrLst/>
+    <dgm:txEffectClrLst/>
+  </dgm:styleLbl>
+  <dgm:styleLbl name="node3">
+    <dgm:fillClrLst>
+      <a:schemeClr val="accent4"/>
+    </dgm:fillClrLst>
+    <dgm:linClrLst meth="repeat">
+      <a:schemeClr val="lt1"/>
+    </dgm:linClrLst>
+    <dgm:effectClrLst/>
+    <dgm:txLinClrLst/>
+    <dgm:txFillClrLst/>
+    <dgm:txEffectClrLst/>
+  </dgm:styleLbl>
+  <dgm:styleLbl name="node4">
+    <dgm:fillClrLst>
+      <a:schemeClr val="accent5"/>
+    </dgm:fillClrLst>
+    <dgm:linClrLst meth="repeat">
+      <a:schemeClr val="lt1"/>
+    </dgm:linClrLst>
+    <dgm:effectClrLst/>
+    <dgm:txLinClrLst/>
+    <dgm:txFillClrLst/>
+    <dgm:txEffectClrLst/>
+  </dgm:styleLbl>
+  <dgm:styleLbl name="fgImgPlace1">
+    <dgm:fillClrLst>
+      <a:schemeClr val="accent2">
+        <a:tint val="50000"/>
+      </a:schemeClr>
+      <a:schemeClr val="accent3">
+        <a:tint val="50000"/>
+      </a:schemeClr>
+    </dgm:fillClrLst>
+    <dgm:linClrLst meth="repeat">
+      <a:schemeClr val="lt1"/>
+    </dgm:linClrLst>
+    <dgm:effectClrLst/>
+    <dgm:txLinClrLst/>
+    <dgm:txFillClrLst meth="repeat">
+      <a:schemeClr val="lt1"/>
+    </dgm:txFillClrLst>
+    <dgm:txEffectClrLst/>
+  </dgm:styleLbl>
+  <dgm:styleLbl name="alignImgPlace1">
+    <dgm:fillClrLst>
+      <a:schemeClr val="accent2">
+        <a:tint val="50000"/>
+      </a:schemeClr>
+      <a:schemeClr val="accent3">
+        <a:tint val="20000"/>
+      </a:schemeClr>
+    </dgm:fillClrLst>
+    <dgm:linClrLst meth="repeat">
+      <a:schemeClr val="lt1"/>
+    </dgm:linClrLst>
+    <dgm:effectClrLst/>
+    <dgm:txLinClrLst/>
+    <dgm:txFillClrLst meth="repeat">
+      <a:schemeClr val="lt1"/>
+    </dgm:txFillClrLst>
+    <dgm:txEffectClrLst/>
+  </dgm:styleLbl>
+  <dgm:styleLbl name="bgImgPlace1">
+    <dgm:fillClrLst>
+      <a:schemeClr val="accent2">
+        <a:tint val="50000"/>
+      </a:schemeClr>
+      <a:schemeClr val="accent3">
+        <a:tint val="20000"/>
+      </a:schemeClr>
+    </dgm:fillClrLst>
+    <dgm:linClrLst meth="repeat">
+      <a:schemeClr val="lt1"/>
+    </dgm:linClrLst>
+    <dgm:effectClrLst/>
+    <dgm:txLinClrLst/>
+    <dgm:txFillClrLst meth="repeat">
+      <a:schemeClr val="lt1"/>
+    </dgm:txFillClrLst>
+    <dgm:txEffectClrLst/>
+  </dgm:styleLbl>
+  <dgm:styleLbl name="sibTrans2D1">
+    <dgm:fillClrLst>
+      <a:schemeClr val="accent2"/>
+      <a:schemeClr val="accent3"/>
+    </dgm:fillClrLst>
+    <dgm:linClrLst meth="repeat">
+      <a:schemeClr val="lt1"/>
+    </dgm:linClrLst>
+    <dgm:effectClrLst/>
+    <dgm:txLinClrLst/>
+    <dgm:txFillClrLst/>
+    <dgm:txEffectClrLst/>
+  </dgm:styleLbl>
+  <dgm:styleLbl name="fgSibTrans2D1">
+    <dgm:fillClrLst>
+      <a:schemeClr val="accent2"/>
+      <a:schemeClr val="accent3"/>
+    </dgm:fillClrLst>
+    <dgm:linClrLst meth="repeat">
+      <a:schemeClr val="lt1"/>
+    </dgm:linClrLst>
+    <dgm:effectClrLst/>
+    <dgm:txLinClrLst/>
+    <dgm:txFillClrLst meth="repeat">
+      <a:schemeClr val="lt1"/>
+    </dgm:txFillClrLst>
+    <dgm:txEffectClrLst/>
+  </dgm:styleLbl>
+  <dgm:styleLbl name="bgSibTrans2D1">
+    <dgm:fillClrLst>
+      <a:schemeClr val="accent2"/>
+      <a:schemeClr val="accent3"/>
+    </dgm:fillClrLst>
+    <dgm:linClrLst meth="repeat">
+      <a:schemeClr val="lt1"/>
+    </dgm:linClrLst>
+    <dgm:effectClrLst/>
+    <dgm:txLinClrLst/>
+    <dgm:txFillClrLst meth="repeat">
+      <a:schemeClr val="lt1"/>
+    </dgm:txFillClrLst>
+    <dgm:txEffectClrLst/>
+  </dgm:styleLbl>
+  <dgm:styleLbl name="sibTrans1D1">
+    <dgm:fillClrLst/>
+    <dgm:linClrLst>
+      <a:schemeClr val="accent2"/>
+      <a:schemeClr val="accent3"/>
+    </dgm:linClrLst>
+    <dgm:effectClrLst/>
+    <dgm:txLinClrLst/>
+    <dgm:txFillClrLst meth="repeat">
+      <a:schemeClr val="tx1"/>
+    </dgm:txFillClrLst>
+    <dgm:txEffectClrLst/>
+  </dgm:styleLbl>
+  <dgm:styleLbl name="callout">
+    <dgm:fillClrLst meth="repeat">
+      <a:schemeClr val="accent2"/>
+    </dgm:fillClrLst>
+    <dgm:linClrLst meth="repeat">
+      <a:schemeClr val="accent2">
+        <a:tint val="50000"/>
+      </a:schemeClr>
+    </dgm:linClrLst>
+    <dgm:effectClrLst/>
+    <dgm:txLinClrLst/>
+    <dgm:txFillClrLst meth="repeat">
+      <a:schemeClr val="tx1"/>
+    </dgm:txFillClrLst>
+    <dgm:txEffectClrLst/>
+  </dgm:styleLbl>
+  <dgm:styleLbl name="asst0">
+    <dgm:fillClrLst meth="repeat">
+      <a:schemeClr val="accent2"/>
+    </dgm:fillClrLst>
+    <dgm:linClrLst meth="repeat">
+      <a:schemeClr val="lt1">
+        <a:shade val="80000"/>
+      </a:schemeClr>
+    </dgm:linClrLst>
+    <dgm:effectClrLst/>
+    <dgm:txLinClrLst/>
+    <dgm:txFillClrLst/>
+    <dgm:txEffectClrLst/>
+  </dgm:styleLbl>
+  <dgm:styleLbl name="asst1">
+    <dgm:fillClrLst meth="repeat">
+      <a:schemeClr val="accent3"/>
+    </dgm:fillClrLst>
+    <dgm:linClrLst meth="repeat">
+      <a:schemeClr val="lt1">
+        <a:shade val="80000"/>
+      </a:schemeClr>
+    </dgm:linClrLst>
+    <dgm:effectClrLst/>
+    <dgm:txLinClrLst/>
+    <dgm:txFillClrLst/>
+    <dgm:txEffectClrLst/>
+  </dgm:styleLbl>
+  <dgm:styleLbl name="asst2">
+    <dgm:fillClrLst>
+      <a:schemeClr val="accent4"/>
+    </dgm:fillClrLst>
+    <dgm:linClrLst meth="repeat">
+      <a:schemeClr val="lt1"/>
+    </dgm:linClrLst>
+    <dgm:effectClrLst/>
+    <dgm:txLinClrLst/>
+    <dgm:txFillClrLst/>
+    <dgm:txEffectClrLst/>
+  </dgm:styleLbl>
+  <dgm:styleLbl name="asst3">
+    <dgm:fillClrLst>
+      <a:schemeClr val="accent5"/>
+    </dgm:fillClrLst>
+    <dgm:linClrLst meth="repeat">
+      <a:schemeClr val="lt1"/>
+    </dgm:linClrLst>
+    <dgm:effectClrLst/>
+    <dgm:txLinClrLst/>
+    <dgm:txFillClrLst/>
+    <dgm:txEffectClrLst/>
+  </dgm:styleLbl>
+  <dgm:styleLbl name="asst4">
+    <dgm:fillClrLst>
+      <a:schemeClr val="accent6"/>
+    </dgm:fillClrLst>
+    <dgm:linClrLst meth="repeat">
+      <a:schemeClr val="lt1"/>
+    </dgm:linClrLst>
+    <dgm:effectClrLst/>
+    <dgm:txLinClrLst/>
+    <dgm:txFillClrLst/>
+    <dgm:txEffectClrLst/>
+  </dgm:styleLbl>
+  <dgm:styleLbl name="parChTrans2D1">
+    <dgm:fillClrLst meth="repeat">
+      <a:schemeClr val="accent2"/>
+    </dgm:fillClrLst>
+    <dgm:linClrLst meth="repeat">
+      <a:schemeClr val="lt1"/>
+    </dgm:linClrLst>
+    <dgm:effectClrLst/>
+    <dgm:txLinClrLst/>
+    <dgm:txFillClrLst meth="repeat">
+      <a:schemeClr val="lt1"/>
+    </dgm:txFillClrLst>
+    <dgm:txEffectClrLst/>
+  </dgm:styleLbl>
+  <dgm:styleLbl name="parChTrans2D2">
+    <dgm:fillClrLst meth="repeat">
+      <a:schemeClr val="accent3"/>
+    </dgm:fillClrLst>
+    <dgm:linClrLst meth="repeat">
+      <a:schemeClr val="lt1"/>
+    </dgm:linClrLst>
+    <dgm:effectClrLst/>
+    <dgm:txLinClrLst/>
+    <dgm:txFillClrLst/>
+    <dgm:txEffectClrLst/>
+  </dgm:styleLbl>
+  <dgm:styleLbl name="parChTrans2D3">
+    <dgm:fillClrLst meth="repeat">
+      <a:schemeClr val="accent4"/>
+    </dgm:fillClrLst>
+    <dgm:linClrLst meth="repeat">
+      <a:schemeClr val="lt1"/>
+    </dgm:linClrLst>
+    <dgm:effectClrLst/>
+    <dgm:txLinClrLst/>
+    <dgm:txFillClrLst/>
+    <dgm:txEffectClrLst/>
+  </dgm:styleLbl>
+  <dgm:styleLbl name="parChTrans2D4">
+    <dgm:fillClrLst meth="repeat">
+      <a:schemeClr val="accent5"/>
+    </dgm:fillClrLst>
+    <dgm:linClrLst meth="repeat">
+      <a:schemeClr val="lt1"/>
+    </dgm:linClrLst>
+    <dgm:effectClrLst/>
+    <dgm:txLinClrLst/>
+    <dgm:txFillClrLst meth="repeat">
+      <a:schemeClr val="lt1"/>
+    </dgm:txFillClrLst>
+    <dgm:txEffectClrLst/>
+  </dgm:styleLbl>
+  <dgm:styleLbl name="parChTrans1D1">
+    <dgm:fillClrLst meth="repeat">
+      <a:schemeClr val="accent2"/>
+    </dgm:fillClrLst>
+    <dgm:linClrLst meth="repeat">
+      <a:schemeClr val="accent2"/>
+    </dgm:linClrLst>
+    <dgm:effectClrLst/>
+    <dgm:txLinClrLst/>
+    <dgm:txFillClrLst meth="repeat">
+      <a:schemeClr val="tx1"/>
+    </dgm:txFillClrLst>
+    <dgm:txEffectClrLst/>
+  </dgm:styleLbl>
+  <dgm:styleLbl name="parChTrans1D2">
+    <dgm:fillClrLst meth="repeat">
+      <a:schemeClr val="accent2">
+        <a:tint val="90000"/>
+      </a:schemeClr>
+    </dgm:fillClrLst>
+    <dgm:linClrLst meth="repeat">
+      <a:schemeClr val="accent3"/>
+    </dgm:linClrLst>
+    <dgm:effectClrLst/>
+    <dgm:txLinClrLst/>
+    <dgm:txFillClrLst meth="repeat">
+      <a:schemeClr val="tx1"/>
+    </dgm:txFillClrLst>
+    <dgm:txEffectClrLst/>
+  </dgm:styleLbl>
+  <dgm:styleLbl name="parChTrans1D3">
+    <dgm:fillClrLst meth="repeat">
+      <a:schemeClr val="accent2">
+        <a:tint val="70000"/>
+      </a:schemeClr>
+    </dgm:fillClrLst>
+    <dgm:linClrLst meth="repeat">
+      <a:schemeClr val="accent4"/>
+    </dgm:linClrLst>
+    <dgm:effectClrLst/>
+    <dgm:txLinClrLst/>
+    <dgm:txFillClrLst meth="repeat">
+      <a:schemeClr val="tx1"/>
+    </dgm:txFillClrLst>
+    <dgm:txEffectClrLst/>
+  </dgm:styleLbl>
+  <dgm:styleLbl name="parChTrans1D4">
+    <dgm:fillClrLst meth="repeat">
+      <a:schemeClr val="accent2">
+        <a:tint val="50000"/>
+      </a:schemeClr>
+    </dgm:fillClrLst>
+    <dgm:linClrLst meth="repeat">
+      <a:schemeClr val="accent5"/>
+    </dgm:linClrLst>
+    <dgm:effectClrLst/>
+    <dgm:txLinClrLst/>
+    <dgm:txFillClrLst meth="repeat">
+      <a:schemeClr val="tx1"/>
+    </dgm:txFillClrLst>
+    <dgm:txEffectClrLst/>
+  </dgm:styleLbl>
+  <dgm:styleLbl name="fgAcc1">
+    <dgm:fillClrLst meth="repeat">
+      <a:schemeClr val="lt1">
+        <a:alpha val="90000"/>
+      </a:schemeClr>
+    </dgm:fillClrLst>
+    <dgm:linClrLst>
+      <a:schemeClr val="accent2"/>
+      <a:schemeClr val="accent3"/>
+    </dgm:linClrLst>
+    <dgm:effectClrLst/>
+    <dgm:txLinClrLst/>
+    <dgm:txFillClrLst meth="repeat">
+      <a:schemeClr val="dk1"/>
+    </dgm:txFillClrLst>
+    <dgm:txEffectClrLst/>
+  </dgm:styleLbl>
+  <dgm:styleLbl name="conFgAcc1">
+    <dgm:fillClrLst meth="repeat">
+      <a:schemeClr val="lt1">
+        <a:alpha val="90000"/>
+      </a:schemeClr>
+    </dgm:fillClrLst>
+    <dgm:linClrLst>
+      <a:schemeClr val="accent2"/>
+      <a:schemeClr val="accent3"/>
+    </dgm:linClrLst>
+    <dgm:effectClrLst/>
+    <dgm:txLinClrLst/>
+    <dgm:txFillClrLst meth="repeat">
+      <a:schemeClr val="dk1"/>
+    </dgm:txFillClrLst>
+    <dgm:txEffectClrLst/>
+  </dgm:styleLbl>
+  <dgm:styleLbl name="alignAcc1">
+    <dgm:fillClrLst meth="repeat">
+      <a:schemeClr val="lt1">
+        <a:alpha val="90000"/>
+      </a:schemeClr>
+    </dgm:fillClrLst>
+    <dgm:linClrLst>
+      <a:schemeClr val="accent2"/>
+      <a:schemeClr val="accent3"/>
+    </dgm:linClrLst>
+    <dgm:effectClrLst/>
+    <dgm:txLinClrLst/>
+    <dgm:txFillClrLst meth="repeat">
+      <a:schemeClr val="dk1"/>
+    </dgm:txFillClrLst>
+    <dgm:txEffectClrLst/>
+  </dgm:styleLbl>
+  <dgm:styleLbl name="trAlignAcc1">
+    <dgm:fillClrLst meth="repeat">
+      <a:schemeClr val="lt1">
+        <a:alpha val="40000"/>
+      </a:schemeClr>
+    </dgm:fillClrLst>
+    <dgm:linClrLst meth="repeat">
+      <a:schemeClr val="accent2"/>
+    </dgm:linClrLst>
+    <dgm:effectClrLst/>
+    <dgm:txLinClrLst/>
+    <dgm:txFillClrLst meth="repeat">
+      <a:schemeClr val="dk1"/>
+    </dgm:txFillClrLst>
+    <dgm:txEffectClrLst/>
+  </dgm:styleLbl>
+  <dgm:styleLbl name="bgAcc1">
+    <dgm:fillClrLst meth="repeat">
+      <a:schemeClr val="lt1">
+        <a:alpha val="90000"/>
+      </a:schemeClr>
+    </dgm:fillClrLst>
+    <dgm:linClrLst>
+      <a:schemeClr val="accent2"/>
+      <a:schemeClr val="accent3"/>
+    </dgm:linClrLst>
+    <dgm:effectClrLst/>
+    <dgm:txLinClrLst/>
+    <dgm:txFillClrLst meth="repeat">
+      <a:schemeClr val="dk1"/>
+    </dgm:txFillClrLst>
+    <dgm:txEffectClrLst/>
+  </dgm:styleLbl>
+  <dgm:styleLbl name="solidFgAcc1">
+    <dgm:fillClrLst meth="repeat">
+      <a:schemeClr val="lt1"/>
+    </dgm:fillClrLst>
+    <dgm:linClrLst>
+      <a:schemeClr val="accent2"/>
+      <a:schemeClr val="accent3"/>
+    </dgm:linClrLst>
+    <dgm:effectClrLst/>
+    <dgm:txLinClrLst/>
+    <dgm:txFillClrLst meth="repeat">
+      <a:schemeClr val="dk1"/>
+    </dgm:txFillClrLst>
+    <dgm:txEffectClrLst/>
+  </dgm:styleLbl>
+  <dgm:styleLbl name="solidAlignAcc1">
+    <dgm:fillClrLst meth="repeat">
+      <a:schemeClr val="lt1"/>
+    </dgm:fillClrLst>
+    <dgm:linClrLst>
+      <a:schemeClr val="accent2"/>
+      <a:schemeClr val="accent3"/>
+    </dgm:linClrLst>
+    <dgm:effectClrLst/>
+    <dgm:txLinClrLst/>
+    <dgm:txFillClrLst meth="repeat">
+      <a:schemeClr val="dk1"/>
+    </dgm:txFillClrLst>
+    <dgm:txEffectClrLst/>
+  </dgm:styleLbl>
+  <dgm:styleLbl name="solidBgAcc1">
+    <dgm:fillClrLst meth="repeat">
+      <a:schemeClr val="lt1"/>
+    </dgm:fillClrLst>
+    <dgm:linClrLst>
+      <a:schemeClr val="accent2"/>
+      <a:schemeClr val="accent3"/>
+    </dgm:linClrLst>
+    <dgm:effectClrLst/>
+    <dgm:txLinClrLst/>
+    <dgm:txFillClrLst meth="repeat">
+      <a:schemeClr val="dk1"/>
+    </dgm:txFillClrLst>
+    <dgm:txEffectClrLst/>
+  </dgm:styleLbl>
+  <dgm:styleLbl name="fgAccFollowNode1">
+    <dgm:fillClrLst>
+      <a:schemeClr val="accent2">
+        <a:tint val="40000"/>
+        <a:alpha val="90000"/>
+      </a:schemeClr>
+      <a:schemeClr val="accent3">
+        <a:tint val="40000"/>
+        <a:alpha val="90000"/>
+      </a:schemeClr>
+    </dgm:fillClrLst>
+    <dgm:linClrLst>
+      <a:schemeClr val="accent2">
+        <a:tint val="40000"/>
+        <a:alpha val="90000"/>
+      </a:schemeClr>
+      <a:schemeClr val="accent3">
+        <a:tint val="40000"/>
+        <a:alpha val="90000"/>
+      </a:schemeClr>
+    </dgm:linClrLst>
+    <dgm:effectClrLst/>
+    <dgm:txLinClrLst/>
+    <dgm:txFillClrLst meth="repeat">
+      <a:schemeClr val="dk1"/>
+    </dgm:txFillClrLst>
+    <dgm:txEffectClrLst/>
+  </dgm:styleLbl>
+  <dgm:styleLbl name="alignAccFollowNode1">
+    <dgm:fillClrLst>
+      <a:schemeClr val="accent2">
+        <a:tint val="40000"/>
+        <a:alpha val="90000"/>
+      </a:schemeClr>
+      <a:schemeClr val="accent3">
+        <a:tint val="40000"/>
+        <a:alpha val="90000"/>
+      </a:schemeClr>
+    </dgm:fillClrLst>
+    <dgm:linClrLst>
+      <a:schemeClr val="accent2">
+        <a:tint val="40000"/>
+        <a:alpha val="90000"/>
+      </a:schemeClr>
+      <a:schemeClr val="accent3">
+        <a:tint val="40000"/>
+        <a:alpha val="90000"/>
+      </a:schemeClr>
+    </dgm:linClrLst>
+    <dgm:effectClrLst/>
+    <dgm:txLinClrLst/>
+    <dgm:txFillClrLst meth="repeat">
+      <a:schemeClr val="dk1"/>
+    </dgm:txFillClrLst>
+    <dgm:txEffectClrLst/>
+  </dgm:styleLbl>
+  <dgm:styleLbl name="bgAccFollowNode1">
+    <dgm:fillClrLst>
+      <a:schemeClr val="accent2">
+        <a:tint val="40000"/>
+        <a:alpha val="90000"/>
+      </a:schemeClr>
+      <a:schemeClr val="accent3">
+        <a:tint val="40000"/>
+        <a:alpha val="90000"/>
+      </a:schemeClr>
+    </dgm:fillClrLst>
+    <dgm:linClrLst>
+      <a:schemeClr val="accent2">
+        <a:tint val="40000"/>
+        <a:alpha val="90000"/>
+      </a:schemeClr>
+      <a:schemeClr val="accent3">
+        <a:tint val="40000"/>
+        <a:alpha val="90000"/>
+      </a:schemeClr>
+    </dgm:linClrLst>
+    <dgm:effectClrLst/>
+    <dgm:txLinClrLst/>
+    <dgm:txFillClrLst meth="repeat">
+      <a:schemeClr val="dk1"/>
+    </dgm:txFillClrLst>
+    <dgm:txEffectClrLst/>
+  </dgm:styleLbl>
+  <dgm:styleLbl name="fgAcc0">
+    <dgm:fillClrLst meth="repeat">
+      <a:schemeClr val="lt1">
+        <a:alpha val="90000"/>
+      </a:schemeClr>
+    </dgm:fillClrLst>
+    <dgm:linClrLst>
+      <a:schemeClr val="accent1"/>
+    </dgm:linClrLst>
+    <dgm:effectClrLst/>
+    <dgm:txLinClrLst/>
+    <dgm:txFillClrLst meth="repeat">
+      <a:schemeClr val="dk1"/>
+    </dgm:txFillClrLst>
+    <dgm:txEffectClrLst/>
+  </dgm:styleLbl>
+  <dgm:styleLbl name="fgAcc2">
+    <dgm:fillClrLst meth="repeat">
+      <a:schemeClr val="lt1">
+        <a:alpha val="90000"/>
+      </a:schemeClr>
+    </dgm:fillClrLst>
+    <dgm:linClrLst>
+      <a:schemeClr val="accent3"/>
+    </dgm:linClrLst>
+    <dgm:effectClrLst/>
+    <dgm:txLinClrLst/>
+    <dgm:txFillClrLst meth="repeat">
+      <a:schemeClr val="dk1"/>
+    </dgm:txFillClrLst>
+    <dgm:txEffectClrLst/>
+  </dgm:styleLbl>
+  <dgm:styleLbl name="fgAcc3">
+    <dgm:fillClrLst meth="repeat">
+      <a:schemeClr val="lt1">
+        <a:alpha val="90000"/>
+      </a:schemeClr>
+    </dgm:fillClrLst>
+    <dgm:linClrLst>
+      <a:schemeClr val="accent4"/>
+    </dgm:linClrLst>
+    <dgm:effectClrLst/>
+    <dgm:txLinClrLst/>
+    <dgm:txFillClrLst meth="repeat">
+      <a:schemeClr val="dk1"/>
+    </dgm:txFillClrLst>
+    <dgm:txEffectClrLst/>
+  </dgm:styleLbl>
+  <dgm:styleLbl name="fgAcc4">
+    <dgm:fillClrLst meth="repeat">
+      <a:schemeClr val="lt1">
+        <a:alpha val="90000"/>
+      </a:schemeClr>
+    </dgm:fillClrLst>
+    <dgm:linClrLst>
+      <a:schemeClr val="accent5"/>
+    </dgm:linClrLst>
+    <dgm:effectClrLst/>
+    <dgm:txLinClrLst/>
+    <dgm:txFillClrLst meth="repeat">
+      <a:schemeClr val="dk1"/>
+    </dgm:txFillClrLst>
+    <dgm:txEffectClrLst/>
+  </dgm:styleLbl>
+  <dgm:styleLbl name="bgShp">
+    <dgm:fillClrLst meth="repeat">
+      <a:schemeClr val="accent2">
+        <a:tint val="40000"/>
+      </a:schemeClr>
+    </dgm:fillClrLst>
+    <dgm:linClrLst meth="repeat">
+      <a:schemeClr val="dk1"/>
+    </dgm:linClrLst>
+    <dgm:effectClrLst/>
+    <dgm:txLinClrLst/>
+    <dgm:txFillClrLst meth="repeat">
+      <a:schemeClr val="dk1"/>
+    </dgm:txFillClrLst>
+    <dgm:txEffectClrLst/>
+  </dgm:styleLbl>
+  <dgm:styleLbl name="dkBgShp">
+    <dgm:fillClrLst meth="repeat">
+      <a:schemeClr val="accent2">
+        <a:shade val="90000"/>
+      </a:schemeClr>
+    </dgm:fillClrLst>
+    <dgm:linClrLst meth="repeat">
+      <a:schemeClr val="dk1"/>
+    </dgm:linClrLst>
+    <dgm:effectClrLst/>
+    <dgm:txLinClrLst/>
+    <dgm:txFillClrLst meth="repeat">
+      <a:schemeClr val="lt1"/>
+    </dgm:txFillClrLst>
+    <dgm:txEffectClrLst/>
+  </dgm:styleLbl>
+  <dgm:styleLbl name="trBgShp">
+    <dgm:fillClrLst meth="repeat">
+      <a:schemeClr val="accent2">
+        <a:tint val="50000"/>
+        <a:alpha val="40000"/>
+      </a:schemeClr>
+    </dgm:fillClrLst>
+    <dgm:linClrLst meth="repeat">
+      <a:schemeClr val="accent2"/>
+    </dgm:linClrLst>
+    <dgm:effectClrLst/>
+    <dgm:txLinClrLst/>
+    <dgm:txFillClrLst meth="repeat">
+      <a:schemeClr val="lt1"/>
+    </dgm:txFillClrLst>
+    <dgm:txEffectClrLst/>
+  </dgm:styleLbl>
+  <dgm:styleLbl name="fgShp">
+    <dgm:fillClrLst meth="repeat">
+      <a:schemeClr val="accent2">
+        <a:tint val="40000"/>
+      </a:schemeClr>
+    </dgm:fillClrLst>
+    <dgm:linClrLst meth="repeat">
+      <a:schemeClr val="lt1"/>
+    </dgm:linClrLst>
+    <dgm:effectClrLst/>
+    <dgm:txLinClrLst/>
+    <dgm:txFillClrLst meth="repeat">
+      <a:schemeClr val="dk1"/>
+    </dgm:txFillClrLst>
+    <dgm:txEffectClrLst/>
+  </dgm:styleLbl>
+  <dgm:styleLbl name="revTx">
+    <dgm:fillClrLst meth="repeat">
+      <a:schemeClr val="lt1">
+        <a:alpha val="0"/>
+      </a:schemeClr>
+    </dgm:fillClrLst>
+    <dgm:linClrLst meth="repeat">
+      <a:schemeClr val="dk1">
+        <a:alpha val="0"/>
+      </a:schemeClr>
+    </dgm:linClrLst>
+    <dgm:effectClrLst/>
+    <dgm:txLinClrLst/>
+    <dgm:txFillClrLst meth="repeat">
+      <a:schemeClr val="tx1"/>
+    </dgm:txFillClrLst>
+    <dgm:txEffectClrLst/>
+  </dgm:styleLbl>
+</dgm:colorsDef>
+</file>
+
 <file path=ppt/diagrams/data1.xml><?xml version="1.0" encoding="utf-8"?>
 <dgm:dataModel xmlns:dgm="http://schemas.openxmlformats.org/drawingml/2006/diagram" xmlns:a="http://schemas.openxmlformats.org/drawingml/2006/main">
   <dgm:ptLst>
@@ -4110,6 +6257,213 @@
     <dgm:cxn modelId="{6275FBAB-45F9-49FE-87E8-A9A64D575884}" type="presParOf" srcId="{60D89F5A-AFD2-6B4D-817C-6CF3682484E3}" destId="{AC0AAF9D-0F77-AE40-B578-02A68237CFEB}" srcOrd="8" destOrd="0" presId="urn:microsoft.com/office/officeart/2005/8/layout/vList2"/>
     <dgm:cxn modelId="{F7304DC7-8000-4F7C-85B3-ACE4ADA7E28A}" type="presParOf" srcId="{60D89F5A-AFD2-6B4D-817C-6CF3682484E3}" destId="{7FAB9DEE-09DD-4971-82AD-B0E57F807944}" srcOrd="9" destOrd="0" presId="urn:microsoft.com/office/officeart/2005/8/layout/vList2"/>
     <dgm:cxn modelId="{E8C43077-160F-4480-BF0F-61865CB755AB}" type="presParOf" srcId="{60D89F5A-AFD2-6B4D-817C-6CF3682484E3}" destId="{C3AA1028-79CB-43E0-B7B1-9C2B427AEC32}" srcOrd="10" destOrd="0" presId="urn:microsoft.com/office/officeart/2005/8/layout/vList2"/>
+  </dgm:cxnLst>
+  <dgm:bg/>
+  <dgm:whole/>
+  <dgm:extLst>
+    <a:ext uri="http://schemas.microsoft.com/office/drawing/2008/diagram">
+      <dsp:dataModelExt xmlns:dsp="http://schemas.microsoft.com/office/drawing/2008/diagram" relId="rId6" minVer="http://schemas.openxmlformats.org/drawingml/2006/diagram"/>
+    </a:ext>
+    <a:ext uri="{C62137D5-CB1D-491B-B009-E17868A290BF}">
+      <dgm14:recolorImg xmlns:dgm14="http://schemas.microsoft.com/office/drawing/2010/diagram" val="1"/>
+    </a:ext>
+  </dgm:extLst>
+</dgm:dataModel>
+</file>
+
+<file path=ppt/diagrams/data4.xml><?xml version="1.0" encoding="utf-8"?>
+<dgm:dataModel xmlns:dgm="http://schemas.openxmlformats.org/drawingml/2006/diagram" xmlns:a="http://schemas.openxmlformats.org/drawingml/2006/main">
+  <dgm:ptLst>
+    <dgm:pt modelId="{CEFC62EC-74AD-4DE3-B337-CD7AC1F826B3}" type="doc">
+      <dgm:prSet loTypeId="urn:microsoft.com/office/officeart/2005/8/layout/vList2" loCatId="list" qsTypeId="urn:microsoft.com/office/officeart/2005/8/quickstyle/simple1" qsCatId="simple" csTypeId="urn:microsoft.com/office/officeart/2005/8/colors/colorful2" csCatId="colorful" phldr="1"/>
+      <dgm:spPr/>
+      <dgm:t>
+        <a:bodyPr/>
+        <a:lstStyle/>
+        <a:p>
+          <a:endParaRPr lang="en-US"/>
+        </a:p>
+      </dgm:t>
+    </dgm:pt>
+    <dgm:pt modelId="{4271A37B-BBC6-42A0-9915-6A0399D6F51E}">
+      <dgm:prSet/>
+      <dgm:spPr>
+        <a:solidFill>
+          <a:srgbClr val="D81159"/>
+        </a:solidFill>
+      </dgm:spPr>
+      <dgm:t>
+        <a:bodyPr/>
+        <a:lstStyle/>
+        <a:p>
+          <a:pPr rtl="0"/>
+          <a:r>
+            <a:rPr lang="en-US" dirty="0"/>
+            <a:t>Widget Testing</a:t>
+          </a:r>
+        </a:p>
+      </dgm:t>
+    </dgm:pt>
+    <dgm:pt modelId="{710AD733-FA4C-44B8-B8B1-BBBF36312DF5}" type="parTrans" cxnId="{FDCB07E7-591E-477E-9A48-3D7DBE8C8207}">
+      <dgm:prSet/>
+      <dgm:spPr/>
+      <dgm:t>
+        <a:bodyPr/>
+        <a:lstStyle/>
+        <a:p>
+          <a:endParaRPr lang="en-US"/>
+        </a:p>
+      </dgm:t>
+    </dgm:pt>
+    <dgm:pt modelId="{7407EB9C-57C0-4AD8-A20C-A53311C675CC}" type="sibTrans" cxnId="{FDCB07E7-591E-477E-9A48-3D7DBE8C8207}">
+      <dgm:prSet/>
+      <dgm:spPr/>
+      <dgm:t>
+        <a:bodyPr/>
+        <a:lstStyle/>
+        <a:p>
+          <a:endParaRPr lang="en-US"/>
+        </a:p>
+      </dgm:t>
+    </dgm:pt>
+    <dgm:pt modelId="{8EA24CFF-89E5-4E80-BBEB-BF68A14C42B1}">
+      <dgm:prSet/>
+      <dgm:spPr>
+        <a:solidFill>
+          <a:srgbClr val="EF7548"/>
+        </a:solidFill>
+      </dgm:spPr>
+      <dgm:t>
+        <a:bodyPr/>
+        <a:lstStyle/>
+        <a:p>
+          <a:r>
+            <a:rPr lang="en-US" dirty="0"/>
+            <a:t>Integration Testing</a:t>
+          </a:r>
+        </a:p>
+      </dgm:t>
+    </dgm:pt>
+    <dgm:pt modelId="{54A128B7-5792-4ECA-9997-C5E920736043}" type="parTrans" cxnId="{84E58FF0-2452-4FC9-92CC-877983922A39}">
+      <dgm:prSet/>
+      <dgm:spPr/>
+      <dgm:t>
+        <a:bodyPr/>
+        <a:lstStyle/>
+        <a:p>
+          <a:endParaRPr lang="en-US"/>
+        </a:p>
+      </dgm:t>
+    </dgm:pt>
+    <dgm:pt modelId="{8B8CF292-CFF3-4950-A1E2-8F02D9206E2E}" type="sibTrans" cxnId="{84E58FF0-2452-4FC9-92CC-877983922A39}">
+      <dgm:prSet/>
+      <dgm:spPr/>
+      <dgm:t>
+        <a:bodyPr/>
+        <a:lstStyle/>
+        <a:p>
+          <a:endParaRPr lang="en-US"/>
+        </a:p>
+      </dgm:t>
+    </dgm:pt>
+    <dgm:pt modelId="{1DAB1BAD-6F2D-47BB-AD79-FA628F0DDA43}">
+      <dgm:prSet/>
+      <dgm:spPr>
+        <a:solidFill>
+          <a:srgbClr val="F79D40"/>
+        </a:solidFill>
+      </dgm:spPr>
+      <dgm:t>
+        <a:bodyPr/>
+        <a:lstStyle/>
+        <a:p>
+          <a:r>
+            <a:rPr lang="en-US" dirty="0"/>
+            <a:t>User Testing</a:t>
+          </a:r>
+        </a:p>
+      </dgm:t>
+    </dgm:pt>
+    <dgm:pt modelId="{8A8B6D6D-8CED-4654-8F65-2B7431C52DB8}" type="parTrans" cxnId="{BB686BDA-6A2A-4D92-9048-3F684C8724F6}">
+      <dgm:prSet/>
+      <dgm:spPr/>
+      <dgm:t>
+        <a:bodyPr/>
+        <a:lstStyle/>
+        <a:p>
+          <a:endParaRPr lang="en-US"/>
+        </a:p>
+      </dgm:t>
+    </dgm:pt>
+    <dgm:pt modelId="{5CFB2BBF-B833-4F19-8C31-0B761BE102A1}" type="sibTrans" cxnId="{BB686BDA-6A2A-4D92-9048-3F684C8724F6}">
+      <dgm:prSet/>
+      <dgm:spPr/>
+      <dgm:t>
+        <a:bodyPr/>
+        <a:lstStyle/>
+        <a:p>
+          <a:endParaRPr lang="en-US"/>
+        </a:p>
+      </dgm:t>
+    </dgm:pt>
+    <dgm:pt modelId="{60D89F5A-AFD2-6B4D-817C-6CF3682484E3}" type="pres">
+      <dgm:prSet presAssocID="{CEFC62EC-74AD-4DE3-B337-CD7AC1F826B3}" presName="linear" presStyleCnt="0">
+        <dgm:presLayoutVars>
+          <dgm:animLvl val="lvl"/>
+          <dgm:resizeHandles val="exact"/>
+        </dgm:presLayoutVars>
+      </dgm:prSet>
+      <dgm:spPr/>
+    </dgm:pt>
+    <dgm:pt modelId="{1EFE10E5-47F0-8E4E-9F87-F4E2F6EBDE33}" type="pres">
+      <dgm:prSet presAssocID="{4271A37B-BBC6-42A0-9915-6A0399D6F51E}" presName="parentText" presStyleLbl="node1" presStyleIdx="0" presStyleCnt="3">
+        <dgm:presLayoutVars>
+          <dgm:chMax val="0"/>
+          <dgm:bulletEnabled val="1"/>
+        </dgm:presLayoutVars>
+      </dgm:prSet>
+      <dgm:spPr/>
+    </dgm:pt>
+    <dgm:pt modelId="{2A0C5739-97AB-BD4F-B8B5-BF1095395808}" type="pres">
+      <dgm:prSet presAssocID="{7407EB9C-57C0-4AD8-A20C-A53311C675CC}" presName="spacer" presStyleCnt="0"/>
+      <dgm:spPr/>
+    </dgm:pt>
+    <dgm:pt modelId="{E90D3677-6B0A-B044-B25A-0CF87D320574}" type="pres">
+      <dgm:prSet presAssocID="{8EA24CFF-89E5-4E80-BBEB-BF68A14C42B1}" presName="parentText" presStyleLbl="node1" presStyleIdx="1" presStyleCnt="3">
+        <dgm:presLayoutVars>
+          <dgm:chMax val="0"/>
+          <dgm:bulletEnabled val="1"/>
+        </dgm:presLayoutVars>
+      </dgm:prSet>
+      <dgm:spPr/>
+    </dgm:pt>
+    <dgm:pt modelId="{2FAFC9A6-D8E3-2A4F-8698-5C8E19994198}" type="pres">
+      <dgm:prSet presAssocID="{8B8CF292-CFF3-4950-A1E2-8F02D9206E2E}" presName="spacer" presStyleCnt="0"/>
+      <dgm:spPr/>
+    </dgm:pt>
+    <dgm:pt modelId="{F2BA988B-C9ED-3F40-B727-A199C06C9444}" type="pres">
+      <dgm:prSet presAssocID="{1DAB1BAD-6F2D-47BB-AD79-FA628F0DDA43}" presName="parentText" presStyleLbl="node1" presStyleIdx="2" presStyleCnt="3">
+        <dgm:presLayoutVars>
+          <dgm:chMax val="0"/>
+          <dgm:bulletEnabled val="1"/>
+        </dgm:presLayoutVars>
+      </dgm:prSet>
+      <dgm:spPr/>
+    </dgm:pt>
+  </dgm:ptLst>
+  <dgm:cxnLst>
+    <dgm:cxn modelId="{B0BC3F3D-1C68-42C8-B5B5-73213C3DE704}" type="presOf" srcId="{4271A37B-BBC6-42A0-9915-6A0399D6F51E}" destId="{1EFE10E5-47F0-8E4E-9F87-F4E2F6EBDE33}" srcOrd="0" destOrd="0" presId="urn:microsoft.com/office/officeart/2005/8/layout/vList2"/>
+    <dgm:cxn modelId="{6EC8AD42-0596-4865-86A7-89F6D83BE6EE}" type="presOf" srcId="{8EA24CFF-89E5-4E80-BBEB-BF68A14C42B1}" destId="{E90D3677-6B0A-B044-B25A-0CF87D320574}" srcOrd="0" destOrd="0" presId="urn:microsoft.com/office/officeart/2005/8/layout/vList2"/>
+    <dgm:cxn modelId="{3AECF78A-6843-45E6-B2CD-091234A8F319}" type="presOf" srcId="{1DAB1BAD-6F2D-47BB-AD79-FA628F0DDA43}" destId="{F2BA988B-C9ED-3F40-B727-A199C06C9444}" srcOrd="0" destOrd="0" presId="urn:microsoft.com/office/officeart/2005/8/layout/vList2"/>
+    <dgm:cxn modelId="{6BBE618F-7F24-FA47-B921-7A5CE3E9F45A}" type="presOf" srcId="{CEFC62EC-74AD-4DE3-B337-CD7AC1F826B3}" destId="{60D89F5A-AFD2-6B4D-817C-6CF3682484E3}" srcOrd="0" destOrd="0" presId="urn:microsoft.com/office/officeart/2005/8/layout/vList2"/>
+    <dgm:cxn modelId="{BB686BDA-6A2A-4D92-9048-3F684C8724F6}" srcId="{CEFC62EC-74AD-4DE3-B337-CD7AC1F826B3}" destId="{1DAB1BAD-6F2D-47BB-AD79-FA628F0DDA43}" srcOrd="2" destOrd="0" parTransId="{8A8B6D6D-8CED-4654-8F65-2B7431C52DB8}" sibTransId="{5CFB2BBF-B833-4F19-8C31-0B761BE102A1}"/>
+    <dgm:cxn modelId="{FDCB07E7-591E-477E-9A48-3D7DBE8C8207}" srcId="{CEFC62EC-74AD-4DE3-B337-CD7AC1F826B3}" destId="{4271A37B-BBC6-42A0-9915-6A0399D6F51E}" srcOrd="0" destOrd="0" parTransId="{710AD733-FA4C-44B8-B8B1-BBBF36312DF5}" sibTransId="{7407EB9C-57C0-4AD8-A20C-A53311C675CC}"/>
+    <dgm:cxn modelId="{84E58FF0-2452-4FC9-92CC-877983922A39}" srcId="{CEFC62EC-74AD-4DE3-B337-CD7AC1F826B3}" destId="{8EA24CFF-89E5-4E80-BBEB-BF68A14C42B1}" srcOrd="1" destOrd="0" parTransId="{54A128B7-5792-4ECA-9997-C5E920736043}" sibTransId="{8B8CF292-CFF3-4950-A1E2-8F02D9206E2E}"/>
+    <dgm:cxn modelId="{C0BBDEF7-4F55-48BD-8DC1-88FB68FEEF1C}" type="presParOf" srcId="{60D89F5A-AFD2-6B4D-817C-6CF3682484E3}" destId="{1EFE10E5-47F0-8E4E-9F87-F4E2F6EBDE33}" srcOrd="0" destOrd="0" presId="urn:microsoft.com/office/officeart/2005/8/layout/vList2"/>
+    <dgm:cxn modelId="{12EC5B6F-94E1-4C69-B57A-4AF76EAB8518}" type="presParOf" srcId="{60D89F5A-AFD2-6B4D-817C-6CF3682484E3}" destId="{2A0C5739-97AB-BD4F-B8B5-BF1095395808}" srcOrd="1" destOrd="0" presId="urn:microsoft.com/office/officeart/2005/8/layout/vList2"/>
+    <dgm:cxn modelId="{271C2ADA-7547-4E51-BFEE-479ED16409E7}" type="presParOf" srcId="{60D89F5A-AFD2-6B4D-817C-6CF3682484E3}" destId="{E90D3677-6B0A-B044-B25A-0CF87D320574}" srcOrd="2" destOrd="0" presId="urn:microsoft.com/office/officeart/2005/8/layout/vList2"/>
+    <dgm:cxn modelId="{8E73EA84-9F73-42EE-88D9-F3C446B0D692}" type="presParOf" srcId="{60D89F5A-AFD2-6B4D-817C-6CF3682484E3}" destId="{2FAFC9A6-D8E3-2A4F-8698-5C8E19994198}" srcOrd="3" destOrd="0" presId="urn:microsoft.com/office/officeart/2005/8/layout/vList2"/>
+    <dgm:cxn modelId="{406E7E6D-8B3D-46BC-BD62-850591C3E8A2}" type="presParOf" srcId="{60D89F5A-AFD2-6B4D-817C-6CF3682484E3}" destId="{F2BA988B-C9ED-3F40-B727-A199C06C9444}" srcOrd="4" destOrd="0" presId="urn:microsoft.com/office/officeart/2005/8/layout/vList2"/>
   </dgm:cxnLst>
   <dgm:bg/>
   <dgm:whole/>
@@ -5874,6 +8228,237 @@
 </dsp:drawing>
 </file>
 
+<file path=ppt/diagrams/drawing4.xml><?xml version="1.0" encoding="utf-8"?>
+<dsp:drawing xmlns:dgm="http://schemas.openxmlformats.org/drawingml/2006/diagram" xmlns:dsp="http://schemas.microsoft.com/office/drawing/2008/diagram" xmlns:a="http://schemas.openxmlformats.org/drawingml/2006/main">
+  <dsp:spTree>
+    <dsp:nvGrpSpPr>
+      <dsp:cNvPr id="0" name=""/>
+      <dsp:cNvGrpSpPr/>
+    </dsp:nvGrpSpPr>
+    <dsp:grpSpPr/>
+    <dsp:sp modelId="{1EFE10E5-47F0-8E4E-9F87-F4E2F6EBDE33}">
+      <dsp:nvSpPr>
+        <dsp:cNvPr id="0" name=""/>
+        <dsp:cNvSpPr/>
+      </dsp:nvSpPr>
+      <dsp:spPr>
+        <a:xfrm>
+          <a:off x="0" y="646812"/>
+          <a:ext cx="6301601" cy="1415114"/>
+        </a:xfrm>
+        <a:prstGeom prst="roundRect">
+          <a:avLst/>
+        </a:prstGeom>
+        <a:solidFill>
+          <a:srgbClr val="D81159"/>
+        </a:solidFill>
+        <a:ln w="12700" cap="flat" cmpd="sng" algn="ctr">
+          <a:solidFill>
+            <a:schemeClr val="lt1">
+              <a:hueOff val="0"/>
+              <a:satOff val="0"/>
+              <a:lumOff val="0"/>
+              <a:alphaOff val="0"/>
+            </a:schemeClr>
+          </a:solidFill>
+          <a:prstDash val="solid"/>
+          <a:miter lim="800000"/>
+        </a:ln>
+        <a:effectLst/>
+      </dsp:spPr>
+      <dsp:style>
+        <a:lnRef idx="2">
+          <a:scrgbClr r="0" g="0" b="0"/>
+        </a:lnRef>
+        <a:fillRef idx="1">
+          <a:scrgbClr r="0" g="0" b="0"/>
+        </a:fillRef>
+        <a:effectRef idx="0">
+          <a:scrgbClr r="0" g="0" b="0"/>
+        </a:effectRef>
+        <a:fontRef idx="minor">
+          <a:schemeClr val="lt1"/>
+        </a:fontRef>
+      </dsp:style>
+      <dsp:txBody>
+        <a:bodyPr spcFirstLastPara="0" vert="horz" wrap="square" lIns="224790" tIns="224790" rIns="224790" bIns="224790" numCol="1" spcCol="1270" anchor="ctr" anchorCtr="0">
+          <a:noAutofit/>
+        </a:bodyPr>
+        <a:lstStyle/>
+        <a:p>
+          <a:pPr marL="0" lvl="0" indent="0" algn="l" defTabSz="2622550" rtl="0">
+            <a:lnSpc>
+              <a:spcPct val="90000"/>
+            </a:lnSpc>
+            <a:spcBef>
+              <a:spcPct val="0"/>
+            </a:spcBef>
+            <a:spcAft>
+              <a:spcPct val="35000"/>
+            </a:spcAft>
+            <a:buNone/>
+          </a:pPr>
+          <a:r>
+            <a:rPr lang="en-US" sz="5900" kern="1200" dirty="0"/>
+            <a:t>Widget Testing</a:t>
+          </a:r>
+        </a:p>
+      </dsp:txBody>
+      <dsp:txXfrm>
+        <a:off x="69080" y="715892"/>
+        <a:ext cx="6163441" cy="1276954"/>
+      </dsp:txXfrm>
+    </dsp:sp>
+    <dsp:sp modelId="{E90D3677-6B0A-B044-B25A-0CF87D320574}">
+      <dsp:nvSpPr>
+        <dsp:cNvPr id="0" name=""/>
+        <dsp:cNvSpPr/>
+      </dsp:nvSpPr>
+      <dsp:spPr>
+        <a:xfrm>
+          <a:off x="0" y="2231847"/>
+          <a:ext cx="6301601" cy="1415114"/>
+        </a:xfrm>
+        <a:prstGeom prst="roundRect">
+          <a:avLst/>
+        </a:prstGeom>
+        <a:solidFill>
+          <a:srgbClr val="EF7548"/>
+        </a:solidFill>
+        <a:ln w="12700" cap="flat" cmpd="sng" algn="ctr">
+          <a:solidFill>
+            <a:schemeClr val="lt1">
+              <a:hueOff val="0"/>
+              <a:satOff val="0"/>
+              <a:lumOff val="0"/>
+              <a:alphaOff val="0"/>
+            </a:schemeClr>
+          </a:solidFill>
+          <a:prstDash val="solid"/>
+          <a:miter lim="800000"/>
+        </a:ln>
+        <a:effectLst/>
+      </dsp:spPr>
+      <dsp:style>
+        <a:lnRef idx="2">
+          <a:scrgbClr r="0" g="0" b="0"/>
+        </a:lnRef>
+        <a:fillRef idx="1">
+          <a:scrgbClr r="0" g="0" b="0"/>
+        </a:fillRef>
+        <a:effectRef idx="0">
+          <a:scrgbClr r="0" g="0" b="0"/>
+        </a:effectRef>
+        <a:fontRef idx="minor">
+          <a:schemeClr val="lt1"/>
+        </a:fontRef>
+      </dsp:style>
+      <dsp:txBody>
+        <a:bodyPr spcFirstLastPara="0" vert="horz" wrap="square" lIns="224790" tIns="224790" rIns="224790" bIns="224790" numCol="1" spcCol="1270" anchor="ctr" anchorCtr="0">
+          <a:noAutofit/>
+        </a:bodyPr>
+        <a:lstStyle/>
+        <a:p>
+          <a:pPr marL="0" lvl="0" indent="0" algn="l" defTabSz="2622550">
+            <a:lnSpc>
+              <a:spcPct val="90000"/>
+            </a:lnSpc>
+            <a:spcBef>
+              <a:spcPct val="0"/>
+            </a:spcBef>
+            <a:spcAft>
+              <a:spcPct val="35000"/>
+            </a:spcAft>
+            <a:buNone/>
+          </a:pPr>
+          <a:r>
+            <a:rPr lang="en-US" sz="5900" kern="1200" dirty="0"/>
+            <a:t>Integration Testing</a:t>
+          </a:r>
+        </a:p>
+      </dsp:txBody>
+      <dsp:txXfrm>
+        <a:off x="69080" y="2300927"/>
+        <a:ext cx="6163441" cy="1276954"/>
+      </dsp:txXfrm>
+    </dsp:sp>
+    <dsp:sp modelId="{F2BA988B-C9ED-3F40-B727-A199C06C9444}">
+      <dsp:nvSpPr>
+        <dsp:cNvPr id="0" name=""/>
+        <dsp:cNvSpPr/>
+      </dsp:nvSpPr>
+      <dsp:spPr>
+        <a:xfrm>
+          <a:off x="0" y="3816882"/>
+          <a:ext cx="6301601" cy="1415114"/>
+        </a:xfrm>
+        <a:prstGeom prst="roundRect">
+          <a:avLst/>
+        </a:prstGeom>
+        <a:solidFill>
+          <a:srgbClr val="F79D40"/>
+        </a:solidFill>
+        <a:ln w="12700" cap="flat" cmpd="sng" algn="ctr">
+          <a:solidFill>
+            <a:schemeClr val="lt1">
+              <a:hueOff val="0"/>
+              <a:satOff val="0"/>
+              <a:lumOff val="0"/>
+              <a:alphaOff val="0"/>
+            </a:schemeClr>
+          </a:solidFill>
+          <a:prstDash val="solid"/>
+          <a:miter lim="800000"/>
+        </a:ln>
+        <a:effectLst/>
+      </dsp:spPr>
+      <dsp:style>
+        <a:lnRef idx="2">
+          <a:scrgbClr r="0" g="0" b="0"/>
+        </a:lnRef>
+        <a:fillRef idx="1">
+          <a:scrgbClr r="0" g="0" b="0"/>
+        </a:fillRef>
+        <a:effectRef idx="0">
+          <a:scrgbClr r="0" g="0" b="0"/>
+        </a:effectRef>
+        <a:fontRef idx="minor">
+          <a:schemeClr val="lt1"/>
+        </a:fontRef>
+      </dsp:style>
+      <dsp:txBody>
+        <a:bodyPr spcFirstLastPara="0" vert="horz" wrap="square" lIns="224790" tIns="224790" rIns="224790" bIns="224790" numCol="1" spcCol="1270" anchor="ctr" anchorCtr="0">
+          <a:noAutofit/>
+        </a:bodyPr>
+        <a:lstStyle/>
+        <a:p>
+          <a:pPr marL="0" lvl="0" indent="0" algn="l" defTabSz="2622550">
+            <a:lnSpc>
+              <a:spcPct val="90000"/>
+            </a:lnSpc>
+            <a:spcBef>
+              <a:spcPct val="0"/>
+            </a:spcBef>
+            <a:spcAft>
+              <a:spcPct val="35000"/>
+            </a:spcAft>
+            <a:buNone/>
+          </a:pPr>
+          <a:r>
+            <a:rPr lang="en-US" sz="5900" kern="1200" dirty="0"/>
+            <a:t>User Testing</a:t>
+          </a:r>
+        </a:p>
+      </dsp:txBody>
+      <dsp:txXfrm>
+        <a:off x="69080" y="3885962"/>
+        <a:ext cx="6163441" cy="1276954"/>
+      </dsp:txXfrm>
+    </dsp:sp>
+  </dsp:spTree>
+</dsp:drawing>
+</file>
+
 <file path=ppt/diagrams/layout1.xml><?xml version="1.0" encoding="utf-8"?>
 <dgm:layoutDef xmlns:dgm="http://schemas.openxmlformats.org/drawingml/2006/diagram" xmlns:a="http://schemas.openxmlformats.org/drawingml/2006/main" uniqueId="urn:microsoft.com/office/officeart/2018/2/layout/IconVerticalSolidList">
   <dgm:title val="Icon Vertical Solid List"/>
@@ -6629,6 +9214,173 @@
 </dgm:layoutDef>
 </file>
 
+<file path=ppt/diagrams/layout4.xml><?xml version="1.0" encoding="utf-8"?>
+<dgm:layoutDef xmlns:dgm="http://schemas.openxmlformats.org/drawingml/2006/diagram" xmlns:a="http://schemas.openxmlformats.org/drawingml/2006/main" uniqueId="urn:microsoft.com/office/officeart/2005/8/layout/vList2">
+  <dgm:title val=""/>
+  <dgm:desc val=""/>
+  <dgm:catLst>
+    <dgm:cat type="list" pri="3000"/>
+    <dgm:cat type="convert" pri="1000"/>
+  </dgm:catLst>
+  <dgm:sampData>
+    <dgm:dataModel>
+      <dgm:ptLst>
+        <dgm:pt modelId="0" type="doc"/>
+        <dgm:pt modelId="1">
+          <dgm:prSet phldr="1"/>
+        </dgm:pt>
+        <dgm:pt modelId="11">
+          <dgm:prSet phldr="1"/>
+        </dgm:pt>
+        <dgm:pt modelId="2">
+          <dgm:prSet phldr="1"/>
+        </dgm:pt>
+        <dgm:pt modelId="21">
+          <dgm:prSet phldr="1"/>
+        </dgm:pt>
+      </dgm:ptLst>
+      <dgm:cxnLst>
+        <dgm:cxn modelId="4" srcId="0" destId="1" srcOrd="0" destOrd="0"/>
+        <dgm:cxn modelId="5" srcId="0" destId="2" srcOrd="1" destOrd="0"/>
+        <dgm:cxn modelId="12" srcId="1" destId="11" srcOrd="0" destOrd="0"/>
+        <dgm:cxn modelId="23" srcId="2" destId="21" srcOrd="0" destOrd="0"/>
+      </dgm:cxnLst>
+      <dgm:bg/>
+      <dgm:whole/>
+    </dgm:dataModel>
+  </dgm:sampData>
+  <dgm:styleData>
+    <dgm:dataModel>
+      <dgm:ptLst>
+        <dgm:pt modelId="0" type="doc"/>
+        <dgm:pt modelId="1"/>
+        <dgm:pt modelId="2"/>
+      </dgm:ptLst>
+      <dgm:cxnLst>
+        <dgm:cxn modelId="3" srcId="0" destId="1" srcOrd="0" destOrd="0"/>
+        <dgm:cxn modelId="4" srcId="0" destId="2" srcOrd="1" destOrd="0"/>
+      </dgm:cxnLst>
+      <dgm:bg/>
+      <dgm:whole/>
+    </dgm:dataModel>
+  </dgm:styleData>
+  <dgm:clrData>
+    <dgm:dataModel>
+      <dgm:ptLst>
+        <dgm:pt modelId="0" type="doc"/>
+        <dgm:pt modelId="1"/>
+        <dgm:pt modelId="2"/>
+        <dgm:pt modelId="3"/>
+        <dgm:pt modelId="4"/>
+      </dgm:ptLst>
+      <dgm:cxnLst>
+        <dgm:cxn modelId="5" srcId="0" destId="1" srcOrd="0" destOrd="0"/>
+        <dgm:cxn modelId="6" srcId="0" destId="2" srcOrd="1" destOrd="0"/>
+        <dgm:cxn modelId="7" srcId="0" destId="3" srcOrd="2" destOrd="0"/>
+        <dgm:cxn modelId="8" srcId="0" destId="4" srcOrd="3" destOrd="0"/>
+      </dgm:cxnLst>
+      <dgm:bg/>
+      <dgm:whole/>
+    </dgm:dataModel>
+  </dgm:clrData>
+  <dgm:layoutNode name="linear">
+    <dgm:varLst>
+      <dgm:animLvl val="lvl"/>
+      <dgm:resizeHandles val="exact"/>
+    </dgm:varLst>
+    <dgm:alg type="lin">
+      <dgm:param type="linDir" val="fromT"/>
+      <dgm:param type="vertAlign" val="mid"/>
+    </dgm:alg>
+    <dgm:shape xmlns:r="http://schemas.openxmlformats.org/officeDocument/2006/relationships" r:blip="">
+      <dgm:adjLst/>
+    </dgm:shape>
+    <dgm:presOf/>
+    <dgm:constrLst>
+      <dgm:constr type="w" for="ch" forName="parentText" refType="w"/>
+      <dgm:constr type="h" for="ch" forName="parentText" refType="primFontSz" refFor="ch" refForName="parentText" fact="0.52"/>
+      <dgm:constr type="w" for="ch" forName="childText" refType="w"/>
+      <dgm:constr type="h" for="ch" forName="childText" refType="primFontSz" refFor="ch" refForName="parentText" fact="0.46"/>
+      <dgm:constr type="h" for="ch" forName="parentText" op="equ"/>
+      <dgm:constr type="primFontSz" for="ch" forName="parentText" op="equ" val="65"/>
+      <dgm:constr type="primFontSz" for="ch" forName="childText" refType="primFontSz" refFor="ch" refForName="parentText" op="equ"/>
+      <dgm:constr type="h" for="ch" forName="spacer" refType="primFontSz" refFor="ch" refForName="parentText" fact="0.08"/>
+    </dgm:constrLst>
+    <dgm:ruleLst>
+      <dgm:rule type="primFontSz" for="ch" forName="parentText" val="5" fact="NaN" max="NaN"/>
+    </dgm:ruleLst>
+    <dgm:forEach name="Name0" axis="ch" ptType="node">
+      <dgm:layoutNode name="parentText" styleLbl="node1">
+        <dgm:varLst>
+          <dgm:chMax val="0"/>
+          <dgm:bulletEnabled val="1"/>
+        </dgm:varLst>
+        <dgm:alg type="tx">
+          <dgm:param type="parTxLTRAlign" val="l"/>
+          <dgm:param type="parTxRTLAlign" val="r"/>
+        </dgm:alg>
+        <dgm:shape xmlns:r="http://schemas.openxmlformats.org/officeDocument/2006/relationships" type="roundRect" r:blip="">
+          <dgm:adjLst/>
+        </dgm:shape>
+        <dgm:presOf axis="self"/>
+        <dgm:constrLst>
+          <dgm:constr type="tMarg" refType="primFontSz" fact="0.3"/>
+          <dgm:constr type="bMarg" refType="primFontSz" fact="0.3"/>
+          <dgm:constr type="lMarg" refType="primFontSz" fact="0.3"/>
+          <dgm:constr type="rMarg" refType="primFontSz" fact="0.3"/>
+        </dgm:constrLst>
+        <dgm:ruleLst>
+          <dgm:rule type="h" val="INF" fact="NaN" max="NaN"/>
+        </dgm:ruleLst>
+      </dgm:layoutNode>
+      <dgm:choose name="Name1">
+        <dgm:if name="Name2" axis="ch" ptType="node" func="cnt" op="gte" val="1">
+          <dgm:layoutNode name="childText" styleLbl="revTx">
+            <dgm:varLst>
+              <dgm:bulletEnabled val="1"/>
+            </dgm:varLst>
+            <dgm:alg type="tx">
+              <dgm:param type="stBulletLvl" val="1"/>
+              <dgm:param type="lnSpAfChP" val="20"/>
+            </dgm:alg>
+            <dgm:shape xmlns:r="http://schemas.openxmlformats.org/officeDocument/2006/relationships" type="rect" r:blip="">
+              <dgm:adjLst/>
+            </dgm:shape>
+            <dgm:presOf axis="des" ptType="node"/>
+            <dgm:constrLst>
+              <dgm:constr type="tMarg" refType="primFontSz" fact="0.1"/>
+              <dgm:constr type="bMarg" refType="primFontSz" fact="0.1"/>
+              <dgm:constr type="lMarg" refType="w" fact="0.09"/>
+            </dgm:constrLst>
+            <dgm:ruleLst>
+              <dgm:rule type="h" val="INF" fact="NaN" max="NaN"/>
+            </dgm:ruleLst>
+          </dgm:layoutNode>
+        </dgm:if>
+        <dgm:else name="Name3">
+          <dgm:choose name="Name4">
+            <dgm:if name="Name5" axis="par ch" ptType="doc node" func="cnt" op="gte" val="2">
+              <dgm:forEach name="Name6" axis="followSib" ptType="sibTrans" cnt="1">
+                <dgm:layoutNode name="spacer">
+                  <dgm:alg type="sp"/>
+                  <dgm:shape xmlns:r="http://schemas.openxmlformats.org/officeDocument/2006/relationships" r:blip="">
+                    <dgm:adjLst/>
+                  </dgm:shape>
+                  <dgm:presOf/>
+                  <dgm:constrLst/>
+                  <dgm:ruleLst/>
+                </dgm:layoutNode>
+              </dgm:forEach>
+            </dgm:if>
+            <dgm:else name="Name7"/>
+          </dgm:choose>
+        </dgm:else>
+      </dgm:choose>
+    </dgm:forEach>
+  </dgm:layoutNode>
+</dgm:layoutDef>
+</file>
+
 <file path=ppt/diagrams/quickStyle1.xml><?xml version="1.0" encoding="utf-8"?>
 <dgm:styleDef xmlns:dgm="http://schemas.openxmlformats.org/drawingml/2006/diagram" xmlns:a="http://schemas.openxmlformats.org/drawingml/2006/main" uniqueId="urn:microsoft.com/office/officeart/2005/8/quickstyle/simple1">
   <dgm:title val=""/>
@@ -8698,6 +11450,1040 @@
 </file>
 
 <file path=ppt/diagrams/quickStyle3.xml><?xml version="1.0" encoding="utf-8"?>
+<dgm:styleDef xmlns:dgm="http://schemas.openxmlformats.org/drawingml/2006/diagram" xmlns:a="http://schemas.openxmlformats.org/drawingml/2006/main" uniqueId="urn:microsoft.com/office/officeart/2005/8/quickstyle/simple1">
+  <dgm:title val=""/>
+  <dgm:desc val=""/>
+  <dgm:catLst>
+    <dgm:cat type="simple" pri="10100"/>
+  </dgm:catLst>
+  <dgm:scene3d>
+    <a:camera prst="orthographicFront"/>
+    <a:lightRig rig="threePt" dir="t"/>
+  </dgm:scene3d>
+  <dgm:styleLbl name="node0">
+    <dgm:scene3d>
+      <a:camera prst="orthographicFront"/>
+      <a:lightRig rig="threePt" dir="t"/>
+    </dgm:scene3d>
+    <dgm:sp3d/>
+    <dgm:txPr/>
+    <dgm:style>
+      <a:lnRef idx="2">
+        <a:scrgbClr r="0" g="0" b="0"/>
+      </a:lnRef>
+      <a:fillRef idx="1">
+        <a:scrgbClr r="0" g="0" b="0"/>
+      </a:fillRef>
+      <a:effectRef idx="0">
+        <a:scrgbClr r="0" g="0" b="0"/>
+      </a:effectRef>
+      <a:fontRef idx="minor">
+        <a:schemeClr val="lt1"/>
+      </a:fontRef>
+    </dgm:style>
+  </dgm:styleLbl>
+  <dgm:styleLbl name="lnNode1">
+    <dgm:scene3d>
+      <a:camera prst="orthographicFront"/>
+      <a:lightRig rig="threePt" dir="t"/>
+    </dgm:scene3d>
+    <dgm:sp3d/>
+    <dgm:txPr/>
+    <dgm:style>
+      <a:lnRef idx="2">
+        <a:scrgbClr r="0" g="0" b="0"/>
+      </a:lnRef>
+      <a:fillRef idx="1">
+        <a:scrgbClr r="0" g="0" b="0"/>
+      </a:fillRef>
+      <a:effectRef idx="0">
+        <a:scrgbClr r="0" g="0" b="0"/>
+      </a:effectRef>
+      <a:fontRef idx="minor">
+        <a:schemeClr val="lt1"/>
+      </a:fontRef>
+    </dgm:style>
+  </dgm:styleLbl>
+  <dgm:styleLbl name="vennNode1">
+    <dgm:scene3d>
+      <a:camera prst="orthographicFront"/>
+      <a:lightRig rig="threePt" dir="t"/>
+    </dgm:scene3d>
+    <dgm:sp3d/>
+    <dgm:txPr/>
+    <dgm:style>
+      <a:lnRef idx="2">
+        <a:scrgbClr r="0" g="0" b="0"/>
+      </a:lnRef>
+      <a:fillRef idx="1">
+        <a:scrgbClr r="0" g="0" b="0"/>
+      </a:fillRef>
+      <a:effectRef idx="0">
+        <a:scrgbClr r="0" g="0" b="0"/>
+      </a:effectRef>
+      <a:fontRef idx="minor">
+        <a:schemeClr val="tx1"/>
+      </a:fontRef>
+    </dgm:style>
+  </dgm:styleLbl>
+  <dgm:styleLbl name="alignNode1">
+    <dgm:scene3d>
+      <a:camera prst="orthographicFront"/>
+      <a:lightRig rig="threePt" dir="t"/>
+    </dgm:scene3d>
+    <dgm:sp3d/>
+    <dgm:txPr/>
+    <dgm:style>
+      <a:lnRef idx="2">
+        <a:scrgbClr r="0" g="0" b="0"/>
+      </a:lnRef>
+      <a:fillRef idx="1">
+        <a:scrgbClr r="0" g="0" b="0"/>
+      </a:fillRef>
+      <a:effectRef idx="0">
+        <a:scrgbClr r="0" g="0" b="0"/>
+      </a:effectRef>
+      <a:fontRef idx="minor">
+        <a:schemeClr val="lt1"/>
+      </a:fontRef>
+    </dgm:style>
+  </dgm:styleLbl>
+  <dgm:styleLbl name="node1">
+    <dgm:scene3d>
+      <a:camera prst="orthographicFront"/>
+      <a:lightRig rig="threePt" dir="t"/>
+    </dgm:scene3d>
+    <dgm:sp3d/>
+    <dgm:txPr/>
+    <dgm:style>
+      <a:lnRef idx="2">
+        <a:scrgbClr r="0" g="0" b="0"/>
+      </a:lnRef>
+      <a:fillRef idx="1">
+        <a:scrgbClr r="0" g="0" b="0"/>
+      </a:fillRef>
+      <a:effectRef idx="0">
+        <a:scrgbClr r="0" g="0" b="0"/>
+      </a:effectRef>
+      <a:fontRef idx="minor">
+        <a:schemeClr val="lt1"/>
+      </a:fontRef>
+    </dgm:style>
+  </dgm:styleLbl>
+  <dgm:styleLbl name="node2">
+    <dgm:scene3d>
+      <a:camera prst="orthographicFront"/>
+      <a:lightRig rig="threePt" dir="t"/>
+    </dgm:scene3d>
+    <dgm:sp3d/>
+    <dgm:txPr/>
+    <dgm:style>
+      <a:lnRef idx="2">
+        <a:scrgbClr r="0" g="0" b="0"/>
+      </a:lnRef>
+      <a:fillRef idx="1">
+        <a:scrgbClr r="0" g="0" b="0"/>
+      </a:fillRef>
+      <a:effectRef idx="0">
+        <a:scrgbClr r="0" g="0" b="0"/>
+      </a:effectRef>
+      <a:fontRef idx="minor">
+        <a:schemeClr val="lt1"/>
+      </a:fontRef>
+    </dgm:style>
+  </dgm:styleLbl>
+  <dgm:styleLbl name="node3">
+    <dgm:scene3d>
+      <a:camera prst="orthographicFront"/>
+      <a:lightRig rig="threePt" dir="t"/>
+    </dgm:scene3d>
+    <dgm:sp3d/>
+    <dgm:txPr/>
+    <dgm:style>
+      <a:lnRef idx="2">
+        <a:scrgbClr r="0" g="0" b="0"/>
+      </a:lnRef>
+      <a:fillRef idx="1">
+        <a:scrgbClr r="0" g="0" b="0"/>
+      </a:fillRef>
+      <a:effectRef idx="0">
+        <a:scrgbClr r="0" g="0" b="0"/>
+      </a:effectRef>
+      <a:fontRef idx="minor">
+        <a:schemeClr val="lt1"/>
+      </a:fontRef>
+    </dgm:style>
+  </dgm:styleLbl>
+  <dgm:styleLbl name="node4">
+    <dgm:scene3d>
+      <a:camera prst="orthographicFront"/>
+      <a:lightRig rig="threePt" dir="t"/>
+    </dgm:scene3d>
+    <dgm:sp3d/>
+    <dgm:txPr/>
+    <dgm:style>
+      <a:lnRef idx="2">
+        <a:scrgbClr r="0" g="0" b="0"/>
+      </a:lnRef>
+      <a:fillRef idx="1">
+        <a:scrgbClr r="0" g="0" b="0"/>
+      </a:fillRef>
+      <a:effectRef idx="0">
+        <a:scrgbClr r="0" g="0" b="0"/>
+      </a:effectRef>
+      <a:fontRef idx="minor">
+        <a:schemeClr val="lt1"/>
+      </a:fontRef>
+    </dgm:style>
+  </dgm:styleLbl>
+  <dgm:styleLbl name="fgImgPlace1">
+    <dgm:scene3d>
+      <a:camera prst="orthographicFront"/>
+      <a:lightRig rig="threePt" dir="t"/>
+    </dgm:scene3d>
+    <dgm:sp3d/>
+    <dgm:txPr/>
+    <dgm:style>
+      <a:lnRef idx="2">
+        <a:scrgbClr r="0" g="0" b="0"/>
+      </a:lnRef>
+      <a:fillRef idx="1">
+        <a:scrgbClr r="0" g="0" b="0"/>
+      </a:fillRef>
+      <a:effectRef idx="0">
+        <a:scrgbClr r="0" g="0" b="0"/>
+      </a:effectRef>
+      <a:fontRef idx="minor"/>
+    </dgm:style>
+  </dgm:styleLbl>
+  <dgm:styleLbl name="alignImgPlace1">
+    <dgm:scene3d>
+      <a:camera prst="orthographicFront"/>
+      <a:lightRig rig="threePt" dir="t"/>
+    </dgm:scene3d>
+    <dgm:sp3d/>
+    <dgm:txPr/>
+    <dgm:style>
+      <a:lnRef idx="2">
+        <a:scrgbClr r="0" g="0" b="0"/>
+      </a:lnRef>
+      <a:fillRef idx="1">
+        <a:scrgbClr r="0" g="0" b="0"/>
+      </a:fillRef>
+      <a:effectRef idx="0">
+        <a:scrgbClr r="0" g="0" b="0"/>
+      </a:effectRef>
+      <a:fontRef idx="minor"/>
+    </dgm:style>
+  </dgm:styleLbl>
+  <dgm:styleLbl name="bgImgPlace1">
+    <dgm:scene3d>
+      <a:camera prst="orthographicFront"/>
+      <a:lightRig rig="threePt" dir="t"/>
+    </dgm:scene3d>
+    <dgm:sp3d/>
+    <dgm:txPr/>
+    <dgm:style>
+      <a:lnRef idx="2">
+        <a:scrgbClr r="0" g="0" b="0"/>
+      </a:lnRef>
+      <a:fillRef idx="1">
+        <a:scrgbClr r="0" g="0" b="0"/>
+      </a:fillRef>
+      <a:effectRef idx="0">
+        <a:scrgbClr r="0" g="0" b="0"/>
+      </a:effectRef>
+      <a:fontRef idx="minor"/>
+    </dgm:style>
+  </dgm:styleLbl>
+  <dgm:styleLbl name="sibTrans2D1">
+    <dgm:scene3d>
+      <a:camera prst="orthographicFront"/>
+      <a:lightRig rig="threePt" dir="t"/>
+    </dgm:scene3d>
+    <dgm:sp3d/>
+    <dgm:txPr/>
+    <dgm:style>
+      <a:lnRef idx="0">
+        <a:scrgbClr r="0" g="0" b="0"/>
+      </a:lnRef>
+      <a:fillRef idx="1">
+        <a:scrgbClr r="0" g="0" b="0"/>
+      </a:fillRef>
+      <a:effectRef idx="0">
+        <a:scrgbClr r="0" g="0" b="0"/>
+      </a:effectRef>
+      <a:fontRef idx="minor">
+        <a:schemeClr val="lt1"/>
+      </a:fontRef>
+    </dgm:style>
+  </dgm:styleLbl>
+  <dgm:styleLbl name="fgSibTrans2D1">
+    <dgm:scene3d>
+      <a:camera prst="orthographicFront"/>
+      <a:lightRig rig="threePt" dir="t"/>
+    </dgm:scene3d>
+    <dgm:sp3d/>
+    <dgm:txPr/>
+    <dgm:style>
+      <a:lnRef idx="0">
+        <a:scrgbClr r="0" g="0" b="0"/>
+      </a:lnRef>
+      <a:fillRef idx="1">
+        <a:scrgbClr r="0" g="0" b="0"/>
+      </a:fillRef>
+      <a:effectRef idx="0">
+        <a:scrgbClr r="0" g="0" b="0"/>
+      </a:effectRef>
+      <a:fontRef idx="minor">
+        <a:schemeClr val="lt1"/>
+      </a:fontRef>
+    </dgm:style>
+  </dgm:styleLbl>
+  <dgm:styleLbl name="bgSibTrans2D1">
+    <dgm:scene3d>
+      <a:camera prst="orthographicFront"/>
+      <a:lightRig rig="threePt" dir="t"/>
+    </dgm:scene3d>
+    <dgm:sp3d/>
+    <dgm:txPr/>
+    <dgm:style>
+      <a:lnRef idx="0">
+        <a:scrgbClr r="0" g="0" b="0"/>
+      </a:lnRef>
+      <a:fillRef idx="1">
+        <a:scrgbClr r="0" g="0" b="0"/>
+      </a:fillRef>
+      <a:effectRef idx="0">
+        <a:scrgbClr r="0" g="0" b="0"/>
+      </a:effectRef>
+      <a:fontRef idx="minor">
+        <a:schemeClr val="lt1"/>
+      </a:fontRef>
+    </dgm:style>
+  </dgm:styleLbl>
+  <dgm:styleLbl name="sibTrans1D1">
+    <dgm:scene3d>
+      <a:camera prst="orthographicFront"/>
+      <a:lightRig rig="threePt" dir="t"/>
+    </dgm:scene3d>
+    <dgm:sp3d/>
+    <dgm:txPr/>
+    <dgm:style>
+      <a:lnRef idx="1">
+        <a:scrgbClr r="0" g="0" b="0"/>
+      </a:lnRef>
+      <a:fillRef idx="0">
+        <a:scrgbClr r="0" g="0" b="0"/>
+      </a:fillRef>
+      <a:effectRef idx="0">
+        <a:scrgbClr r="0" g="0" b="0"/>
+      </a:effectRef>
+      <a:fontRef idx="minor"/>
+    </dgm:style>
+  </dgm:styleLbl>
+  <dgm:styleLbl name="callout">
+    <dgm:scene3d>
+      <a:camera prst="orthographicFront"/>
+      <a:lightRig rig="threePt" dir="t"/>
+    </dgm:scene3d>
+    <dgm:sp3d/>
+    <dgm:txPr/>
+    <dgm:style>
+      <a:lnRef idx="2">
+        <a:scrgbClr r="0" g="0" b="0"/>
+      </a:lnRef>
+      <a:fillRef idx="1">
+        <a:scrgbClr r="0" g="0" b="0"/>
+      </a:fillRef>
+      <a:effectRef idx="0">
+        <a:scrgbClr r="0" g="0" b="0"/>
+      </a:effectRef>
+      <a:fontRef idx="minor"/>
+    </dgm:style>
+  </dgm:styleLbl>
+  <dgm:styleLbl name="asst0">
+    <dgm:scene3d>
+      <a:camera prst="orthographicFront"/>
+      <a:lightRig rig="threePt" dir="t"/>
+    </dgm:scene3d>
+    <dgm:sp3d/>
+    <dgm:txPr/>
+    <dgm:style>
+      <a:lnRef idx="2">
+        <a:scrgbClr r="0" g="0" b="0"/>
+      </a:lnRef>
+      <a:fillRef idx="1">
+        <a:scrgbClr r="0" g="0" b="0"/>
+      </a:fillRef>
+      <a:effectRef idx="0">
+        <a:scrgbClr r="0" g="0" b="0"/>
+      </a:effectRef>
+      <a:fontRef idx="minor">
+        <a:schemeClr val="lt1"/>
+      </a:fontRef>
+    </dgm:style>
+  </dgm:styleLbl>
+  <dgm:styleLbl name="asst1">
+    <dgm:scene3d>
+      <a:camera prst="orthographicFront"/>
+      <a:lightRig rig="threePt" dir="t"/>
+    </dgm:scene3d>
+    <dgm:sp3d/>
+    <dgm:txPr/>
+    <dgm:style>
+      <a:lnRef idx="2">
+        <a:scrgbClr r="0" g="0" b="0"/>
+      </a:lnRef>
+      <a:fillRef idx="1">
+        <a:scrgbClr r="0" g="0" b="0"/>
+      </a:fillRef>
+      <a:effectRef idx="0">
+        <a:scrgbClr r="0" g="0" b="0"/>
+      </a:effectRef>
+      <a:fontRef idx="minor">
+        <a:schemeClr val="lt1"/>
+      </a:fontRef>
+    </dgm:style>
+  </dgm:styleLbl>
+  <dgm:styleLbl name="asst2">
+    <dgm:scene3d>
+      <a:camera prst="orthographicFront"/>
+      <a:lightRig rig="threePt" dir="t"/>
+    </dgm:scene3d>
+    <dgm:sp3d/>
+    <dgm:txPr/>
+    <dgm:style>
+      <a:lnRef idx="2">
+        <a:scrgbClr r="0" g="0" b="0"/>
+      </a:lnRef>
+      <a:fillRef idx="1">
+        <a:scrgbClr r="0" g="0" b="0"/>
+      </a:fillRef>
+      <a:effectRef idx="0">
+        <a:scrgbClr r="0" g="0" b="0"/>
+      </a:effectRef>
+      <a:fontRef idx="minor">
+        <a:schemeClr val="lt1"/>
+      </a:fontRef>
+    </dgm:style>
+  </dgm:styleLbl>
+  <dgm:styleLbl name="asst3">
+    <dgm:scene3d>
+      <a:camera prst="orthographicFront"/>
+      <a:lightRig rig="threePt" dir="t"/>
+    </dgm:scene3d>
+    <dgm:sp3d/>
+    <dgm:txPr/>
+    <dgm:style>
+      <a:lnRef idx="2">
+        <a:scrgbClr r="0" g="0" b="0"/>
+      </a:lnRef>
+      <a:fillRef idx="1">
+        <a:scrgbClr r="0" g="0" b="0"/>
+      </a:fillRef>
+      <a:effectRef idx="0">
+        <a:scrgbClr r="0" g="0" b="0"/>
+      </a:effectRef>
+      <a:fontRef idx="minor">
+        <a:schemeClr val="lt1"/>
+      </a:fontRef>
+    </dgm:style>
+  </dgm:styleLbl>
+  <dgm:styleLbl name="asst4">
+    <dgm:scene3d>
+      <a:camera prst="orthographicFront"/>
+      <a:lightRig rig="threePt" dir="t"/>
+    </dgm:scene3d>
+    <dgm:sp3d/>
+    <dgm:txPr/>
+    <dgm:style>
+      <a:lnRef idx="2">
+        <a:scrgbClr r="0" g="0" b="0"/>
+      </a:lnRef>
+      <a:fillRef idx="1">
+        <a:scrgbClr r="0" g="0" b="0"/>
+      </a:fillRef>
+      <a:effectRef idx="0">
+        <a:scrgbClr r="0" g="0" b="0"/>
+      </a:effectRef>
+      <a:fontRef idx="minor">
+        <a:schemeClr val="lt1"/>
+      </a:fontRef>
+    </dgm:style>
+  </dgm:styleLbl>
+  <dgm:styleLbl name="parChTrans2D1">
+    <dgm:scene3d>
+      <a:camera prst="orthographicFront"/>
+      <a:lightRig rig="threePt" dir="t"/>
+    </dgm:scene3d>
+    <dgm:sp3d/>
+    <dgm:txPr/>
+    <dgm:style>
+      <a:lnRef idx="2">
+        <a:scrgbClr r="0" g="0" b="0"/>
+      </a:lnRef>
+      <a:fillRef idx="1">
+        <a:scrgbClr r="0" g="0" b="0"/>
+      </a:fillRef>
+      <a:effectRef idx="0">
+        <a:scrgbClr r="0" g="0" b="0"/>
+      </a:effectRef>
+      <a:fontRef idx="minor">
+        <a:schemeClr val="lt1"/>
+      </a:fontRef>
+    </dgm:style>
+  </dgm:styleLbl>
+  <dgm:styleLbl name="parChTrans2D2">
+    <dgm:scene3d>
+      <a:camera prst="orthographicFront"/>
+      <a:lightRig rig="threePt" dir="t"/>
+    </dgm:scene3d>
+    <dgm:sp3d/>
+    <dgm:txPr/>
+    <dgm:style>
+      <a:lnRef idx="2">
+        <a:scrgbClr r="0" g="0" b="0"/>
+      </a:lnRef>
+      <a:fillRef idx="1">
+        <a:scrgbClr r="0" g="0" b="0"/>
+      </a:fillRef>
+      <a:effectRef idx="0">
+        <a:scrgbClr r="0" g="0" b="0"/>
+      </a:effectRef>
+      <a:fontRef idx="minor">
+        <a:schemeClr val="lt1"/>
+      </a:fontRef>
+    </dgm:style>
+  </dgm:styleLbl>
+  <dgm:styleLbl name="parChTrans2D3">
+    <dgm:scene3d>
+      <a:camera prst="orthographicFront"/>
+      <a:lightRig rig="threePt" dir="t"/>
+    </dgm:scene3d>
+    <dgm:sp3d/>
+    <dgm:txPr/>
+    <dgm:style>
+      <a:lnRef idx="2">
+        <a:scrgbClr r="0" g="0" b="0"/>
+      </a:lnRef>
+      <a:fillRef idx="1">
+        <a:scrgbClr r="0" g="0" b="0"/>
+      </a:fillRef>
+      <a:effectRef idx="0">
+        <a:scrgbClr r="0" g="0" b="0"/>
+      </a:effectRef>
+      <a:fontRef idx="minor">
+        <a:schemeClr val="lt1"/>
+      </a:fontRef>
+    </dgm:style>
+  </dgm:styleLbl>
+  <dgm:styleLbl name="parChTrans2D4">
+    <dgm:scene3d>
+      <a:camera prst="orthographicFront"/>
+      <a:lightRig rig="threePt" dir="t"/>
+    </dgm:scene3d>
+    <dgm:sp3d/>
+    <dgm:txPr/>
+    <dgm:style>
+      <a:lnRef idx="2">
+        <a:scrgbClr r="0" g="0" b="0"/>
+      </a:lnRef>
+      <a:fillRef idx="1">
+        <a:scrgbClr r="0" g="0" b="0"/>
+      </a:fillRef>
+      <a:effectRef idx="0">
+        <a:scrgbClr r="0" g="0" b="0"/>
+      </a:effectRef>
+      <a:fontRef idx="minor">
+        <a:schemeClr val="lt1"/>
+      </a:fontRef>
+    </dgm:style>
+  </dgm:styleLbl>
+  <dgm:styleLbl name="parChTrans1D1">
+    <dgm:scene3d>
+      <a:camera prst="orthographicFront"/>
+      <a:lightRig rig="threePt" dir="t"/>
+    </dgm:scene3d>
+    <dgm:sp3d/>
+    <dgm:txPr/>
+    <dgm:style>
+      <a:lnRef idx="2">
+        <a:scrgbClr r="0" g="0" b="0"/>
+      </a:lnRef>
+      <a:fillRef idx="0">
+        <a:scrgbClr r="0" g="0" b="0"/>
+      </a:fillRef>
+      <a:effectRef idx="0">
+        <a:scrgbClr r="0" g="0" b="0"/>
+      </a:effectRef>
+      <a:fontRef idx="minor"/>
+    </dgm:style>
+  </dgm:styleLbl>
+  <dgm:styleLbl name="parChTrans1D2">
+    <dgm:scene3d>
+      <a:camera prst="orthographicFront"/>
+      <a:lightRig rig="threePt" dir="t"/>
+    </dgm:scene3d>
+    <dgm:sp3d/>
+    <dgm:txPr/>
+    <dgm:style>
+      <a:lnRef idx="2">
+        <a:scrgbClr r="0" g="0" b="0"/>
+      </a:lnRef>
+      <a:fillRef idx="0">
+        <a:scrgbClr r="0" g="0" b="0"/>
+      </a:fillRef>
+      <a:effectRef idx="0">
+        <a:scrgbClr r="0" g="0" b="0"/>
+      </a:effectRef>
+      <a:fontRef idx="minor"/>
+    </dgm:style>
+  </dgm:styleLbl>
+  <dgm:styleLbl name="parChTrans1D3">
+    <dgm:scene3d>
+      <a:camera prst="orthographicFront"/>
+      <a:lightRig rig="threePt" dir="t"/>
+    </dgm:scene3d>
+    <dgm:sp3d/>
+    <dgm:txPr/>
+    <dgm:style>
+      <a:lnRef idx="2">
+        <a:scrgbClr r="0" g="0" b="0"/>
+      </a:lnRef>
+      <a:fillRef idx="0">
+        <a:scrgbClr r="0" g="0" b="0"/>
+      </a:fillRef>
+      <a:effectRef idx="0">
+        <a:scrgbClr r="0" g="0" b="0"/>
+      </a:effectRef>
+      <a:fontRef idx="minor"/>
+    </dgm:style>
+  </dgm:styleLbl>
+  <dgm:styleLbl name="parChTrans1D4">
+    <dgm:scene3d>
+      <a:camera prst="orthographicFront"/>
+      <a:lightRig rig="threePt" dir="t"/>
+    </dgm:scene3d>
+    <dgm:sp3d/>
+    <dgm:txPr/>
+    <dgm:style>
+      <a:lnRef idx="2">
+        <a:scrgbClr r="0" g="0" b="0"/>
+      </a:lnRef>
+      <a:fillRef idx="0">
+        <a:scrgbClr r="0" g="0" b="0"/>
+      </a:fillRef>
+      <a:effectRef idx="0">
+        <a:scrgbClr r="0" g="0" b="0"/>
+      </a:effectRef>
+      <a:fontRef idx="minor"/>
+    </dgm:style>
+  </dgm:styleLbl>
+  <dgm:styleLbl name="fgAcc1">
+    <dgm:scene3d>
+      <a:camera prst="orthographicFront"/>
+      <a:lightRig rig="threePt" dir="t"/>
+    </dgm:scene3d>
+    <dgm:sp3d/>
+    <dgm:txPr/>
+    <dgm:style>
+      <a:lnRef idx="2">
+        <a:scrgbClr r="0" g="0" b="0"/>
+      </a:lnRef>
+      <a:fillRef idx="1">
+        <a:scrgbClr r="0" g="0" b="0"/>
+      </a:fillRef>
+      <a:effectRef idx="0">
+        <a:scrgbClr r="0" g="0" b="0"/>
+      </a:effectRef>
+      <a:fontRef idx="minor"/>
+    </dgm:style>
+  </dgm:styleLbl>
+  <dgm:styleLbl name="conFgAcc1">
+    <dgm:scene3d>
+      <a:camera prst="orthographicFront"/>
+      <a:lightRig rig="threePt" dir="t"/>
+    </dgm:scene3d>
+    <dgm:sp3d/>
+    <dgm:txPr/>
+    <dgm:style>
+      <a:lnRef idx="2">
+        <a:scrgbClr r="0" g="0" b="0"/>
+      </a:lnRef>
+      <a:fillRef idx="1">
+        <a:scrgbClr r="0" g="0" b="0"/>
+      </a:fillRef>
+      <a:effectRef idx="0">
+        <a:scrgbClr r="0" g="0" b="0"/>
+      </a:effectRef>
+      <a:fontRef idx="minor"/>
+    </dgm:style>
+  </dgm:styleLbl>
+  <dgm:styleLbl name="alignAcc1">
+    <dgm:scene3d>
+      <a:camera prst="orthographicFront"/>
+      <a:lightRig rig="threePt" dir="t"/>
+    </dgm:scene3d>
+    <dgm:sp3d/>
+    <dgm:txPr/>
+    <dgm:style>
+      <a:lnRef idx="2">
+        <a:scrgbClr r="0" g="0" b="0"/>
+      </a:lnRef>
+      <a:fillRef idx="1">
+        <a:scrgbClr r="0" g="0" b="0"/>
+      </a:fillRef>
+      <a:effectRef idx="0">
+        <a:scrgbClr r="0" g="0" b="0"/>
+      </a:effectRef>
+      <a:fontRef idx="minor"/>
+    </dgm:style>
+  </dgm:styleLbl>
+  <dgm:styleLbl name="trAlignAcc1">
+    <dgm:scene3d>
+      <a:camera prst="orthographicFront"/>
+      <a:lightRig rig="threePt" dir="t"/>
+    </dgm:scene3d>
+    <dgm:sp3d/>
+    <dgm:txPr/>
+    <dgm:style>
+      <a:lnRef idx="1">
+        <a:scrgbClr r="0" g="0" b="0"/>
+      </a:lnRef>
+      <a:fillRef idx="1">
+        <a:scrgbClr r="0" g="0" b="0"/>
+      </a:fillRef>
+      <a:effectRef idx="0">
+        <a:scrgbClr r="0" g="0" b="0"/>
+      </a:effectRef>
+      <a:fontRef idx="minor"/>
+    </dgm:style>
+  </dgm:styleLbl>
+  <dgm:styleLbl name="bgAcc1">
+    <dgm:scene3d>
+      <a:camera prst="orthographicFront"/>
+      <a:lightRig rig="threePt" dir="t"/>
+    </dgm:scene3d>
+    <dgm:sp3d/>
+    <dgm:txPr/>
+    <dgm:style>
+      <a:lnRef idx="2">
+        <a:scrgbClr r="0" g="0" b="0"/>
+      </a:lnRef>
+      <a:fillRef idx="1">
+        <a:scrgbClr r="0" g="0" b="0"/>
+      </a:fillRef>
+      <a:effectRef idx="0">
+        <a:scrgbClr r="0" g="0" b="0"/>
+      </a:effectRef>
+      <a:fontRef idx="minor"/>
+    </dgm:style>
+  </dgm:styleLbl>
+  <dgm:styleLbl name="solidFgAcc1">
+    <dgm:scene3d>
+      <a:camera prst="orthographicFront"/>
+      <a:lightRig rig="threePt" dir="t"/>
+    </dgm:scene3d>
+    <dgm:sp3d/>
+    <dgm:txPr/>
+    <dgm:style>
+      <a:lnRef idx="2">
+        <a:scrgbClr r="0" g="0" b="0"/>
+      </a:lnRef>
+      <a:fillRef idx="1">
+        <a:scrgbClr r="0" g="0" b="0"/>
+      </a:fillRef>
+      <a:effectRef idx="0">
+        <a:scrgbClr r="0" g="0" b="0"/>
+      </a:effectRef>
+      <a:fontRef idx="minor"/>
+    </dgm:style>
+  </dgm:styleLbl>
+  <dgm:styleLbl name="solidAlignAcc1">
+    <dgm:scene3d>
+      <a:camera prst="orthographicFront"/>
+      <a:lightRig rig="threePt" dir="t"/>
+    </dgm:scene3d>
+    <dgm:sp3d/>
+    <dgm:txPr/>
+    <dgm:style>
+      <a:lnRef idx="2">
+        <a:scrgbClr r="0" g="0" b="0"/>
+      </a:lnRef>
+      <a:fillRef idx="1">
+        <a:scrgbClr r="0" g="0" b="0"/>
+      </a:fillRef>
+      <a:effectRef idx="0">
+        <a:scrgbClr r="0" g="0" b="0"/>
+      </a:effectRef>
+      <a:fontRef idx="minor"/>
+    </dgm:style>
+  </dgm:styleLbl>
+  <dgm:styleLbl name="solidBgAcc1">
+    <dgm:scene3d>
+      <a:camera prst="orthographicFront"/>
+      <a:lightRig rig="threePt" dir="t"/>
+    </dgm:scene3d>
+    <dgm:sp3d/>
+    <dgm:txPr/>
+    <dgm:style>
+      <a:lnRef idx="2">
+        <a:scrgbClr r="0" g="0" b="0"/>
+      </a:lnRef>
+      <a:fillRef idx="1">
+        <a:scrgbClr r="0" g="0" b="0"/>
+      </a:fillRef>
+      <a:effectRef idx="0">
+        <a:scrgbClr r="0" g="0" b="0"/>
+      </a:effectRef>
+      <a:fontRef idx="minor"/>
+    </dgm:style>
+  </dgm:styleLbl>
+  <dgm:styleLbl name="fgAccFollowNode1">
+    <dgm:scene3d>
+      <a:camera prst="orthographicFront"/>
+      <a:lightRig rig="threePt" dir="t"/>
+    </dgm:scene3d>
+    <dgm:sp3d/>
+    <dgm:txPr/>
+    <dgm:style>
+      <a:lnRef idx="2">
+        <a:scrgbClr r="0" g="0" b="0"/>
+      </a:lnRef>
+      <a:fillRef idx="1">
+        <a:scrgbClr r="0" g="0" b="0"/>
+      </a:fillRef>
+      <a:effectRef idx="0">
+        <a:scrgbClr r="0" g="0" b="0"/>
+      </a:effectRef>
+      <a:fontRef idx="minor"/>
+    </dgm:style>
+  </dgm:styleLbl>
+  <dgm:styleLbl name="alignAccFollowNode1">
+    <dgm:scene3d>
+      <a:camera prst="orthographicFront"/>
+      <a:lightRig rig="threePt" dir="t"/>
+    </dgm:scene3d>
+    <dgm:sp3d/>
+    <dgm:txPr/>
+    <dgm:style>
+      <a:lnRef idx="2">
+        <a:scrgbClr r="0" g="0" b="0"/>
+      </a:lnRef>
+      <a:fillRef idx="1">
+        <a:scrgbClr r="0" g="0" b="0"/>
+      </a:fillRef>
+      <a:effectRef idx="0">
+        <a:scrgbClr r="0" g="0" b="0"/>
+      </a:effectRef>
+      <a:fontRef idx="minor"/>
+    </dgm:style>
+  </dgm:styleLbl>
+  <dgm:styleLbl name="bgAccFollowNode1">
+    <dgm:scene3d>
+      <a:camera prst="orthographicFront"/>
+      <a:lightRig rig="threePt" dir="t"/>
+    </dgm:scene3d>
+    <dgm:sp3d/>
+    <dgm:txPr/>
+    <dgm:style>
+      <a:lnRef idx="2">
+        <a:scrgbClr r="0" g="0" b="0"/>
+      </a:lnRef>
+      <a:fillRef idx="1">
+        <a:scrgbClr r="0" g="0" b="0"/>
+      </a:fillRef>
+      <a:effectRef idx="0">
+        <a:scrgbClr r="0" g="0" b="0"/>
+      </a:effectRef>
+      <a:fontRef idx="minor"/>
+    </dgm:style>
+  </dgm:styleLbl>
+  <dgm:styleLbl name="fgAcc0">
+    <dgm:scene3d>
+      <a:camera prst="orthographicFront"/>
+      <a:lightRig rig="threePt" dir="t"/>
+    </dgm:scene3d>
+    <dgm:sp3d/>
+    <dgm:txPr/>
+    <dgm:style>
+      <a:lnRef idx="2">
+        <a:scrgbClr r="0" g="0" b="0"/>
+      </a:lnRef>
+      <a:fillRef idx="1">
+        <a:scrgbClr r="0" g="0" b="0"/>
+      </a:fillRef>
+      <a:effectRef idx="0">
+        <a:scrgbClr r="0" g="0" b="0"/>
+      </a:effectRef>
+      <a:fontRef idx="minor"/>
+    </dgm:style>
+  </dgm:styleLbl>
+  <dgm:styleLbl name="fgAcc2">
+    <dgm:scene3d>
+      <a:camera prst="orthographicFront"/>
+      <a:lightRig rig="threePt" dir="t"/>
+    </dgm:scene3d>
+    <dgm:sp3d/>
+    <dgm:txPr/>
+    <dgm:style>
+      <a:lnRef idx="2">
+        <a:scrgbClr r="0" g="0" b="0"/>
+      </a:lnRef>
+      <a:fillRef idx="1">
+        <a:scrgbClr r="0" g="0" b="0"/>
+      </a:fillRef>
+      <a:effectRef idx="0">
+        <a:scrgbClr r="0" g="0" b="0"/>
+      </a:effectRef>
+      <a:fontRef idx="minor"/>
+    </dgm:style>
+  </dgm:styleLbl>
+  <dgm:styleLbl name="fgAcc3">
+    <dgm:scene3d>
+      <a:camera prst="orthographicFront"/>
+      <a:lightRig rig="threePt" dir="t"/>
+    </dgm:scene3d>
+    <dgm:sp3d/>
+    <dgm:txPr/>
+    <dgm:style>
+      <a:lnRef idx="2">
+        <a:scrgbClr r="0" g="0" b="0"/>
+      </a:lnRef>
+      <a:fillRef idx="1">
+        <a:scrgbClr r="0" g="0" b="0"/>
+      </a:fillRef>
+      <a:effectRef idx="0">
+        <a:scrgbClr r="0" g="0" b="0"/>
+      </a:effectRef>
+      <a:fontRef idx="minor"/>
+    </dgm:style>
+  </dgm:styleLbl>
+  <dgm:styleLbl name="fgAcc4">
+    <dgm:scene3d>
+      <a:camera prst="orthographicFront"/>
+      <a:lightRig rig="threePt" dir="t"/>
+    </dgm:scene3d>
+    <dgm:sp3d/>
+    <dgm:txPr/>
+    <dgm:style>
+      <a:lnRef idx="2">
+        <a:scrgbClr r="0" g="0" b="0"/>
+      </a:lnRef>
+      <a:fillRef idx="1">
+        <a:scrgbClr r="0" g="0" b="0"/>
+      </a:fillRef>
+      <a:effectRef idx="0">
+        <a:scrgbClr r="0" g="0" b="0"/>
+      </a:effectRef>
+      <a:fontRef idx="minor"/>
+    </dgm:style>
+  </dgm:styleLbl>
+  <dgm:styleLbl name="bgShp">
+    <dgm:scene3d>
+      <a:camera prst="orthographicFront"/>
+      <a:lightRig rig="threePt" dir="t"/>
+    </dgm:scene3d>
+    <dgm:sp3d/>
+    <dgm:txPr/>
+    <dgm:style>
+      <a:lnRef idx="0">
+        <a:scrgbClr r="0" g="0" b="0"/>
+      </a:lnRef>
+      <a:fillRef idx="1">
+        <a:scrgbClr r="0" g="0" b="0"/>
+      </a:fillRef>
+      <a:effectRef idx="0">
+        <a:scrgbClr r="0" g="0" b="0"/>
+      </a:effectRef>
+      <a:fontRef idx="minor"/>
+    </dgm:style>
+  </dgm:styleLbl>
+  <dgm:styleLbl name="dkBgShp">
+    <dgm:scene3d>
+      <a:camera prst="orthographicFront"/>
+      <a:lightRig rig="threePt" dir="t"/>
+    </dgm:scene3d>
+    <dgm:sp3d/>
+    <dgm:txPr/>
+    <dgm:style>
+      <a:lnRef idx="0">
+        <a:scrgbClr r="0" g="0" b="0"/>
+      </a:lnRef>
+      <a:fillRef idx="1">
+        <a:scrgbClr r="0" g="0" b="0"/>
+      </a:fillRef>
+      <a:effectRef idx="0">
+        <a:scrgbClr r="0" g="0" b="0"/>
+      </a:effectRef>
+      <a:fontRef idx="minor"/>
+    </dgm:style>
+  </dgm:styleLbl>
+  <dgm:styleLbl name="trBgShp">
+    <dgm:scene3d>
+      <a:camera prst="orthographicFront"/>
+      <a:lightRig rig="threePt" dir="t"/>
+    </dgm:scene3d>
+    <dgm:sp3d/>
+    <dgm:txPr/>
+    <dgm:style>
+      <a:lnRef idx="0">
+        <a:scrgbClr r="0" g="0" b="0"/>
+      </a:lnRef>
+      <a:fillRef idx="1">
+        <a:scrgbClr r="0" g="0" b="0"/>
+      </a:fillRef>
+      <a:effectRef idx="0">
+        <a:scrgbClr r="0" g="0" b="0"/>
+      </a:effectRef>
+      <a:fontRef idx="minor"/>
+    </dgm:style>
+  </dgm:styleLbl>
+  <dgm:styleLbl name="fgShp">
+    <dgm:scene3d>
+      <a:camera prst="orthographicFront"/>
+      <a:lightRig rig="threePt" dir="t"/>
+    </dgm:scene3d>
+    <dgm:sp3d/>
+    <dgm:txPr/>
+    <dgm:style>
+      <a:lnRef idx="2">
+        <a:scrgbClr r="0" g="0" b="0"/>
+      </a:lnRef>
+      <a:fillRef idx="1">
+        <a:scrgbClr r="0" g="0" b="0"/>
+      </a:fillRef>
+      <a:effectRef idx="0">
+        <a:scrgbClr r="0" g="0" b="0"/>
+      </a:effectRef>
+      <a:fontRef idx="minor"/>
+    </dgm:style>
+  </dgm:styleLbl>
+  <dgm:styleLbl name="revTx">
+    <dgm:scene3d>
+      <a:camera prst="orthographicFront"/>
+      <a:lightRig rig="threePt" dir="t"/>
+    </dgm:scene3d>
+    <dgm:sp3d/>
+    <dgm:txPr/>
+    <dgm:style>
+      <a:lnRef idx="0">
+        <a:scrgbClr r="0" g="0" b="0"/>
+      </a:lnRef>
+      <a:fillRef idx="0">
+        <a:scrgbClr r="0" g="0" b="0"/>
+      </a:fillRef>
+      <a:effectRef idx="0">
+        <a:scrgbClr r="0" g="0" b="0"/>
+      </a:effectRef>
+      <a:fontRef idx="minor"/>
+    </dgm:style>
+  </dgm:styleLbl>
+</dgm:styleDef>
+</file>
+
+<file path=ppt/diagrams/quickStyle4.xml><?xml version="1.0" encoding="utf-8"?>
 <dgm:styleDef xmlns:dgm="http://schemas.openxmlformats.org/drawingml/2006/diagram" xmlns:a="http://schemas.openxmlformats.org/drawingml/2006/main" uniqueId="urn:microsoft.com/office/officeart/2005/8/quickstyle/simple1">
   <dgm:title val=""/>
   <dgm:desc val=""/>
@@ -9813,7 +13599,7 @@
           <a:p>
             <a:fld id="{864D8362-3F61-DA4D-A6FC-827E34EC9910}" type="datetimeFigureOut">
               <a:rPr lang="en-IT" smtClean="0"/>
-              <a:t>24/06/23</a:t>
+              <a:t>27/06/23</a:t>
             </a:fld>
             <a:endParaRPr lang="en-IT"/>
           </a:p>
@@ -10314,7 +14100,7 @@
           <a:p>
             <a:fld id="{5E691E4E-0551-F549-AAB5-571F8572F10D}" type="datetimeFigureOut">
               <a:rPr lang="en-IT" smtClean="0"/>
-              <a:t>24/06/23</a:t>
+              <a:t>27/06/23</a:t>
             </a:fld>
             <a:endParaRPr lang="en-IT"/>
           </a:p>
@@ -10514,7 +14300,7 @@
           <a:p>
             <a:fld id="{5E691E4E-0551-F549-AAB5-571F8572F10D}" type="datetimeFigureOut">
               <a:rPr lang="en-IT" smtClean="0"/>
-              <a:t>24/06/23</a:t>
+              <a:t>27/06/23</a:t>
             </a:fld>
             <a:endParaRPr lang="en-IT"/>
           </a:p>
@@ -10724,7 +14510,7 @@
           <a:p>
             <a:fld id="{5E691E4E-0551-F549-AAB5-571F8572F10D}" type="datetimeFigureOut">
               <a:rPr lang="en-IT" smtClean="0"/>
-              <a:t>24/06/23</a:t>
+              <a:t>27/06/23</a:t>
             </a:fld>
             <a:endParaRPr lang="en-IT"/>
           </a:p>
@@ -10924,7 +14710,7 @@
           <a:p>
             <a:fld id="{5E691E4E-0551-F549-AAB5-571F8572F10D}" type="datetimeFigureOut">
               <a:rPr lang="en-IT" smtClean="0"/>
-              <a:t>24/06/23</a:t>
+              <a:t>27/06/23</a:t>
             </a:fld>
             <a:endParaRPr lang="en-IT"/>
           </a:p>
@@ -11200,7 +14986,7 @@
           <a:p>
             <a:fld id="{5E691E4E-0551-F549-AAB5-571F8572F10D}" type="datetimeFigureOut">
               <a:rPr lang="en-IT" smtClean="0"/>
-              <a:t>24/06/23</a:t>
+              <a:t>27/06/23</a:t>
             </a:fld>
             <a:endParaRPr lang="en-IT"/>
           </a:p>
@@ -11468,7 +15254,7 @@
           <a:p>
             <a:fld id="{5E691E4E-0551-F549-AAB5-571F8572F10D}" type="datetimeFigureOut">
               <a:rPr lang="en-IT" smtClean="0"/>
-              <a:t>24/06/23</a:t>
+              <a:t>27/06/23</a:t>
             </a:fld>
             <a:endParaRPr lang="en-IT"/>
           </a:p>
@@ -11883,7 +15669,7 @@
           <a:p>
             <a:fld id="{5E691E4E-0551-F549-AAB5-571F8572F10D}" type="datetimeFigureOut">
               <a:rPr lang="en-IT" smtClean="0"/>
-              <a:t>24/06/23</a:t>
+              <a:t>27/06/23</a:t>
             </a:fld>
             <a:endParaRPr lang="en-IT"/>
           </a:p>
@@ -12025,7 +15811,7 @@
           <a:p>
             <a:fld id="{5E691E4E-0551-F549-AAB5-571F8572F10D}" type="datetimeFigureOut">
               <a:rPr lang="en-IT" smtClean="0"/>
-              <a:t>24/06/23</a:t>
+              <a:t>27/06/23</a:t>
             </a:fld>
             <a:endParaRPr lang="en-IT"/>
           </a:p>
@@ -12138,7 +15924,7 @@
           <a:p>
             <a:fld id="{5E691E4E-0551-F549-AAB5-571F8572F10D}" type="datetimeFigureOut">
               <a:rPr lang="en-IT" smtClean="0"/>
-              <a:t>24/06/23</a:t>
+              <a:t>27/06/23</a:t>
             </a:fld>
             <a:endParaRPr lang="en-IT"/>
           </a:p>
@@ -12451,7 +16237,7 @@
           <a:p>
             <a:fld id="{5E691E4E-0551-F549-AAB5-571F8572F10D}" type="datetimeFigureOut">
               <a:rPr lang="en-IT" smtClean="0"/>
-              <a:t>24/06/23</a:t>
+              <a:t>27/06/23</a:t>
             </a:fld>
             <a:endParaRPr lang="en-IT"/>
           </a:p>
@@ -12740,7 +16526,7 @@
           <a:p>
             <a:fld id="{5E691E4E-0551-F549-AAB5-571F8572F10D}" type="datetimeFigureOut">
               <a:rPr lang="en-IT" smtClean="0"/>
-              <a:t>24/06/23</a:t>
+              <a:t>27/06/23</a:t>
             </a:fld>
             <a:endParaRPr lang="en-IT"/>
           </a:p>
@@ -12983,7 +16769,7 @@
           <a:p>
             <a:fld id="{5E691E4E-0551-F549-AAB5-571F8572F10D}" type="datetimeFigureOut">
               <a:rPr lang="en-IT" smtClean="0"/>
-              <a:t>24/06/23</a:t>
+              <a:t>27/06/23</a:t>
             </a:fld>
             <a:endParaRPr lang="en-IT"/>
           </a:p>
@@ -22662,6 +26448,2066 @@
 <file path=ppt/slides/slide6.xml><?xml version="1.0" encoding="utf-8"?>
 <p:sld xmlns:a="http://schemas.openxmlformats.org/drawingml/2006/main" xmlns:r="http://schemas.openxmlformats.org/officeDocument/2006/relationships" xmlns:p="http://schemas.openxmlformats.org/presentationml/2006/main">
   <p:cSld>
+    <p:bg>
+      <p:bgPr>
+        <a:solidFill>
+          <a:schemeClr val="bg1"/>
+        </a:solidFill>
+        <a:effectLst/>
+      </p:bgPr>
+    </p:bg>
+    <p:spTree>
+      <p:nvGrpSpPr>
+        <p:cNvPr id="1" name=""/>
+        <p:cNvGrpSpPr/>
+        <p:nvPr/>
+      </p:nvGrpSpPr>
+      <p:grpSpPr>
+        <a:xfrm>
+          <a:off x="0" y="0"/>
+          <a:ext cx="0" cy="0"/>
+          <a:chOff x="0" y="0"/>
+          <a:chExt cx="0" cy="0"/>
+        </a:xfrm>
+      </p:grpSpPr>
+      <p:sp useBgFill="1">
+        <p:nvSpPr>
+          <p:cNvPr id="9" name="Rectangle 8">
+            <a:extLst>
+              <a:ext uri="{FF2B5EF4-FFF2-40B4-BE49-F238E27FC236}">
+                <a16:creationId xmlns:a16="http://schemas.microsoft.com/office/drawing/2014/main" id="{0C541B88-1AE9-40C3-AFD5-967787C1979F}"/>
+              </a:ext>
+              <a:ext uri="{C183D7F6-B498-43B3-948B-1728B52AA6E4}">
+                <adec:decorative xmlns:adec="http://schemas.microsoft.com/office/drawing/2017/decorative" val="1"/>
+              </a:ext>
+            </a:extLst>
+          </p:cNvPr>
+          <p:cNvSpPr>
+            <a:spLocks noGrp="1" noRot="1" noChangeAspect="1" noMove="1" noResize="1" noEditPoints="1" noAdjustHandles="1" noChangeArrowheads="1" noChangeShapeType="1" noTextEdit="1"/>
+          </p:cNvSpPr>
+          <p:nvPr>
+            <p:extLst>
+              <p:ext uri="{386F3935-93C4-4BCD-93E2-E3B085C9AB24}">
+                <p16:designElem xmlns:p16="http://schemas.microsoft.com/office/powerpoint/2015/main" val="1"/>
+              </p:ext>
+            </p:extLst>
+          </p:nvPr>
+        </p:nvSpPr>
+        <p:spPr>
+          <a:xfrm>
+            <a:off x="0" y="0"/>
+            <a:ext cx="12192000" cy="6858000"/>
+          </a:xfrm>
+          <a:prstGeom prst="rect">
+            <a:avLst/>
+          </a:prstGeom>
+          <a:ln>
+            <a:noFill/>
+          </a:ln>
+        </p:spPr>
+        <p:style>
+          <a:lnRef idx="2">
+            <a:schemeClr val="accent1">
+              <a:shade val="50000"/>
+            </a:schemeClr>
+          </a:lnRef>
+          <a:fillRef idx="1">
+            <a:schemeClr val="accent1"/>
+          </a:fillRef>
+          <a:effectRef idx="0">
+            <a:schemeClr val="accent1"/>
+          </a:effectRef>
+          <a:fontRef idx="minor">
+            <a:schemeClr val="lt1"/>
+          </a:fontRef>
+        </p:style>
+        <p:txBody>
+          <a:bodyPr rtlCol="0" anchor="ctr"/>
+          <a:lstStyle/>
+          <a:p>
+            <a:pPr algn="ctr"/>
+            <a:endParaRPr lang="en-US"/>
+          </a:p>
+        </p:txBody>
+      </p:sp>
+      <p:sp>
+        <p:nvSpPr>
+          <p:cNvPr id="11" name="Rectangle 10">
+            <a:extLst>
+              <a:ext uri="{FF2B5EF4-FFF2-40B4-BE49-F238E27FC236}">
+                <a16:creationId xmlns:a16="http://schemas.microsoft.com/office/drawing/2014/main" id="{E5F17139-31EE-46AC-B04F-DBBD852DD6CB}"/>
+              </a:ext>
+              <a:ext uri="{C183D7F6-B498-43B3-948B-1728B52AA6E4}">
+                <adec:decorative xmlns:adec="http://schemas.microsoft.com/office/drawing/2017/decorative" val="1"/>
+              </a:ext>
+            </a:extLst>
+          </p:cNvPr>
+          <p:cNvSpPr>
+            <a:spLocks noGrp="1" noRot="1" noChangeAspect="1" noMove="1" noResize="1" noEditPoints="1" noAdjustHandles="1" noChangeArrowheads="1" noChangeShapeType="1" noTextEdit="1"/>
+          </p:cNvSpPr>
+          <p:nvPr>
+            <p:extLst>
+              <p:ext uri="{386F3935-93C4-4BCD-93E2-E3B085C9AB24}">
+                <p16:designElem xmlns:p16="http://schemas.microsoft.com/office/powerpoint/2015/main" val="1"/>
+              </p:ext>
+            </p:extLst>
+          </p:nvPr>
+        </p:nvSpPr>
+        <p:spPr>
+          <a:xfrm>
+            <a:off x="0" y="0"/>
+            <a:ext cx="4890596" cy="6858000"/>
+          </a:xfrm>
+          <a:prstGeom prst="rect">
+            <a:avLst/>
+          </a:prstGeom>
+          <a:solidFill>
+            <a:schemeClr val="tx1"/>
+          </a:solidFill>
+          <a:ln>
+            <a:noFill/>
+          </a:ln>
+        </p:spPr>
+        <p:style>
+          <a:lnRef idx="2">
+            <a:schemeClr val="accent1">
+              <a:shade val="50000"/>
+            </a:schemeClr>
+          </a:lnRef>
+          <a:fillRef idx="1">
+            <a:schemeClr val="accent1"/>
+          </a:fillRef>
+          <a:effectRef idx="0">
+            <a:schemeClr val="accent1"/>
+          </a:effectRef>
+          <a:fontRef idx="minor">
+            <a:schemeClr val="lt1"/>
+          </a:fontRef>
+        </p:style>
+        <p:txBody>
+          <a:bodyPr rtlCol="0" anchor="ctr"/>
+          <a:lstStyle/>
+          <a:p>
+            <a:pPr algn="ctr"/>
+            <a:endParaRPr lang="en-US"/>
+          </a:p>
+        </p:txBody>
+      </p:sp>
+      <p:sp>
+        <p:nvSpPr>
+          <p:cNvPr id="2" name="Title 1">
+            <a:extLst>
+              <a:ext uri="{FF2B5EF4-FFF2-40B4-BE49-F238E27FC236}">
+                <a16:creationId xmlns:a16="http://schemas.microsoft.com/office/drawing/2014/main" id="{3130AEBC-5E9F-F1F6-5406-7102639BBCD3}"/>
+              </a:ext>
+            </a:extLst>
+          </p:cNvPr>
+          <p:cNvSpPr>
+            <a:spLocks noGrp="1"/>
+          </p:cNvSpPr>
+          <p:nvPr>
+            <p:ph type="title"/>
+          </p:nvPr>
+        </p:nvSpPr>
+        <p:spPr>
+          <a:xfrm>
+            <a:off x="838200" y="1195697"/>
+            <a:ext cx="3200400" cy="4238118"/>
+          </a:xfrm>
+        </p:spPr>
+        <p:txBody>
+          <a:bodyPr>
+            <a:normAutofit/>
+          </a:bodyPr>
+          <a:lstStyle/>
+          <a:p>
+            <a:r>
+              <a:rPr lang="en-IT" dirty="0">
+                <a:solidFill>
+                  <a:schemeClr val="bg1"/>
+                </a:solidFill>
+              </a:rPr>
+              <a:t>Testing</a:t>
+            </a:r>
+          </a:p>
+        </p:txBody>
+      </p:sp>
+      <p:grpSp>
+        <p:nvGrpSpPr>
+          <p:cNvPr id="13" name="Graphic 38">
+            <a:extLst>
+              <a:ext uri="{FF2B5EF4-FFF2-40B4-BE49-F238E27FC236}">
+                <a16:creationId xmlns:a16="http://schemas.microsoft.com/office/drawing/2014/main" id="{7CF625D3-71A3-4F30-A096-8EF334E959D0}"/>
+              </a:ext>
+              <a:ext uri="{C183D7F6-B498-43B3-948B-1728B52AA6E4}">
+                <adec:decorative xmlns:adec="http://schemas.microsoft.com/office/drawing/2017/decorative" val="1"/>
+              </a:ext>
+            </a:extLst>
+          </p:cNvPr>
+          <p:cNvGrpSpPr>
+            <a:grpSpLocks noGrp="1" noUngrp="1" noRot="1" noChangeAspect="1" noMove="1" noResize="1"/>
+          </p:cNvGrpSpPr>
+          <p:nvPr>
+            <p:extLst>
+              <p:ext uri="{386F3935-93C4-4BCD-93E2-E3B085C9AB24}">
+                <p16:designElem xmlns:p16="http://schemas.microsoft.com/office/powerpoint/2015/main" val="1"/>
+              </p:ext>
+            </p:extLst>
+          </p:nvPr>
+        </p:nvGrpSpPr>
+        <p:grpSpPr>
+          <a:xfrm>
+            <a:off x="0" y="202912"/>
+            <a:ext cx="1910252" cy="709660"/>
+            <a:chOff x="2267504" y="2540250"/>
+            <a:chExt cx="1990951" cy="739640"/>
+          </a:xfrm>
+          <a:solidFill>
+            <a:schemeClr val="bg1"/>
+          </a:solidFill>
+        </p:grpSpPr>
+        <p:sp>
+          <p:nvSpPr>
+            <p:cNvPr id="14" name="Freeform: Shape 13">
+              <a:extLst>
+                <a:ext uri="{FF2B5EF4-FFF2-40B4-BE49-F238E27FC236}">
+                  <a16:creationId xmlns:a16="http://schemas.microsoft.com/office/drawing/2014/main" id="{C6754E2F-F56E-4BA3-99DD-8EBF110E3437}"/>
+                </a:ext>
+                <a:ext uri="{C183D7F6-B498-43B3-948B-1728B52AA6E4}">
+                  <adec:decorative xmlns:adec="http://schemas.microsoft.com/office/drawing/2017/decorative" val="1"/>
+                </a:ext>
+              </a:extLst>
+            </p:cNvPr>
+            <p:cNvSpPr/>
+            <p:nvPr>
+              <p:extLst>
+                <p:ext uri="{386F3935-93C4-4BCD-93E2-E3B085C9AB24}">
+                  <p16:designElem xmlns:p16="http://schemas.microsoft.com/office/powerpoint/2015/main" val="1"/>
+                </p:ext>
+              </p:extLst>
+            </p:nvPr>
+          </p:nvSpPr>
+          <p:spPr>
+            <a:xfrm>
+              <a:off x="2267504" y="2540250"/>
+              <a:ext cx="1990951" cy="286230"/>
+            </a:xfrm>
+            <a:custGeom>
+              <a:avLst/>
+              <a:gdLst>
+                <a:gd name="connsiteX0" fmla="*/ 1489414 w 1990951"/>
+                <a:gd name="connsiteY0" fmla="*/ 286231 h 286230"/>
+                <a:gd name="connsiteX1" fmla="*/ 1243712 w 1990951"/>
+                <a:gd name="connsiteY1" fmla="*/ 40528 h 286230"/>
+                <a:gd name="connsiteX2" fmla="*/ 995476 w 1990951"/>
+                <a:gd name="connsiteY2" fmla="*/ 286231 h 286230"/>
+                <a:gd name="connsiteX3" fmla="*/ 749773 w 1990951"/>
+                <a:gd name="connsiteY3" fmla="*/ 40528 h 286230"/>
+                <a:gd name="connsiteX4" fmla="*/ 504071 w 1990951"/>
+                <a:gd name="connsiteY4" fmla="*/ 286231 h 286230"/>
+                <a:gd name="connsiteX5" fmla="*/ 255835 w 1990951"/>
+                <a:gd name="connsiteY5" fmla="*/ 40528 h 286230"/>
+                <a:gd name="connsiteX6" fmla="*/ 20264 w 1990951"/>
+                <a:gd name="connsiteY6" fmla="*/ 276099 h 286230"/>
+                <a:gd name="connsiteX7" fmla="*/ 0 w 1990951"/>
+                <a:gd name="connsiteY7" fmla="*/ 255835 h 286230"/>
+                <a:gd name="connsiteX8" fmla="*/ 255835 w 1990951"/>
+                <a:gd name="connsiteY8" fmla="*/ 0 h 286230"/>
+                <a:gd name="connsiteX9" fmla="*/ 504071 w 1990951"/>
+                <a:gd name="connsiteY9" fmla="*/ 245703 h 286230"/>
+                <a:gd name="connsiteX10" fmla="*/ 749773 w 1990951"/>
+                <a:gd name="connsiteY10" fmla="*/ 0 h 286230"/>
+                <a:gd name="connsiteX11" fmla="*/ 995476 w 1990951"/>
+                <a:gd name="connsiteY11" fmla="*/ 245703 h 286230"/>
+                <a:gd name="connsiteX12" fmla="*/ 1243712 w 1990951"/>
+                <a:gd name="connsiteY12" fmla="*/ 0 h 286230"/>
+                <a:gd name="connsiteX13" fmla="*/ 1489414 w 1990951"/>
+                <a:gd name="connsiteY13" fmla="*/ 245703 h 286230"/>
+                <a:gd name="connsiteX14" fmla="*/ 1735117 w 1990951"/>
+                <a:gd name="connsiteY14" fmla="*/ 0 h 286230"/>
+                <a:gd name="connsiteX15" fmla="*/ 1990952 w 1990951"/>
+                <a:gd name="connsiteY15" fmla="*/ 255835 h 286230"/>
+                <a:gd name="connsiteX16" fmla="*/ 1973221 w 1990951"/>
+                <a:gd name="connsiteY16" fmla="*/ 276099 h 286230"/>
+                <a:gd name="connsiteX17" fmla="*/ 1735117 w 1990951"/>
+                <a:gd name="connsiteY17" fmla="*/ 40528 h 286230"/>
+              </a:gdLst>
+              <a:ahLst/>
+              <a:cxnLst>
+                <a:cxn ang="0">
+                  <a:pos x="connsiteX0" y="connsiteY0"/>
+                </a:cxn>
+                <a:cxn ang="0">
+                  <a:pos x="connsiteX1" y="connsiteY1"/>
+                </a:cxn>
+                <a:cxn ang="0">
+                  <a:pos x="connsiteX2" y="connsiteY2"/>
+                </a:cxn>
+                <a:cxn ang="0">
+                  <a:pos x="connsiteX3" y="connsiteY3"/>
+                </a:cxn>
+                <a:cxn ang="0">
+                  <a:pos x="connsiteX4" y="connsiteY4"/>
+                </a:cxn>
+                <a:cxn ang="0">
+                  <a:pos x="connsiteX5" y="connsiteY5"/>
+                </a:cxn>
+                <a:cxn ang="0">
+                  <a:pos x="connsiteX6" y="connsiteY6"/>
+                </a:cxn>
+                <a:cxn ang="0">
+                  <a:pos x="connsiteX7" y="connsiteY7"/>
+                </a:cxn>
+                <a:cxn ang="0">
+                  <a:pos x="connsiteX8" y="connsiteY8"/>
+                </a:cxn>
+                <a:cxn ang="0">
+                  <a:pos x="connsiteX9" y="connsiteY9"/>
+                </a:cxn>
+                <a:cxn ang="0">
+                  <a:pos x="connsiteX10" y="connsiteY10"/>
+                </a:cxn>
+                <a:cxn ang="0">
+                  <a:pos x="connsiteX11" y="connsiteY11"/>
+                </a:cxn>
+                <a:cxn ang="0">
+                  <a:pos x="connsiteX12" y="connsiteY12"/>
+                </a:cxn>
+                <a:cxn ang="0">
+                  <a:pos x="connsiteX13" y="connsiteY13"/>
+                </a:cxn>
+                <a:cxn ang="0">
+                  <a:pos x="connsiteX14" y="connsiteY14"/>
+                </a:cxn>
+                <a:cxn ang="0">
+                  <a:pos x="connsiteX15" y="connsiteY15"/>
+                </a:cxn>
+                <a:cxn ang="0">
+                  <a:pos x="connsiteX16" y="connsiteY16"/>
+                </a:cxn>
+                <a:cxn ang="0">
+                  <a:pos x="connsiteX17" y="connsiteY17"/>
+                </a:cxn>
+              </a:cxnLst>
+              <a:rect l="l" t="t" r="r" b="b"/>
+              <a:pathLst>
+                <a:path w="1990951" h="286230">
+                  <a:moveTo>
+                    <a:pt x="1489414" y="286231"/>
+                  </a:moveTo>
+                  <a:lnTo>
+                    <a:pt x="1243712" y="40528"/>
+                  </a:lnTo>
+                  <a:lnTo>
+                    <a:pt x="995476" y="286231"/>
+                  </a:lnTo>
+                  <a:lnTo>
+                    <a:pt x="749773" y="40528"/>
+                  </a:lnTo>
+                  <a:lnTo>
+                    <a:pt x="504071" y="286231"/>
+                  </a:lnTo>
+                  <a:lnTo>
+                    <a:pt x="255835" y="40528"/>
+                  </a:lnTo>
+                  <a:lnTo>
+                    <a:pt x="20264" y="276099"/>
+                  </a:lnTo>
+                  <a:lnTo>
+                    <a:pt x="0" y="255835"/>
+                  </a:lnTo>
+                  <a:lnTo>
+                    <a:pt x="255835" y="0"/>
+                  </a:lnTo>
+                  <a:lnTo>
+                    <a:pt x="504071" y="245703"/>
+                  </a:lnTo>
+                  <a:lnTo>
+                    <a:pt x="749773" y="0"/>
+                  </a:lnTo>
+                  <a:lnTo>
+                    <a:pt x="995476" y="245703"/>
+                  </a:lnTo>
+                  <a:lnTo>
+                    <a:pt x="1243712" y="0"/>
+                  </a:lnTo>
+                  <a:lnTo>
+                    <a:pt x="1489414" y="245703"/>
+                  </a:lnTo>
+                  <a:lnTo>
+                    <a:pt x="1735117" y="0"/>
+                  </a:lnTo>
+                  <a:lnTo>
+                    <a:pt x="1990952" y="255835"/>
+                  </a:lnTo>
+                  <a:lnTo>
+                    <a:pt x="1973221" y="276099"/>
+                  </a:lnTo>
+                  <a:lnTo>
+                    <a:pt x="1735117" y="40528"/>
+                  </a:lnTo>
+                  <a:close/>
+                </a:path>
+              </a:pathLst>
+            </a:custGeom>
+            <a:grpFill/>
+            <a:ln w="25320" cap="flat">
+              <a:noFill/>
+              <a:prstDash val="solid"/>
+              <a:miter/>
+            </a:ln>
+          </p:spPr>
+          <p:txBody>
+            <a:bodyPr rtlCol="0" anchor="ctr"/>
+            <a:lstStyle/>
+            <a:p>
+              <a:endParaRPr lang="en-US"/>
+            </a:p>
+          </p:txBody>
+        </p:sp>
+        <p:sp>
+          <p:nvSpPr>
+            <p:cNvPr id="15" name="Freeform: Shape 14">
+              <a:extLst>
+                <a:ext uri="{FF2B5EF4-FFF2-40B4-BE49-F238E27FC236}">
+                  <a16:creationId xmlns:a16="http://schemas.microsoft.com/office/drawing/2014/main" id="{24A69059-7C49-49C6-B071-F2A9B558E029}"/>
+                </a:ext>
+                <a:ext uri="{C183D7F6-B498-43B3-948B-1728B52AA6E4}">
+                  <adec:decorative xmlns:adec="http://schemas.microsoft.com/office/drawing/2017/decorative" val="1"/>
+                </a:ext>
+              </a:extLst>
+            </p:cNvPr>
+            <p:cNvSpPr/>
+            <p:nvPr>
+              <p:extLst>
+                <p:ext uri="{386F3935-93C4-4BCD-93E2-E3B085C9AB24}">
+                  <p16:designElem xmlns:p16="http://schemas.microsoft.com/office/powerpoint/2015/main" val="1"/>
+                </p:ext>
+              </p:extLst>
+            </p:nvPr>
+          </p:nvSpPr>
+          <p:spPr>
+            <a:xfrm>
+              <a:off x="2267504" y="2993660"/>
+              <a:ext cx="1990951" cy="286230"/>
+            </a:xfrm>
+            <a:custGeom>
+              <a:avLst/>
+              <a:gdLst>
+                <a:gd name="connsiteX0" fmla="*/ 1489414 w 1990951"/>
+                <a:gd name="connsiteY0" fmla="*/ 286231 h 286230"/>
+                <a:gd name="connsiteX1" fmla="*/ 1243712 w 1990951"/>
+                <a:gd name="connsiteY1" fmla="*/ 40528 h 286230"/>
+                <a:gd name="connsiteX2" fmla="*/ 995476 w 1990951"/>
+                <a:gd name="connsiteY2" fmla="*/ 286231 h 286230"/>
+                <a:gd name="connsiteX3" fmla="*/ 749773 w 1990951"/>
+                <a:gd name="connsiteY3" fmla="*/ 40528 h 286230"/>
+                <a:gd name="connsiteX4" fmla="*/ 504071 w 1990951"/>
+                <a:gd name="connsiteY4" fmla="*/ 286231 h 286230"/>
+                <a:gd name="connsiteX5" fmla="*/ 255835 w 1990951"/>
+                <a:gd name="connsiteY5" fmla="*/ 40528 h 286230"/>
+                <a:gd name="connsiteX6" fmla="*/ 20264 w 1990951"/>
+                <a:gd name="connsiteY6" fmla="*/ 276099 h 286230"/>
+                <a:gd name="connsiteX7" fmla="*/ 0 w 1990951"/>
+                <a:gd name="connsiteY7" fmla="*/ 258368 h 286230"/>
+                <a:gd name="connsiteX8" fmla="*/ 255835 w 1990951"/>
+                <a:gd name="connsiteY8" fmla="*/ 0 h 286230"/>
+                <a:gd name="connsiteX9" fmla="*/ 504071 w 1990951"/>
+                <a:gd name="connsiteY9" fmla="*/ 248236 h 286230"/>
+                <a:gd name="connsiteX10" fmla="*/ 749773 w 1990951"/>
+                <a:gd name="connsiteY10" fmla="*/ 0 h 286230"/>
+                <a:gd name="connsiteX11" fmla="*/ 995476 w 1990951"/>
+                <a:gd name="connsiteY11" fmla="*/ 248236 h 286230"/>
+                <a:gd name="connsiteX12" fmla="*/ 1243712 w 1990951"/>
+                <a:gd name="connsiteY12" fmla="*/ 0 h 286230"/>
+                <a:gd name="connsiteX13" fmla="*/ 1489414 w 1990951"/>
+                <a:gd name="connsiteY13" fmla="*/ 248236 h 286230"/>
+                <a:gd name="connsiteX14" fmla="*/ 1735117 w 1990951"/>
+                <a:gd name="connsiteY14" fmla="*/ 0 h 286230"/>
+                <a:gd name="connsiteX15" fmla="*/ 1990952 w 1990951"/>
+                <a:gd name="connsiteY15" fmla="*/ 258368 h 286230"/>
+                <a:gd name="connsiteX16" fmla="*/ 1973221 w 1990951"/>
+                <a:gd name="connsiteY16" fmla="*/ 276099 h 286230"/>
+                <a:gd name="connsiteX17" fmla="*/ 1735117 w 1990951"/>
+                <a:gd name="connsiteY17" fmla="*/ 40528 h 286230"/>
+              </a:gdLst>
+              <a:ahLst/>
+              <a:cxnLst>
+                <a:cxn ang="0">
+                  <a:pos x="connsiteX0" y="connsiteY0"/>
+                </a:cxn>
+                <a:cxn ang="0">
+                  <a:pos x="connsiteX1" y="connsiteY1"/>
+                </a:cxn>
+                <a:cxn ang="0">
+                  <a:pos x="connsiteX2" y="connsiteY2"/>
+                </a:cxn>
+                <a:cxn ang="0">
+                  <a:pos x="connsiteX3" y="connsiteY3"/>
+                </a:cxn>
+                <a:cxn ang="0">
+                  <a:pos x="connsiteX4" y="connsiteY4"/>
+                </a:cxn>
+                <a:cxn ang="0">
+                  <a:pos x="connsiteX5" y="connsiteY5"/>
+                </a:cxn>
+                <a:cxn ang="0">
+                  <a:pos x="connsiteX6" y="connsiteY6"/>
+                </a:cxn>
+                <a:cxn ang="0">
+                  <a:pos x="connsiteX7" y="connsiteY7"/>
+                </a:cxn>
+                <a:cxn ang="0">
+                  <a:pos x="connsiteX8" y="connsiteY8"/>
+                </a:cxn>
+                <a:cxn ang="0">
+                  <a:pos x="connsiteX9" y="connsiteY9"/>
+                </a:cxn>
+                <a:cxn ang="0">
+                  <a:pos x="connsiteX10" y="connsiteY10"/>
+                </a:cxn>
+                <a:cxn ang="0">
+                  <a:pos x="connsiteX11" y="connsiteY11"/>
+                </a:cxn>
+                <a:cxn ang="0">
+                  <a:pos x="connsiteX12" y="connsiteY12"/>
+                </a:cxn>
+                <a:cxn ang="0">
+                  <a:pos x="connsiteX13" y="connsiteY13"/>
+                </a:cxn>
+                <a:cxn ang="0">
+                  <a:pos x="connsiteX14" y="connsiteY14"/>
+                </a:cxn>
+                <a:cxn ang="0">
+                  <a:pos x="connsiteX15" y="connsiteY15"/>
+                </a:cxn>
+                <a:cxn ang="0">
+                  <a:pos x="connsiteX16" y="connsiteY16"/>
+                </a:cxn>
+                <a:cxn ang="0">
+                  <a:pos x="connsiteX17" y="connsiteY17"/>
+                </a:cxn>
+              </a:cxnLst>
+              <a:rect l="l" t="t" r="r" b="b"/>
+              <a:pathLst>
+                <a:path w="1990951" h="286230">
+                  <a:moveTo>
+                    <a:pt x="1489414" y="286231"/>
+                  </a:moveTo>
+                  <a:lnTo>
+                    <a:pt x="1243712" y="40528"/>
+                  </a:lnTo>
+                  <a:lnTo>
+                    <a:pt x="995476" y="286231"/>
+                  </a:lnTo>
+                  <a:lnTo>
+                    <a:pt x="749773" y="40528"/>
+                  </a:lnTo>
+                  <a:lnTo>
+                    <a:pt x="504071" y="286231"/>
+                  </a:lnTo>
+                  <a:lnTo>
+                    <a:pt x="255835" y="40528"/>
+                  </a:lnTo>
+                  <a:lnTo>
+                    <a:pt x="20264" y="276099"/>
+                  </a:lnTo>
+                  <a:lnTo>
+                    <a:pt x="0" y="258368"/>
+                  </a:lnTo>
+                  <a:lnTo>
+                    <a:pt x="255835" y="0"/>
+                  </a:lnTo>
+                  <a:lnTo>
+                    <a:pt x="504071" y="248236"/>
+                  </a:lnTo>
+                  <a:lnTo>
+                    <a:pt x="749773" y="0"/>
+                  </a:lnTo>
+                  <a:lnTo>
+                    <a:pt x="995476" y="248236"/>
+                  </a:lnTo>
+                  <a:lnTo>
+                    <a:pt x="1243712" y="0"/>
+                  </a:lnTo>
+                  <a:lnTo>
+                    <a:pt x="1489414" y="248236"/>
+                  </a:lnTo>
+                  <a:lnTo>
+                    <a:pt x="1735117" y="0"/>
+                  </a:lnTo>
+                  <a:lnTo>
+                    <a:pt x="1990952" y="258368"/>
+                  </a:lnTo>
+                  <a:lnTo>
+                    <a:pt x="1973221" y="276099"/>
+                  </a:lnTo>
+                  <a:lnTo>
+                    <a:pt x="1735117" y="40528"/>
+                  </a:lnTo>
+                  <a:close/>
+                </a:path>
+              </a:pathLst>
+            </a:custGeom>
+            <a:grpFill/>
+            <a:ln w="25320" cap="flat">
+              <a:noFill/>
+              <a:prstDash val="solid"/>
+              <a:miter/>
+            </a:ln>
+          </p:spPr>
+          <p:txBody>
+            <a:bodyPr rtlCol="0" anchor="ctr"/>
+            <a:lstStyle/>
+            <a:p>
+              <a:endParaRPr lang="en-US"/>
+            </a:p>
+          </p:txBody>
+        </p:sp>
+      </p:grpSp>
+      <p:sp>
+        <p:nvSpPr>
+          <p:cNvPr id="17" name="Oval 16">
+            <a:extLst>
+              <a:ext uri="{FF2B5EF4-FFF2-40B4-BE49-F238E27FC236}">
+                <a16:creationId xmlns:a16="http://schemas.microsoft.com/office/drawing/2014/main" id="{89D16701-DA76-4F72-BB63-E2C3FFBDFE0F}"/>
+              </a:ext>
+              <a:ext uri="{C183D7F6-B498-43B3-948B-1728B52AA6E4}">
+                <adec:decorative xmlns:adec="http://schemas.microsoft.com/office/drawing/2017/decorative" val="1"/>
+              </a:ext>
+            </a:extLst>
+          </p:cNvPr>
+          <p:cNvSpPr>
+            <a:spLocks noGrp="1" noRot="1" noChangeAspect="1" noMove="1" noResize="1" noEditPoints="1" noAdjustHandles="1" noChangeArrowheads="1" noChangeShapeType="1" noTextEdit="1"/>
+          </p:cNvSpPr>
+          <p:nvPr>
+            <p:extLst>
+              <p:ext uri="{386F3935-93C4-4BCD-93E2-E3B085C9AB24}">
+                <p16:designElem xmlns:p16="http://schemas.microsoft.com/office/powerpoint/2015/main" val="1"/>
+              </p:ext>
+            </p:extLst>
+          </p:nvPr>
+        </p:nvSpPr>
+        <p:spPr>
+          <a:xfrm>
+            <a:off x="406260" y="4752208"/>
+            <a:ext cx="365021" cy="365021"/>
+          </a:xfrm>
+          <a:prstGeom prst="ellipse">
+            <a:avLst/>
+          </a:prstGeom>
+          <a:solidFill>
+            <a:srgbClr val="FFFFFF"/>
+          </a:solidFill>
+          <a:ln w="28575">
+            <a:solidFill>
+              <a:srgbClr val="FFFFFF"/>
+            </a:solidFill>
+          </a:ln>
+        </p:spPr>
+        <p:style>
+          <a:lnRef idx="2">
+            <a:schemeClr val="accent1">
+              <a:shade val="50000"/>
+            </a:schemeClr>
+          </a:lnRef>
+          <a:fillRef idx="1">
+            <a:schemeClr val="accent1"/>
+          </a:fillRef>
+          <a:effectRef idx="0">
+            <a:schemeClr val="accent1"/>
+          </a:effectRef>
+          <a:fontRef idx="minor">
+            <a:schemeClr val="lt1"/>
+          </a:fontRef>
+        </p:style>
+        <p:txBody>
+          <a:bodyPr rot="0" spcFirstLastPara="0" vertOverflow="overflow" horzOverflow="overflow" vert="horz" wrap="square" lIns="91440" tIns="45720" rIns="91440" bIns="45720" numCol="1" spcCol="0" rtlCol="0" fromWordArt="0" anchor="ctr" anchorCtr="0" forceAA="0" compatLnSpc="1">
+            <a:prstTxWarp prst="textNoShape">
+              <a:avLst/>
+            </a:prstTxWarp>
+            <a:noAutofit/>
+          </a:bodyPr>
+          <a:lstStyle/>
+          <a:p>
+            <a:pPr algn="ctr"/>
+            <a:endParaRPr lang="en-US"/>
+          </a:p>
+        </p:txBody>
+      </p:sp>
+      <p:sp>
+        <p:nvSpPr>
+          <p:cNvPr id="19" name="Oval 18">
+            <a:extLst>
+              <a:ext uri="{FF2B5EF4-FFF2-40B4-BE49-F238E27FC236}">
+                <a16:creationId xmlns:a16="http://schemas.microsoft.com/office/drawing/2014/main" id="{1CC28BE1-9DC6-43FE-9582-39F091098D77}"/>
+              </a:ext>
+              <a:ext uri="{C183D7F6-B498-43B3-948B-1728B52AA6E4}">
+                <adec:decorative xmlns:adec="http://schemas.microsoft.com/office/drawing/2017/decorative" val="1"/>
+              </a:ext>
+            </a:extLst>
+          </p:cNvPr>
+          <p:cNvSpPr>
+            <a:spLocks noGrp="1" noRot="1" noChangeAspect="1" noMove="1" noResize="1" noEditPoints="1" noAdjustHandles="1" noChangeArrowheads="1" noChangeShapeType="1" noTextEdit="1"/>
+          </p:cNvSpPr>
+          <p:nvPr>
+            <p:extLst>
+              <p:ext uri="{386F3935-93C4-4BCD-93E2-E3B085C9AB24}">
+                <p16:designElem xmlns:p16="http://schemas.microsoft.com/office/powerpoint/2015/main" val="1"/>
+              </p:ext>
+            </p:extLst>
+          </p:nvPr>
+        </p:nvSpPr>
+        <p:spPr>
+          <a:xfrm>
+            <a:off x="406260" y="4752208"/>
+            <a:ext cx="365021" cy="365021"/>
+          </a:xfrm>
+          <a:prstGeom prst="ellipse">
+            <a:avLst/>
+          </a:prstGeom>
+          <a:solidFill>
+            <a:schemeClr val="accent6">
+              <a:alpha val="30000"/>
+            </a:schemeClr>
+          </a:solidFill>
+          <a:ln w="28575">
+            <a:solidFill>
+              <a:schemeClr val="bg1"/>
+            </a:solidFill>
+          </a:ln>
+        </p:spPr>
+        <p:style>
+          <a:lnRef idx="2">
+            <a:schemeClr val="accent1">
+              <a:shade val="50000"/>
+            </a:schemeClr>
+          </a:lnRef>
+          <a:fillRef idx="1">
+            <a:schemeClr val="accent1"/>
+          </a:fillRef>
+          <a:effectRef idx="0">
+            <a:schemeClr val="accent1"/>
+          </a:effectRef>
+          <a:fontRef idx="minor">
+            <a:schemeClr val="lt1"/>
+          </a:fontRef>
+        </p:style>
+        <p:txBody>
+          <a:bodyPr rot="0" spcFirstLastPara="0" vertOverflow="overflow" horzOverflow="overflow" vert="horz" wrap="square" lIns="91440" tIns="45720" rIns="91440" bIns="45720" numCol="1" spcCol="0" rtlCol="0" fromWordArt="0" anchor="ctr" anchorCtr="0" forceAA="0" compatLnSpc="1">
+            <a:prstTxWarp prst="textNoShape">
+              <a:avLst/>
+            </a:prstTxWarp>
+            <a:noAutofit/>
+          </a:bodyPr>
+          <a:lstStyle/>
+          <a:p>
+            <a:pPr algn="ctr"/>
+            <a:endParaRPr lang="en-US"/>
+          </a:p>
+        </p:txBody>
+      </p:sp>
+      <p:grpSp>
+        <p:nvGrpSpPr>
+          <p:cNvPr id="21" name="Graphic 4">
+            <a:extLst>
+              <a:ext uri="{FF2B5EF4-FFF2-40B4-BE49-F238E27FC236}">
+                <a16:creationId xmlns:a16="http://schemas.microsoft.com/office/drawing/2014/main" id="{AF9AF3F3-CE0C-4125-BDD7-346487FA0B40}"/>
+              </a:ext>
+              <a:ext uri="{C183D7F6-B498-43B3-948B-1728B52AA6E4}">
+                <adec:decorative xmlns:adec="http://schemas.microsoft.com/office/drawing/2017/decorative" val="1"/>
+              </a:ext>
+            </a:extLst>
+          </p:cNvPr>
+          <p:cNvGrpSpPr>
+            <a:grpSpLocks noGrp="1" noUngrp="1" noRot="1" noChangeAspect="1" noMove="1" noResize="1"/>
+          </p:cNvGrpSpPr>
+          <p:nvPr>
+            <p:extLst>
+              <p:ext uri="{386F3935-93C4-4BCD-93E2-E3B085C9AB24}">
+                <p16:designElem xmlns:p16="http://schemas.microsoft.com/office/powerpoint/2015/main" val="1"/>
+              </p:ext>
+            </p:extLst>
+          </p:nvPr>
+        </p:nvGrpSpPr>
+        <p:grpSpPr>
+          <a:xfrm>
+            <a:off x="4109667" y="5539935"/>
+            <a:ext cx="975169" cy="975171"/>
+            <a:chOff x="5829300" y="3162300"/>
+            <a:chExt cx="532256" cy="532257"/>
+          </a:xfrm>
+          <a:solidFill>
+            <a:schemeClr val="bg1"/>
+          </a:solidFill>
+        </p:grpSpPr>
+        <p:sp>
+          <p:nvSpPr>
+            <p:cNvPr id="22" name="Freeform: Shape 21">
+              <a:extLst>
+                <a:ext uri="{FF2B5EF4-FFF2-40B4-BE49-F238E27FC236}">
+                  <a16:creationId xmlns:a16="http://schemas.microsoft.com/office/drawing/2014/main" id="{B31DFBFA-CF4D-4940-9086-26F83E5C6BB2}"/>
+                </a:ext>
+                <a:ext uri="{C183D7F6-B498-43B3-948B-1728B52AA6E4}">
+                  <adec:decorative xmlns:adec="http://schemas.microsoft.com/office/drawing/2017/decorative" val="1"/>
+                </a:ext>
+              </a:extLst>
+            </p:cNvPr>
+            <p:cNvSpPr/>
+            <p:nvPr>
+              <p:extLst>
+                <p:ext uri="{386F3935-93C4-4BCD-93E2-E3B085C9AB24}">
+                  <p16:designElem xmlns:p16="http://schemas.microsoft.com/office/powerpoint/2015/main" val="1"/>
+                </p:ext>
+              </p:extLst>
+            </p:nvPr>
+          </p:nvSpPr>
+          <p:spPr>
+            <a:xfrm>
+              <a:off x="5859208" y="3192208"/>
+              <a:ext cx="112966" cy="112966"/>
+            </a:xfrm>
+            <a:custGeom>
+              <a:avLst/>
+              <a:gdLst>
+                <a:gd name="connsiteX0" fmla="*/ 112967 w 112966"/>
+                <a:gd name="connsiteY0" fmla="*/ 0 h 112966"/>
+                <a:gd name="connsiteX1" fmla="*/ 0 w 112966"/>
+                <a:gd name="connsiteY1" fmla="*/ 112967 h 112966"/>
+                <a:gd name="connsiteX2" fmla="*/ 112967 w 112966"/>
+                <a:gd name="connsiteY2" fmla="*/ 0 h 112966"/>
+              </a:gdLst>
+              <a:ahLst/>
+              <a:cxnLst>
+                <a:cxn ang="0">
+                  <a:pos x="connsiteX0" y="connsiteY0"/>
+                </a:cxn>
+                <a:cxn ang="0">
+                  <a:pos x="connsiteX1" y="connsiteY1"/>
+                </a:cxn>
+                <a:cxn ang="0">
+                  <a:pos x="connsiteX2" y="connsiteY2"/>
+                </a:cxn>
+              </a:cxnLst>
+              <a:rect l="l" t="t" r="r" b="b"/>
+              <a:pathLst>
+                <a:path w="112966" h="112966">
+                  <a:moveTo>
+                    <a:pt x="112967" y="0"/>
+                  </a:moveTo>
+                  <a:lnTo>
+                    <a:pt x="0" y="112967"/>
+                  </a:lnTo>
+                  <a:cubicBezTo>
+                    <a:pt x="25356" y="64747"/>
+                    <a:pt x="64747" y="25356"/>
+                    <a:pt x="112967" y="0"/>
+                  </a:cubicBezTo>
+                  <a:close/>
+                </a:path>
+              </a:pathLst>
+            </a:custGeom>
+            <a:grpFill/>
+            <a:ln w="9525" cap="flat">
+              <a:noFill/>
+              <a:prstDash val="solid"/>
+              <a:miter/>
+            </a:ln>
+          </p:spPr>
+          <p:txBody>
+            <a:bodyPr rtlCol="0" anchor="ctr"/>
+            <a:lstStyle/>
+            <a:p>
+              <a:endParaRPr lang="en-US"/>
+            </a:p>
+          </p:txBody>
+        </p:sp>
+        <p:sp>
+          <p:nvSpPr>
+            <p:cNvPr id="23" name="Freeform: Shape 22">
+              <a:extLst>
+                <a:ext uri="{FF2B5EF4-FFF2-40B4-BE49-F238E27FC236}">
+                  <a16:creationId xmlns:a16="http://schemas.microsoft.com/office/drawing/2014/main" id="{27854033-BD20-4C77-8C5B-048F4B3BDD06}"/>
+                </a:ext>
+                <a:ext uri="{C183D7F6-B498-43B3-948B-1728B52AA6E4}">
+                  <adec:decorative xmlns:adec="http://schemas.microsoft.com/office/drawing/2017/decorative" val="1"/>
+                </a:ext>
+              </a:extLst>
+            </p:cNvPr>
+            <p:cNvSpPr/>
+            <p:nvPr>
+              <p:extLst>
+                <p:ext uri="{386F3935-93C4-4BCD-93E2-E3B085C9AB24}">
+                  <p16:designElem xmlns:p16="http://schemas.microsoft.com/office/powerpoint/2015/main" val="1"/>
+                </p:ext>
+              </p:extLst>
+            </p:nvPr>
+          </p:nvSpPr>
+          <p:spPr>
+            <a:xfrm>
+              <a:off x="5831205" y="3164205"/>
+              <a:ext cx="230314" cy="230314"/>
+            </a:xfrm>
+            <a:custGeom>
+              <a:avLst/>
+              <a:gdLst>
+                <a:gd name="connsiteX0" fmla="*/ 230314 w 230314"/>
+                <a:gd name="connsiteY0" fmla="*/ 0 h 230314"/>
+                <a:gd name="connsiteX1" fmla="*/ 0 w 230314"/>
+                <a:gd name="connsiteY1" fmla="*/ 230314 h 230314"/>
+                <a:gd name="connsiteX2" fmla="*/ 3524 w 230314"/>
+                <a:gd name="connsiteY2" fmla="*/ 209550 h 230314"/>
+                <a:gd name="connsiteX3" fmla="*/ 209550 w 230314"/>
+                <a:gd name="connsiteY3" fmla="*/ 3524 h 230314"/>
+                <a:gd name="connsiteX4" fmla="*/ 230314 w 230314"/>
+                <a:gd name="connsiteY4" fmla="*/ 0 h 230314"/>
+              </a:gdLst>
+              <a:ahLst/>
+              <a:cxnLst>
+                <a:cxn ang="0">
+                  <a:pos x="connsiteX0" y="connsiteY0"/>
+                </a:cxn>
+                <a:cxn ang="0">
+                  <a:pos x="connsiteX1" y="connsiteY1"/>
+                </a:cxn>
+                <a:cxn ang="0">
+                  <a:pos x="connsiteX2" y="connsiteY2"/>
+                </a:cxn>
+                <a:cxn ang="0">
+                  <a:pos x="connsiteX3" y="connsiteY3"/>
+                </a:cxn>
+                <a:cxn ang="0">
+                  <a:pos x="connsiteX4" y="connsiteY4"/>
+                </a:cxn>
+              </a:cxnLst>
+              <a:rect l="l" t="t" r="r" b="b"/>
+              <a:pathLst>
+                <a:path w="230314" h="230314">
+                  <a:moveTo>
+                    <a:pt x="230314" y="0"/>
+                  </a:moveTo>
+                  <a:lnTo>
+                    <a:pt x="0" y="230314"/>
+                  </a:lnTo>
+                  <a:cubicBezTo>
+                    <a:pt x="953" y="223361"/>
+                    <a:pt x="2095" y="216408"/>
+                    <a:pt x="3524" y="209550"/>
+                  </a:cubicBezTo>
+                  <a:lnTo>
+                    <a:pt x="209550" y="3524"/>
+                  </a:lnTo>
+                  <a:cubicBezTo>
+                    <a:pt x="216408" y="2095"/>
+                    <a:pt x="223361" y="953"/>
+                    <a:pt x="230314" y="0"/>
+                  </a:cubicBezTo>
+                  <a:close/>
+                </a:path>
+              </a:pathLst>
+            </a:custGeom>
+            <a:grpFill/>
+            <a:ln w="9525" cap="flat">
+              <a:noFill/>
+              <a:prstDash val="solid"/>
+              <a:miter/>
+            </a:ln>
+          </p:spPr>
+          <p:txBody>
+            <a:bodyPr rtlCol="0" anchor="ctr"/>
+            <a:lstStyle/>
+            <a:p>
+              <a:endParaRPr lang="en-US"/>
+            </a:p>
+          </p:txBody>
+        </p:sp>
+        <p:sp>
+          <p:nvSpPr>
+            <p:cNvPr id="24" name="Freeform: Shape 23">
+              <a:extLst>
+                <a:ext uri="{FF2B5EF4-FFF2-40B4-BE49-F238E27FC236}">
+                  <a16:creationId xmlns:a16="http://schemas.microsoft.com/office/drawing/2014/main" id="{BC93AA74-BEB3-444F-835B-7AA6ECE61784}"/>
+                </a:ext>
+                <a:ext uri="{C183D7F6-B498-43B3-948B-1728B52AA6E4}">
+                  <adec:decorative xmlns:adec="http://schemas.microsoft.com/office/drawing/2017/decorative" val="1"/>
+                </a:ext>
+              </a:extLst>
+            </p:cNvPr>
+            <p:cNvSpPr/>
+            <p:nvPr>
+              <p:extLst>
+                <p:ext uri="{386F3935-93C4-4BCD-93E2-E3B085C9AB24}">
+                  <p16:designElem xmlns:p16="http://schemas.microsoft.com/office/powerpoint/2015/main" val="1"/>
+                </p:ext>
+              </p:extLst>
+            </p:nvPr>
+          </p:nvSpPr>
+          <p:spPr>
+            <a:xfrm>
+              <a:off x="5829300" y="3162300"/>
+              <a:ext cx="294131" cy="294131"/>
+            </a:xfrm>
+            <a:custGeom>
+              <a:avLst/>
+              <a:gdLst>
+                <a:gd name="connsiteX0" fmla="*/ 294132 w 294131"/>
+                <a:gd name="connsiteY0" fmla="*/ 1238 h 294131"/>
+                <a:gd name="connsiteX1" fmla="*/ 1238 w 294131"/>
+                <a:gd name="connsiteY1" fmla="*/ 294132 h 294131"/>
+                <a:gd name="connsiteX2" fmla="*/ 0 w 294131"/>
+                <a:gd name="connsiteY2" fmla="*/ 278225 h 294131"/>
+                <a:gd name="connsiteX3" fmla="*/ 278225 w 294131"/>
+                <a:gd name="connsiteY3" fmla="*/ 0 h 294131"/>
+                <a:gd name="connsiteX4" fmla="*/ 294132 w 294131"/>
+                <a:gd name="connsiteY4" fmla="*/ 1238 h 294131"/>
+              </a:gdLst>
+              <a:ahLst/>
+              <a:cxnLst>
+                <a:cxn ang="0">
+                  <a:pos x="connsiteX0" y="connsiteY0"/>
+                </a:cxn>
+                <a:cxn ang="0">
+                  <a:pos x="connsiteX1" y="connsiteY1"/>
+                </a:cxn>
+                <a:cxn ang="0">
+                  <a:pos x="connsiteX2" y="connsiteY2"/>
+                </a:cxn>
+                <a:cxn ang="0">
+                  <a:pos x="connsiteX3" y="connsiteY3"/>
+                </a:cxn>
+                <a:cxn ang="0">
+                  <a:pos x="connsiteX4" y="connsiteY4"/>
+                </a:cxn>
+              </a:cxnLst>
+              <a:rect l="l" t="t" r="r" b="b"/>
+              <a:pathLst>
+                <a:path w="294131" h="294131">
+                  <a:moveTo>
+                    <a:pt x="294132" y="1238"/>
+                  </a:moveTo>
+                  <a:lnTo>
+                    <a:pt x="1238" y="294132"/>
+                  </a:lnTo>
+                  <a:cubicBezTo>
+                    <a:pt x="667" y="288893"/>
+                    <a:pt x="0" y="283559"/>
+                    <a:pt x="0" y="278225"/>
+                  </a:cubicBezTo>
+                  <a:lnTo>
+                    <a:pt x="278225" y="0"/>
+                  </a:lnTo>
+                  <a:cubicBezTo>
+                    <a:pt x="283559" y="0"/>
+                    <a:pt x="288893" y="667"/>
+                    <a:pt x="294132" y="1238"/>
+                  </a:cubicBezTo>
+                  <a:close/>
+                </a:path>
+              </a:pathLst>
+            </a:custGeom>
+            <a:grpFill/>
+            <a:ln w="9525" cap="flat">
+              <a:noFill/>
+              <a:prstDash val="solid"/>
+              <a:miter/>
+            </a:ln>
+          </p:spPr>
+          <p:txBody>
+            <a:bodyPr rtlCol="0" anchor="ctr"/>
+            <a:lstStyle/>
+            <a:p>
+              <a:endParaRPr lang="en-US"/>
+            </a:p>
+          </p:txBody>
+        </p:sp>
+        <p:sp>
+          <p:nvSpPr>
+            <p:cNvPr id="25" name="Freeform: Shape 24">
+              <a:extLst>
+                <a:ext uri="{FF2B5EF4-FFF2-40B4-BE49-F238E27FC236}">
+                  <a16:creationId xmlns:a16="http://schemas.microsoft.com/office/drawing/2014/main" id="{F00DF1C9-6952-4704-B8B3-95406E18E4C5}"/>
+                </a:ext>
+                <a:ext uri="{C183D7F6-B498-43B3-948B-1728B52AA6E4}">
+                  <adec:decorative xmlns:adec="http://schemas.microsoft.com/office/drawing/2017/decorative" val="1"/>
+                </a:ext>
+              </a:extLst>
+            </p:cNvPr>
+            <p:cNvSpPr/>
+            <p:nvPr>
+              <p:extLst>
+                <p:ext uri="{386F3935-93C4-4BCD-93E2-E3B085C9AB24}">
+                  <p16:designElem xmlns:p16="http://schemas.microsoft.com/office/powerpoint/2015/main" val="1"/>
+                </p:ext>
+              </p:extLst>
+            </p:nvPr>
+          </p:nvSpPr>
+          <p:spPr>
+            <a:xfrm>
+              <a:off x="5837205" y="3170110"/>
+              <a:ext cx="337184" cy="337280"/>
+            </a:xfrm>
+            <a:custGeom>
+              <a:avLst/>
+              <a:gdLst>
+                <a:gd name="connsiteX0" fmla="*/ 337185 w 337184"/>
+                <a:gd name="connsiteY0" fmla="*/ 3905 h 337280"/>
+                <a:gd name="connsiteX1" fmla="*/ 3810 w 337184"/>
+                <a:gd name="connsiteY1" fmla="*/ 337280 h 337280"/>
+                <a:gd name="connsiteX2" fmla="*/ 0 w 337184"/>
+                <a:gd name="connsiteY2" fmla="*/ 323850 h 337280"/>
+                <a:gd name="connsiteX3" fmla="*/ 323850 w 337184"/>
+                <a:gd name="connsiteY3" fmla="*/ 0 h 337280"/>
+                <a:gd name="connsiteX4" fmla="*/ 337185 w 337184"/>
+                <a:gd name="connsiteY4" fmla="*/ 3905 h 337280"/>
+              </a:gdLst>
+              <a:ahLst/>
+              <a:cxnLst>
+                <a:cxn ang="0">
+                  <a:pos x="connsiteX0" y="connsiteY0"/>
+                </a:cxn>
+                <a:cxn ang="0">
+                  <a:pos x="connsiteX1" y="connsiteY1"/>
+                </a:cxn>
+                <a:cxn ang="0">
+                  <a:pos x="connsiteX2" y="connsiteY2"/>
+                </a:cxn>
+                <a:cxn ang="0">
+                  <a:pos x="connsiteX3" y="connsiteY3"/>
+                </a:cxn>
+                <a:cxn ang="0">
+                  <a:pos x="connsiteX4" y="connsiteY4"/>
+                </a:cxn>
+              </a:cxnLst>
+              <a:rect l="l" t="t" r="r" b="b"/>
+              <a:pathLst>
+                <a:path w="337184" h="337280">
+                  <a:moveTo>
+                    <a:pt x="337185" y="3905"/>
+                  </a:moveTo>
+                  <a:lnTo>
+                    <a:pt x="3810" y="337280"/>
+                  </a:lnTo>
+                  <a:cubicBezTo>
+                    <a:pt x="2381" y="332899"/>
+                    <a:pt x="1143" y="328422"/>
+                    <a:pt x="0" y="323850"/>
+                  </a:cubicBezTo>
+                  <a:lnTo>
+                    <a:pt x="323850" y="0"/>
+                  </a:lnTo>
+                  <a:cubicBezTo>
+                    <a:pt x="328327" y="1715"/>
+                    <a:pt x="332804" y="2477"/>
+                    <a:pt x="337185" y="3905"/>
+                  </a:cubicBezTo>
+                  <a:close/>
+                </a:path>
+              </a:pathLst>
+            </a:custGeom>
+            <a:grpFill/>
+            <a:ln w="9525" cap="flat">
+              <a:noFill/>
+              <a:prstDash val="solid"/>
+              <a:miter/>
+            </a:ln>
+          </p:spPr>
+          <p:txBody>
+            <a:bodyPr rtlCol="0" anchor="ctr"/>
+            <a:lstStyle/>
+            <a:p>
+              <a:endParaRPr lang="en-US"/>
+            </a:p>
+          </p:txBody>
+        </p:sp>
+        <p:sp>
+          <p:nvSpPr>
+            <p:cNvPr id="26" name="Freeform: Shape 25">
+              <a:extLst>
+                <a:ext uri="{FF2B5EF4-FFF2-40B4-BE49-F238E27FC236}">
+                  <a16:creationId xmlns:a16="http://schemas.microsoft.com/office/drawing/2014/main" id="{B34783FD-297C-40D2-964B-DBAE4DE28357}"/>
+                </a:ext>
+                <a:ext uri="{C183D7F6-B498-43B3-948B-1728B52AA6E4}">
+                  <adec:decorative xmlns:adec="http://schemas.microsoft.com/office/drawing/2017/decorative" val="1"/>
+                </a:ext>
+              </a:extLst>
+            </p:cNvPr>
+            <p:cNvSpPr/>
+            <p:nvPr>
+              <p:extLst>
+                <p:ext uri="{386F3935-93C4-4BCD-93E2-E3B085C9AB24}">
+                  <p16:designElem xmlns:p16="http://schemas.microsoft.com/office/powerpoint/2015/main" val="1"/>
+                </p:ext>
+              </p:extLst>
+            </p:nvPr>
+          </p:nvSpPr>
+          <p:spPr>
+            <a:xfrm>
+              <a:off x="5853207" y="3186207"/>
+              <a:ext cx="364617" cy="364617"/>
+            </a:xfrm>
+            <a:custGeom>
+              <a:avLst/>
+              <a:gdLst>
+                <a:gd name="connsiteX0" fmla="*/ 364617 w 364617"/>
+                <a:gd name="connsiteY0" fmla="*/ 5620 h 364617"/>
+                <a:gd name="connsiteX1" fmla="*/ 5620 w 364617"/>
+                <a:gd name="connsiteY1" fmla="*/ 364617 h 364617"/>
+                <a:gd name="connsiteX2" fmla="*/ 0 w 364617"/>
+                <a:gd name="connsiteY2" fmla="*/ 353187 h 364617"/>
+                <a:gd name="connsiteX3" fmla="*/ 353187 w 364617"/>
+                <a:gd name="connsiteY3" fmla="*/ 0 h 364617"/>
+                <a:gd name="connsiteX4" fmla="*/ 364617 w 364617"/>
+                <a:gd name="connsiteY4" fmla="*/ 5620 h 364617"/>
+              </a:gdLst>
+              <a:ahLst/>
+              <a:cxnLst>
+                <a:cxn ang="0">
+                  <a:pos x="connsiteX0" y="connsiteY0"/>
+                </a:cxn>
+                <a:cxn ang="0">
+                  <a:pos x="connsiteX1" y="connsiteY1"/>
+                </a:cxn>
+                <a:cxn ang="0">
+                  <a:pos x="connsiteX2" y="connsiteY2"/>
+                </a:cxn>
+                <a:cxn ang="0">
+                  <a:pos x="connsiteX3" y="connsiteY3"/>
+                </a:cxn>
+                <a:cxn ang="0">
+                  <a:pos x="connsiteX4" y="connsiteY4"/>
+                </a:cxn>
+              </a:cxnLst>
+              <a:rect l="l" t="t" r="r" b="b"/>
+              <a:pathLst>
+                <a:path w="364617" h="364617">
+                  <a:moveTo>
+                    <a:pt x="364617" y="5620"/>
+                  </a:moveTo>
+                  <a:lnTo>
+                    <a:pt x="5620" y="364617"/>
+                  </a:lnTo>
+                  <a:cubicBezTo>
+                    <a:pt x="3620" y="360902"/>
+                    <a:pt x="1715" y="357092"/>
+                    <a:pt x="0" y="353187"/>
+                  </a:cubicBezTo>
+                  <a:lnTo>
+                    <a:pt x="353187" y="0"/>
+                  </a:lnTo>
+                  <a:cubicBezTo>
+                    <a:pt x="357092" y="1715"/>
+                    <a:pt x="360902" y="3715"/>
+                    <a:pt x="364617" y="5620"/>
+                  </a:cubicBezTo>
+                  <a:close/>
+                </a:path>
+              </a:pathLst>
+            </a:custGeom>
+            <a:grpFill/>
+            <a:ln w="9525" cap="flat">
+              <a:noFill/>
+              <a:prstDash val="solid"/>
+              <a:miter/>
+            </a:ln>
+          </p:spPr>
+          <p:txBody>
+            <a:bodyPr rtlCol="0" anchor="ctr"/>
+            <a:lstStyle/>
+            <a:p>
+              <a:endParaRPr lang="en-US"/>
+            </a:p>
+          </p:txBody>
+        </p:sp>
+        <p:sp>
+          <p:nvSpPr>
+            <p:cNvPr id="27" name="Freeform: Shape 26">
+              <a:extLst>
+                <a:ext uri="{FF2B5EF4-FFF2-40B4-BE49-F238E27FC236}">
+                  <a16:creationId xmlns:a16="http://schemas.microsoft.com/office/drawing/2014/main" id="{DE621623-0357-4FD5-A1AC-400501025957}"/>
+                </a:ext>
+                <a:ext uri="{C183D7F6-B498-43B3-948B-1728B52AA6E4}">
+                  <adec:decorative xmlns:adec="http://schemas.microsoft.com/office/drawing/2017/decorative" val="1"/>
+                </a:ext>
+              </a:extLst>
+            </p:cNvPr>
+            <p:cNvSpPr/>
+            <p:nvPr>
+              <p:extLst>
+                <p:ext uri="{386F3935-93C4-4BCD-93E2-E3B085C9AB24}">
+                  <p16:designElem xmlns:p16="http://schemas.microsoft.com/office/powerpoint/2015/main" val="1"/>
+                </p:ext>
+              </p:extLst>
+            </p:nvPr>
+          </p:nvSpPr>
+          <p:spPr>
+            <a:xfrm>
+              <a:off x="5875305" y="3208305"/>
+              <a:ext cx="380238" cy="380238"/>
+            </a:xfrm>
+            <a:custGeom>
+              <a:avLst/>
+              <a:gdLst>
+                <a:gd name="connsiteX0" fmla="*/ 380238 w 380238"/>
+                <a:gd name="connsiteY0" fmla="*/ 7239 h 380238"/>
+                <a:gd name="connsiteX1" fmla="*/ 7239 w 380238"/>
+                <a:gd name="connsiteY1" fmla="*/ 380238 h 380238"/>
+                <a:gd name="connsiteX2" fmla="*/ 0 w 380238"/>
+                <a:gd name="connsiteY2" fmla="*/ 370713 h 380238"/>
+                <a:gd name="connsiteX3" fmla="*/ 370237 w 380238"/>
+                <a:gd name="connsiteY3" fmla="*/ 0 h 380238"/>
+                <a:gd name="connsiteX4" fmla="*/ 380238 w 380238"/>
+                <a:gd name="connsiteY4" fmla="*/ 7239 h 380238"/>
+              </a:gdLst>
+              <a:ahLst/>
+              <a:cxnLst>
+                <a:cxn ang="0">
+                  <a:pos x="connsiteX0" y="connsiteY0"/>
+                </a:cxn>
+                <a:cxn ang="0">
+                  <a:pos x="connsiteX1" y="connsiteY1"/>
+                </a:cxn>
+                <a:cxn ang="0">
+                  <a:pos x="connsiteX2" y="connsiteY2"/>
+                </a:cxn>
+                <a:cxn ang="0">
+                  <a:pos x="connsiteX3" y="connsiteY3"/>
+                </a:cxn>
+                <a:cxn ang="0">
+                  <a:pos x="connsiteX4" y="connsiteY4"/>
+                </a:cxn>
+              </a:cxnLst>
+              <a:rect l="l" t="t" r="r" b="b"/>
+              <a:pathLst>
+                <a:path w="380238" h="380238">
+                  <a:moveTo>
+                    <a:pt x="380238" y="7239"/>
+                  </a:moveTo>
+                  <a:lnTo>
+                    <a:pt x="7239" y="380238"/>
+                  </a:lnTo>
+                  <a:cubicBezTo>
+                    <a:pt x="4763" y="377000"/>
+                    <a:pt x="2381" y="373571"/>
+                    <a:pt x="0" y="370713"/>
+                  </a:cubicBezTo>
+                  <a:lnTo>
+                    <a:pt x="370237" y="0"/>
+                  </a:lnTo>
+                  <a:cubicBezTo>
+                    <a:pt x="373571" y="2381"/>
+                    <a:pt x="377000" y="4763"/>
+                    <a:pt x="380238" y="7239"/>
+                  </a:cubicBezTo>
+                  <a:close/>
+                </a:path>
+              </a:pathLst>
+            </a:custGeom>
+            <a:grpFill/>
+            <a:ln w="9525" cap="flat">
+              <a:noFill/>
+              <a:prstDash val="solid"/>
+              <a:miter/>
+            </a:ln>
+          </p:spPr>
+          <p:txBody>
+            <a:bodyPr rtlCol="0" anchor="ctr"/>
+            <a:lstStyle/>
+            <a:p>
+              <a:endParaRPr lang="en-US"/>
+            </a:p>
+          </p:txBody>
+        </p:sp>
+        <p:sp>
+          <p:nvSpPr>
+            <p:cNvPr id="28" name="Freeform: Shape 27">
+              <a:extLst>
+                <a:ext uri="{FF2B5EF4-FFF2-40B4-BE49-F238E27FC236}">
+                  <a16:creationId xmlns:a16="http://schemas.microsoft.com/office/drawing/2014/main" id="{024F346E-10A0-458F-A9CA-8C0079472F9F}"/>
+                </a:ext>
+                <a:ext uri="{C183D7F6-B498-43B3-948B-1728B52AA6E4}">
+                  <adec:decorative xmlns:adec="http://schemas.microsoft.com/office/drawing/2017/decorative" val="1"/>
+                </a:ext>
+              </a:extLst>
+            </p:cNvPr>
+            <p:cNvSpPr/>
+            <p:nvPr>
+              <p:extLst>
+                <p:ext uri="{386F3935-93C4-4BCD-93E2-E3B085C9AB24}">
+                  <p16:designElem xmlns:p16="http://schemas.microsoft.com/office/powerpoint/2015/main" val="1"/>
+                </p:ext>
+              </p:extLst>
+            </p:nvPr>
+          </p:nvSpPr>
+          <p:spPr>
+            <a:xfrm>
+              <a:off x="5902832" y="3235832"/>
+              <a:ext cx="385191" cy="385191"/>
+            </a:xfrm>
+            <a:custGeom>
+              <a:avLst/>
+              <a:gdLst>
+                <a:gd name="connsiteX0" fmla="*/ 380905 w 385191"/>
+                <a:gd name="connsiteY0" fmla="*/ 4286 h 385191"/>
+                <a:gd name="connsiteX1" fmla="*/ 385191 w 385191"/>
+                <a:gd name="connsiteY1" fmla="*/ 8573 h 385191"/>
+                <a:gd name="connsiteX2" fmla="*/ 8573 w 385191"/>
+                <a:gd name="connsiteY2" fmla="*/ 385191 h 385191"/>
+                <a:gd name="connsiteX3" fmla="*/ 4286 w 385191"/>
+                <a:gd name="connsiteY3" fmla="*/ 380905 h 385191"/>
+                <a:gd name="connsiteX4" fmla="*/ 0 w 385191"/>
+                <a:gd name="connsiteY4" fmla="*/ 376523 h 385191"/>
+                <a:gd name="connsiteX5" fmla="*/ 376523 w 385191"/>
+                <a:gd name="connsiteY5" fmla="*/ 0 h 385191"/>
+                <a:gd name="connsiteX6" fmla="*/ 380905 w 385191"/>
+                <a:gd name="connsiteY6" fmla="*/ 4286 h 385191"/>
+              </a:gdLst>
+              <a:ahLst/>
+              <a:cxnLst>
+                <a:cxn ang="0">
+                  <a:pos x="connsiteX0" y="connsiteY0"/>
+                </a:cxn>
+                <a:cxn ang="0">
+                  <a:pos x="connsiteX1" y="connsiteY1"/>
+                </a:cxn>
+                <a:cxn ang="0">
+                  <a:pos x="connsiteX2" y="connsiteY2"/>
+                </a:cxn>
+                <a:cxn ang="0">
+                  <a:pos x="connsiteX3" y="connsiteY3"/>
+                </a:cxn>
+                <a:cxn ang="0">
+                  <a:pos x="connsiteX4" y="connsiteY4"/>
+                </a:cxn>
+                <a:cxn ang="0">
+                  <a:pos x="connsiteX5" y="connsiteY5"/>
+                </a:cxn>
+                <a:cxn ang="0">
+                  <a:pos x="connsiteX6" y="connsiteY6"/>
+                </a:cxn>
+              </a:cxnLst>
+              <a:rect l="l" t="t" r="r" b="b"/>
+              <a:pathLst>
+                <a:path w="385191" h="385191">
+                  <a:moveTo>
+                    <a:pt x="380905" y="4286"/>
+                  </a:moveTo>
+                  <a:lnTo>
+                    <a:pt x="385191" y="8573"/>
+                  </a:lnTo>
+                  <a:lnTo>
+                    <a:pt x="8573" y="385191"/>
+                  </a:lnTo>
+                  <a:lnTo>
+                    <a:pt x="4286" y="380905"/>
+                  </a:lnTo>
+                  <a:cubicBezTo>
+                    <a:pt x="2762" y="379476"/>
+                    <a:pt x="1334" y="377952"/>
+                    <a:pt x="0" y="376523"/>
+                  </a:cubicBezTo>
+                  <a:lnTo>
+                    <a:pt x="376523" y="0"/>
+                  </a:lnTo>
+                  <a:cubicBezTo>
+                    <a:pt x="377952" y="1334"/>
+                    <a:pt x="379476" y="2667"/>
+                    <a:pt x="380905" y="4286"/>
+                  </a:cubicBezTo>
+                  <a:close/>
+                </a:path>
+              </a:pathLst>
+            </a:custGeom>
+            <a:grpFill/>
+            <a:ln w="9525" cap="flat">
+              <a:noFill/>
+              <a:prstDash val="solid"/>
+              <a:miter/>
+            </a:ln>
+          </p:spPr>
+          <p:txBody>
+            <a:bodyPr rtlCol="0" anchor="ctr"/>
+            <a:lstStyle/>
+            <a:p>
+              <a:endParaRPr lang="en-US"/>
+            </a:p>
+          </p:txBody>
+        </p:sp>
+        <p:sp>
+          <p:nvSpPr>
+            <p:cNvPr id="29" name="Freeform: Shape 28">
+              <a:extLst>
+                <a:ext uri="{FF2B5EF4-FFF2-40B4-BE49-F238E27FC236}">
+                  <a16:creationId xmlns:a16="http://schemas.microsoft.com/office/drawing/2014/main" id="{7937A2F7-01A9-47F3-BED6-B61D998408AC}"/>
+                </a:ext>
+                <a:ext uri="{C183D7F6-B498-43B3-948B-1728B52AA6E4}">
+                  <adec:decorative xmlns:adec="http://schemas.microsoft.com/office/drawing/2017/decorative" val="1"/>
+                </a:ext>
+              </a:extLst>
+            </p:cNvPr>
+            <p:cNvSpPr/>
+            <p:nvPr>
+              <p:extLst>
+                <p:ext uri="{386F3935-93C4-4BCD-93E2-E3B085C9AB24}">
+                  <p16:designElem xmlns:p16="http://schemas.microsoft.com/office/powerpoint/2015/main" val="1"/>
+                </p:ext>
+              </p:extLst>
+            </p:nvPr>
+          </p:nvSpPr>
+          <p:spPr>
+            <a:xfrm>
+              <a:off x="5935789" y="3268313"/>
+              <a:ext cx="379761" cy="380237"/>
+            </a:xfrm>
+            <a:custGeom>
+              <a:avLst/>
+              <a:gdLst>
+                <a:gd name="connsiteX0" fmla="*/ 372428 w 379761"/>
+                <a:gd name="connsiteY0" fmla="*/ 0 h 380237"/>
+                <a:gd name="connsiteX1" fmla="*/ 379762 w 379761"/>
+                <a:gd name="connsiteY1" fmla="*/ 9525 h 380237"/>
+                <a:gd name="connsiteX2" fmla="*/ 9525 w 379761"/>
+                <a:gd name="connsiteY2" fmla="*/ 380238 h 380237"/>
+                <a:gd name="connsiteX3" fmla="*/ 0 w 379761"/>
+                <a:gd name="connsiteY3" fmla="*/ 372904 h 380237"/>
+              </a:gdLst>
+              <a:ahLst/>
+              <a:cxnLst>
+                <a:cxn ang="0">
+                  <a:pos x="connsiteX0" y="connsiteY0"/>
+                </a:cxn>
+                <a:cxn ang="0">
+                  <a:pos x="connsiteX1" y="connsiteY1"/>
+                </a:cxn>
+                <a:cxn ang="0">
+                  <a:pos x="connsiteX2" y="connsiteY2"/>
+                </a:cxn>
+                <a:cxn ang="0">
+                  <a:pos x="connsiteX3" y="connsiteY3"/>
+                </a:cxn>
+              </a:cxnLst>
+              <a:rect l="l" t="t" r="r" b="b"/>
+              <a:pathLst>
+                <a:path w="379761" h="380237">
+                  <a:moveTo>
+                    <a:pt x="372428" y="0"/>
+                  </a:moveTo>
+                  <a:cubicBezTo>
+                    <a:pt x="374999" y="3239"/>
+                    <a:pt x="377381" y="6572"/>
+                    <a:pt x="379762" y="9525"/>
+                  </a:cubicBezTo>
+                  <a:lnTo>
+                    <a:pt x="9525" y="380238"/>
+                  </a:lnTo>
+                  <a:cubicBezTo>
+                    <a:pt x="6096" y="377857"/>
+                    <a:pt x="2762" y="375476"/>
+                    <a:pt x="0" y="372904"/>
+                  </a:cubicBezTo>
+                  <a:close/>
+                </a:path>
+              </a:pathLst>
+            </a:custGeom>
+            <a:grpFill/>
+            <a:ln w="9525" cap="flat">
+              <a:noFill/>
+              <a:prstDash val="solid"/>
+              <a:miter/>
+            </a:ln>
+          </p:spPr>
+          <p:txBody>
+            <a:bodyPr rtlCol="0" anchor="ctr"/>
+            <a:lstStyle/>
+            <a:p>
+              <a:endParaRPr lang="en-US"/>
+            </a:p>
+          </p:txBody>
+        </p:sp>
+        <p:sp>
+          <p:nvSpPr>
+            <p:cNvPr id="30" name="Freeform: Shape 29">
+              <a:extLst>
+                <a:ext uri="{FF2B5EF4-FFF2-40B4-BE49-F238E27FC236}">
+                  <a16:creationId xmlns:a16="http://schemas.microsoft.com/office/drawing/2014/main" id="{5B44DAF8-5073-441A-82E1-180385D35F23}"/>
+                </a:ext>
+                <a:ext uri="{C183D7F6-B498-43B3-948B-1728B52AA6E4}">
+                  <adec:decorative xmlns:adec="http://schemas.microsoft.com/office/drawing/2017/decorative" val="1"/>
+                </a:ext>
+              </a:extLst>
+            </p:cNvPr>
+            <p:cNvSpPr/>
+            <p:nvPr>
+              <p:extLst>
+                <p:ext uri="{386F3935-93C4-4BCD-93E2-E3B085C9AB24}">
+                  <p16:designElem xmlns:p16="http://schemas.microsoft.com/office/powerpoint/2015/main" val="1"/>
+                </p:ext>
+              </p:extLst>
+            </p:nvPr>
+          </p:nvSpPr>
+          <p:spPr>
+            <a:xfrm>
+              <a:off x="5972841" y="3305841"/>
+              <a:ext cx="364807" cy="364807"/>
+            </a:xfrm>
+            <a:custGeom>
+              <a:avLst/>
+              <a:gdLst>
+                <a:gd name="connsiteX0" fmla="*/ 359188 w 364807"/>
+                <a:gd name="connsiteY0" fmla="*/ 0 h 364807"/>
+                <a:gd name="connsiteX1" fmla="*/ 364808 w 364807"/>
+                <a:gd name="connsiteY1" fmla="*/ 11621 h 364807"/>
+                <a:gd name="connsiteX2" fmla="*/ 11621 w 364807"/>
+                <a:gd name="connsiteY2" fmla="*/ 364808 h 364807"/>
+                <a:gd name="connsiteX3" fmla="*/ 0 w 364807"/>
+                <a:gd name="connsiteY3" fmla="*/ 359188 h 364807"/>
+              </a:gdLst>
+              <a:ahLst/>
+              <a:cxnLst>
+                <a:cxn ang="0">
+                  <a:pos x="connsiteX0" y="connsiteY0"/>
+                </a:cxn>
+                <a:cxn ang="0">
+                  <a:pos x="connsiteX1" y="connsiteY1"/>
+                </a:cxn>
+                <a:cxn ang="0">
+                  <a:pos x="connsiteX2" y="connsiteY2"/>
+                </a:cxn>
+                <a:cxn ang="0">
+                  <a:pos x="connsiteX3" y="connsiteY3"/>
+                </a:cxn>
+              </a:cxnLst>
+              <a:rect l="l" t="t" r="r" b="b"/>
+              <a:pathLst>
+                <a:path w="364807" h="364807">
+                  <a:moveTo>
+                    <a:pt x="359188" y="0"/>
+                  </a:moveTo>
+                  <a:cubicBezTo>
+                    <a:pt x="361188" y="3905"/>
+                    <a:pt x="362998" y="7715"/>
+                    <a:pt x="364808" y="11621"/>
+                  </a:cubicBezTo>
+                  <a:lnTo>
+                    <a:pt x="11621" y="364808"/>
+                  </a:lnTo>
+                  <a:cubicBezTo>
+                    <a:pt x="7715" y="362998"/>
+                    <a:pt x="3905" y="361188"/>
+                    <a:pt x="0" y="359188"/>
+                  </a:cubicBezTo>
+                  <a:close/>
+                </a:path>
+              </a:pathLst>
+            </a:custGeom>
+            <a:grpFill/>
+            <a:ln w="9525" cap="flat">
+              <a:noFill/>
+              <a:prstDash val="solid"/>
+              <a:miter/>
+            </a:ln>
+          </p:spPr>
+          <p:txBody>
+            <a:bodyPr rtlCol="0" anchor="ctr"/>
+            <a:lstStyle/>
+            <a:p>
+              <a:endParaRPr lang="en-US"/>
+            </a:p>
+          </p:txBody>
+        </p:sp>
+        <p:sp>
+          <p:nvSpPr>
+            <p:cNvPr id="31" name="Freeform: Shape 30">
+              <a:extLst>
+                <a:ext uri="{FF2B5EF4-FFF2-40B4-BE49-F238E27FC236}">
+                  <a16:creationId xmlns:a16="http://schemas.microsoft.com/office/drawing/2014/main" id="{52B0413D-0E36-4A90-8E6A-9EDC676A607B}"/>
+                </a:ext>
+                <a:ext uri="{C183D7F6-B498-43B3-948B-1728B52AA6E4}">
+                  <adec:decorative xmlns:adec="http://schemas.microsoft.com/office/drawing/2017/decorative" val="1"/>
+                </a:ext>
+              </a:extLst>
+            </p:cNvPr>
+            <p:cNvSpPr/>
+            <p:nvPr>
+              <p:extLst>
+                <p:ext uri="{386F3935-93C4-4BCD-93E2-E3B085C9AB24}">
+                  <p16:designElem xmlns:p16="http://schemas.microsoft.com/office/powerpoint/2015/main" val="1"/>
+                </p:ext>
+              </p:extLst>
+            </p:nvPr>
+          </p:nvSpPr>
+          <p:spPr>
+            <a:xfrm>
+              <a:off x="6016370" y="3349466"/>
+              <a:ext cx="337280" cy="337280"/>
+            </a:xfrm>
+            <a:custGeom>
+              <a:avLst/>
+              <a:gdLst>
+                <a:gd name="connsiteX0" fmla="*/ 333470 w 337280"/>
+                <a:gd name="connsiteY0" fmla="*/ 0 h 337280"/>
+                <a:gd name="connsiteX1" fmla="*/ 337280 w 337280"/>
+                <a:gd name="connsiteY1" fmla="*/ 13430 h 337280"/>
+                <a:gd name="connsiteX2" fmla="*/ 13430 w 337280"/>
+                <a:gd name="connsiteY2" fmla="*/ 337280 h 337280"/>
+                <a:gd name="connsiteX3" fmla="*/ 0 w 337280"/>
+                <a:gd name="connsiteY3" fmla="*/ 333470 h 337280"/>
+              </a:gdLst>
+              <a:ahLst/>
+              <a:cxnLst>
+                <a:cxn ang="0">
+                  <a:pos x="connsiteX0" y="connsiteY0"/>
+                </a:cxn>
+                <a:cxn ang="0">
+                  <a:pos x="connsiteX1" y="connsiteY1"/>
+                </a:cxn>
+                <a:cxn ang="0">
+                  <a:pos x="connsiteX2" y="connsiteY2"/>
+                </a:cxn>
+                <a:cxn ang="0">
+                  <a:pos x="connsiteX3" y="connsiteY3"/>
+                </a:cxn>
+              </a:cxnLst>
+              <a:rect l="l" t="t" r="r" b="b"/>
+              <a:pathLst>
+                <a:path w="337280" h="337280">
+                  <a:moveTo>
+                    <a:pt x="333470" y="0"/>
+                  </a:moveTo>
+                  <a:cubicBezTo>
+                    <a:pt x="334899" y="4382"/>
+                    <a:pt x="336137" y="8858"/>
+                    <a:pt x="337280" y="13430"/>
+                  </a:cubicBezTo>
+                  <a:lnTo>
+                    <a:pt x="13430" y="337280"/>
+                  </a:lnTo>
+                  <a:cubicBezTo>
+                    <a:pt x="8858" y="336137"/>
+                    <a:pt x="4382" y="334899"/>
+                    <a:pt x="0" y="333470"/>
+                  </a:cubicBezTo>
+                  <a:close/>
+                </a:path>
+              </a:pathLst>
+            </a:custGeom>
+            <a:grpFill/>
+            <a:ln w="9525" cap="flat">
+              <a:noFill/>
+              <a:prstDash val="solid"/>
+              <a:miter/>
+            </a:ln>
+          </p:spPr>
+          <p:txBody>
+            <a:bodyPr rtlCol="0" anchor="ctr"/>
+            <a:lstStyle/>
+            <a:p>
+              <a:endParaRPr lang="en-US"/>
+            </a:p>
+          </p:txBody>
+        </p:sp>
+        <p:sp>
+          <p:nvSpPr>
+            <p:cNvPr id="32" name="Freeform: Shape 31">
+              <a:extLst>
+                <a:ext uri="{FF2B5EF4-FFF2-40B4-BE49-F238E27FC236}">
+                  <a16:creationId xmlns:a16="http://schemas.microsoft.com/office/drawing/2014/main" id="{86059ECF-0D50-48AD-B67A-645EC29D3366}"/>
+                </a:ext>
+                <a:ext uri="{C183D7F6-B498-43B3-948B-1728B52AA6E4}">
+                  <adec:decorative xmlns:adec="http://schemas.microsoft.com/office/drawing/2017/decorative" val="1"/>
+                </a:ext>
+              </a:extLst>
+            </p:cNvPr>
+            <p:cNvSpPr/>
+            <p:nvPr>
+              <p:extLst>
+                <p:ext uri="{386F3935-93C4-4BCD-93E2-E3B085C9AB24}">
+                  <p16:designElem xmlns:p16="http://schemas.microsoft.com/office/powerpoint/2015/main" val="1"/>
+                </p:ext>
+              </p:extLst>
+            </p:nvPr>
+          </p:nvSpPr>
+          <p:spPr>
+            <a:xfrm>
+              <a:off x="6067329" y="3400425"/>
+              <a:ext cx="294227" cy="294132"/>
+            </a:xfrm>
+            <a:custGeom>
+              <a:avLst/>
+              <a:gdLst>
+                <a:gd name="connsiteX0" fmla="*/ 292989 w 294227"/>
+                <a:gd name="connsiteY0" fmla="*/ 0 h 294132"/>
+                <a:gd name="connsiteX1" fmla="*/ 294227 w 294227"/>
+                <a:gd name="connsiteY1" fmla="*/ 15907 h 294132"/>
+                <a:gd name="connsiteX2" fmla="*/ 15907 w 294227"/>
+                <a:gd name="connsiteY2" fmla="*/ 294132 h 294132"/>
+                <a:gd name="connsiteX3" fmla="*/ 0 w 294227"/>
+                <a:gd name="connsiteY3" fmla="*/ 292894 h 294132"/>
+              </a:gdLst>
+              <a:ahLst/>
+              <a:cxnLst>
+                <a:cxn ang="0">
+                  <a:pos x="connsiteX0" y="connsiteY0"/>
+                </a:cxn>
+                <a:cxn ang="0">
+                  <a:pos x="connsiteX1" y="connsiteY1"/>
+                </a:cxn>
+                <a:cxn ang="0">
+                  <a:pos x="connsiteX2" y="connsiteY2"/>
+                </a:cxn>
+                <a:cxn ang="0">
+                  <a:pos x="connsiteX3" y="connsiteY3"/>
+                </a:cxn>
+              </a:cxnLst>
+              <a:rect l="l" t="t" r="r" b="b"/>
+              <a:pathLst>
+                <a:path w="294227" h="294132">
+                  <a:moveTo>
+                    <a:pt x="292989" y="0"/>
+                  </a:moveTo>
+                  <a:cubicBezTo>
+                    <a:pt x="293561" y="5334"/>
+                    <a:pt x="293942" y="10668"/>
+                    <a:pt x="294227" y="15907"/>
+                  </a:cubicBezTo>
+                  <a:lnTo>
+                    <a:pt x="15907" y="294132"/>
+                  </a:lnTo>
+                  <a:cubicBezTo>
+                    <a:pt x="10668" y="294132"/>
+                    <a:pt x="5334" y="293465"/>
+                    <a:pt x="0" y="292894"/>
+                  </a:cubicBezTo>
+                  <a:close/>
+                </a:path>
+              </a:pathLst>
+            </a:custGeom>
+            <a:grpFill/>
+            <a:ln w="9525" cap="flat">
+              <a:noFill/>
+              <a:prstDash val="solid"/>
+              <a:miter/>
+            </a:ln>
+          </p:spPr>
+          <p:txBody>
+            <a:bodyPr rtlCol="0" anchor="ctr"/>
+            <a:lstStyle/>
+            <a:p>
+              <a:endParaRPr lang="en-US"/>
+            </a:p>
+          </p:txBody>
+        </p:sp>
+        <p:sp>
+          <p:nvSpPr>
+            <p:cNvPr id="33" name="Freeform: Shape 32">
+              <a:extLst>
+                <a:ext uri="{FF2B5EF4-FFF2-40B4-BE49-F238E27FC236}">
+                  <a16:creationId xmlns:a16="http://schemas.microsoft.com/office/drawing/2014/main" id="{B394906F-6BF2-447E-9886-F12708E12896}"/>
+                </a:ext>
+                <a:ext uri="{C183D7F6-B498-43B3-948B-1728B52AA6E4}">
+                  <adec:decorative xmlns:adec="http://schemas.microsoft.com/office/drawing/2017/decorative" val="1"/>
+                </a:ext>
+              </a:extLst>
+            </p:cNvPr>
+            <p:cNvSpPr/>
+            <p:nvPr>
+              <p:extLst>
+                <p:ext uri="{386F3935-93C4-4BCD-93E2-E3B085C9AB24}">
+                  <p16:designElem xmlns:p16="http://schemas.microsoft.com/office/powerpoint/2015/main" val="1"/>
+                </p:ext>
+              </p:extLst>
+            </p:nvPr>
+          </p:nvSpPr>
+          <p:spPr>
+            <a:xfrm>
+              <a:off x="6129337" y="3462337"/>
+              <a:ext cx="230314" cy="230314"/>
+            </a:xfrm>
+            <a:custGeom>
+              <a:avLst/>
+              <a:gdLst>
+                <a:gd name="connsiteX0" fmla="*/ 230315 w 230314"/>
+                <a:gd name="connsiteY0" fmla="*/ 0 h 230314"/>
+                <a:gd name="connsiteX1" fmla="*/ 226886 w 230314"/>
+                <a:gd name="connsiteY1" fmla="*/ 20574 h 230314"/>
+                <a:gd name="connsiteX2" fmla="*/ 20669 w 230314"/>
+                <a:gd name="connsiteY2" fmla="*/ 226790 h 230314"/>
+                <a:gd name="connsiteX3" fmla="*/ 0 w 230314"/>
+                <a:gd name="connsiteY3" fmla="*/ 230315 h 230314"/>
+              </a:gdLst>
+              <a:ahLst/>
+              <a:cxnLst>
+                <a:cxn ang="0">
+                  <a:pos x="connsiteX0" y="connsiteY0"/>
+                </a:cxn>
+                <a:cxn ang="0">
+                  <a:pos x="connsiteX1" y="connsiteY1"/>
+                </a:cxn>
+                <a:cxn ang="0">
+                  <a:pos x="connsiteX2" y="connsiteY2"/>
+                </a:cxn>
+                <a:cxn ang="0">
+                  <a:pos x="connsiteX3" y="connsiteY3"/>
+                </a:cxn>
+              </a:cxnLst>
+              <a:rect l="l" t="t" r="r" b="b"/>
+              <a:pathLst>
+                <a:path w="230314" h="230314">
+                  <a:moveTo>
+                    <a:pt x="230315" y="0"/>
+                  </a:moveTo>
+                  <a:cubicBezTo>
+                    <a:pt x="229457" y="6953"/>
+                    <a:pt x="228314" y="13716"/>
+                    <a:pt x="226886" y="20574"/>
+                  </a:cubicBezTo>
+                  <a:lnTo>
+                    <a:pt x="20669" y="226790"/>
+                  </a:lnTo>
+                  <a:cubicBezTo>
+                    <a:pt x="13811" y="228314"/>
+                    <a:pt x="6953" y="229457"/>
+                    <a:pt x="0" y="230315"/>
+                  </a:cubicBezTo>
+                  <a:close/>
+                </a:path>
+              </a:pathLst>
+            </a:custGeom>
+            <a:grpFill/>
+            <a:ln w="9525" cap="flat">
+              <a:noFill/>
+              <a:prstDash val="solid"/>
+              <a:miter/>
+            </a:ln>
+          </p:spPr>
+          <p:txBody>
+            <a:bodyPr rtlCol="0" anchor="ctr"/>
+            <a:lstStyle/>
+            <a:p>
+              <a:endParaRPr lang="en-US"/>
+            </a:p>
+          </p:txBody>
+        </p:sp>
+        <p:sp>
+          <p:nvSpPr>
+            <p:cNvPr id="34" name="Freeform: Shape 33">
+              <a:extLst>
+                <a:ext uri="{FF2B5EF4-FFF2-40B4-BE49-F238E27FC236}">
+                  <a16:creationId xmlns:a16="http://schemas.microsoft.com/office/drawing/2014/main" id="{A45EB96B-215A-4EBF-A594-2B082223393E}"/>
+                </a:ext>
+                <a:ext uri="{C183D7F6-B498-43B3-948B-1728B52AA6E4}">
+                  <adec:decorative xmlns:adec="http://schemas.microsoft.com/office/drawing/2017/decorative" val="1"/>
+                </a:ext>
+              </a:extLst>
+            </p:cNvPr>
+            <p:cNvSpPr/>
+            <p:nvPr>
+              <p:extLst>
+                <p:ext uri="{386F3935-93C4-4BCD-93E2-E3B085C9AB24}">
+                  <p16:designElem xmlns:p16="http://schemas.microsoft.com/office/powerpoint/2015/main" val="1"/>
+                </p:ext>
+              </p:extLst>
+            </p:nvPr>
+          </p:nvSpPr>
+          <p:spPr>
+            <a:xfrm>
+              <a:off x="6218682" y="3551682"/>
+              <a:ext cx="112871" cy="112871"/>
+            </a:xfrm>
+            <a:custGeom>
+              <a:avLst/>
+              <a:gdLst>
+                <a:gd name="connsiteX0" fmla="*/ 112871 w 112871"/>
+                <a:gd name="connsiteY0" fmla="*/ 0 h 112871"/>
+                <a:gd name="connsiteX1" fmla="*/ 0 w 112871"/>
+                <a:gd name="connsiteY1" fmla="*/ 112871 h 112871"/>
+              </a:gdLst>
+              <a:ahLst/>
+              <a:cxnLst>
+                <a:cxn ang="0">
+                  <a:pos x="connsiteX0" y="connsiteY0"/>
+                </a:cxn>
+                <a:cxn ang="0">
+                  <a:pos x="connsiteX1" y="connsiteY1"/>
+                </a:cxn>
+              </a:cxnLst>
+              <a:rect l="l" t="t" r="r" b="b"/>
+              <a:pathLst>
+                <a:path w="112871" h="112871">
+                  <a:moveTo>
+                    <a:pt x="112871" y="0"/>
+                  </a:moveTo>
+                  <a:cubicBezTo>
+                    <a:pt x="87618" y="48239"/>
+                    <a:pt x="48239" y="87618"/>
+                    <a:pt x="0" y="112871"/>
+                  </a:cubicBezTo>
+                  <a:close/>
+                </a:path>
+              </a:pathLst>
+            </a:custGeom>
+            <a:grpFill/>
+            <a:ln w="9525" cap="flat">
+              <a:noFill/>
+              <a:prstDash val="solid"/>
+              <a:miter/>
+            </a:ln>
+          </p:spPr>
+          <p:txBody>
+            <a:bodyPr rtlCol="0" anchor="ctr"/>
+            <a:lstStyle/>
+            <a:p>
+              <a:endParaRPr lang="en-US"/>
+            </a:p>
+          </p:txBody>
+        </p:sp>
+      </p:grpSp>
+      <p:graphicFrame>
+        <p:nvGraphicFramePr>
+          <p:cNvPr id="5" name="Content Placeholder 2">
+            <a:extLst>
+              <a:ext uri="{FF2B5EF4-FFF2-40B4-BE49-F238E27FC236}">
+                <a16:creationId xmlns:a16="http://schemas.microsoft.com/office/drawing/2014/main" id="{8E8211AC-CF0D-5CC1-AC8A-366183DE2E96}"/>
+              </a:ext>
+            </a:extLst>
+          </p:cNvPr>
+          <p:cNvGraphicFramePr>
+            <a:graphicFrameLocks noGrp="1"/>
+          </p:cNvGraphicFramePr>
+          <p:nvPr>
+            <p:ph idx="1"/>
+            <p:extLst>
+              <p:ext uri="{D42A27DB-BD31-4B8C-83A1-F6EECF244321}">
+                <p14:modId xmlns:p14="http://schemas.microsoft.com/office/powerpoint/2010/main" val="640056438"/>
+              </p:ext>
+            </p:extLst>
+          </p:nvPr>
+        </p:nvGraphicFramePr>
+        <p:xfrm>
+          <a:off x="5484139" y="477540"/>
+          <a:ext cx="6301601" cy="5878809"/>
+        </p:xfrm>
+        <a:graphic>
+          <a:graphicData uri="http://schemas.openxmlformats.org/drawingml/2006/diagram">
+            <dgm:relIds xmlns:dgm="http://schemas.openxmlformats.org/drawingml/2006/diagram" xmlns:r="http://schemas.openxmlformats.org/officeDocument/2006/relationships" r:dm="rId2" r:lo="rId3" r:qs="rId4" r:cs="rId5"/>
+          </a:graphicData>
+        </a:graphic>
+      </p:graphicFrame>
+    </p:spTree>
+    <p:extLst>
+      <p:ext uri="{BB962C8B-B14F-4D97-AF65-F5344CB8AC3E}">
+        <p14:creationId xmlns:p14="http://schemas.microsoft.com/office/powerpoint/2010/main" val="2149653596"/>
+      </p:ext>
+    </p:extLst>
+  </p:cSld>
+  <p:clrMapOvr>
+    <a:masterClrMapping/>
+  </p:clrMapOvr>
+</p:sld>
+</file>
+
+<file path=ppt/slides/slide7.xml><?xml version="1.0" encoding="utf-8"?>
+<p:sld xmlns:a="http://schemas.openxmlformats.org/drawingml/2006/main" xmlns:r="http://schemas.openxmlformats.org/officeDocument/2006/relationships" xmlns:p="http://schemas.openxmlformats.org/presentationml/2006/main">
+  <p:cSld>
     <p:spTree>
       <p:nvGrpSpPr>
         <p:cNvPr id="1" name=""/>
@@ -22822,7 +28668,7 @@
 </p:sld>
 </file>
 
-<file path=ppt/slides/slide7.xml><?xml version="1.0" encoding="utf-8"?>
+<file path=ppt/slides/slide8.xml><?xml version="1.0" encoding="utf-8"?>
 <p:sld xmlns:a="http://schemas.openxmlformats.org/drawingml/2006/main" xmlns:r="http://schemas.openxmlformats.org/officeDocument/2006/relationships" xmlns:p="http://schemas.openxmlformats.org/presentationml/2006/main">
   <p:cSld>
     <p:bg>
